--- a/WIP/Document/Project Report/capstone.pptx
+++ b/WIP/Document/Project Report/capstone.pptx
@@ -19,16 +19,16 @@
     <p:sldId id="281" r:id="rId10"/>
     <p:sldId id="279" r:id="rId11"/>
     <p:sldId id="280" r:id="rId12"/>
-    <p:sldId id="277" r:id="rId13"/>
-    <p:sldId id="261" r:id="rId14"/>
-    <p:sldId id="263" r:id="rId15"/>
-    <p:sldId id="270" r:id="rId16"/>
-    <p:sldId id="260" r:id="rId17"/>
-    <p:sldId id="265" r:id="rId18"/>
-    <p:sldId id="271" r:id="rId19"/>
+    <p:sldId id="285" r:id="rId13"/>
+    <p:sldId id="277" r:id="rId14"/>
+    <p:sldId id="284" r:id="rId15"/>
+    <p:sldId id="282" r:id="rId16"/>
+    <p:sldId id="286" r:id="rId17"/>
+    <p:sldId id="287" r:id="rId18"/>
+    <p:sldId id="288" r:id="rId19"/>
     <p:sldId id="267" r:id="rId20"/>
     <p:sldId id="266" r:id="rId21"/>
-    <p:sldId id="273" r:id="rId22"/>
+    <p:sldId id="289" r:id="rId22"/>
     <p:sldId id="268" r:id="rId23"/>
   </p:sldIdLst>
   <p:sldSz cx="9144000" cy="6858000" type="screen4x3"/>
@@ -8319,7 +8319,7 @@
                   </a:outerShdw>
                 </a:effectLst>
               </a:rPr>
-              <a:t>Main functions</a:t>
+              <a:t>Terms</a:t>
             </a:r>
             <a:endParaRPr lang="en-US" spc="0" dirty="0">
               <a:ln w="0"/>
@@ -8366,16 +8366,643 @@
           </a:prstGeom>
         </p:spPr>
       </p:pic>
+      <p:sp>
+        <p:nvSpPr>
+          <p:cNvPr id="48" name="TextBox 47"/>
+          <p:cNvSpPr txBox="1"/>
+          <p:nvPr/>
+        </p:nvSpPr>
+        <p:spPr>
+          <a:xfrm>
+            <a:off x="1007462" y="1131941"/>
+            <a:ext cx="4783737" cy="523220"/>
+          </a:xfrm>
+          <a:prstGeom prst="rect">
+            <a:avLst/>
+          </a:prstGeom>
+          <a:noFill/>
+        </p:spPr>
+        <p:txBody>
+          <a:bodyPr wrap="square" rtlCol="0">
+            <a:spAutoFit/>
+          </a:bodyPr>
+          <a:lstStyle/>
+          <a:p>
+            <a:r>
+              <a:rPr lang="en-US" sz="2800" dirty="0" smtClean="0">
+                <a:ln w="0"/>
+                <a:solidFill>
+                  <a:schemeClr val="accent1"/>
+                </a:solidFill>
+                <a:effectLst>
+                  <a:outerShdw blurRad="38100" dist="25400" dir="5400000" algn="ctr" rotWithShape="0">
+                    <a:srgbClr val="6E747A">
+                      <a:alpha val="43000"/>
+                    </a:srgbClr>
+                  </a:outerShdw>
+                </a:effectLst>
+                <a:latin typeface="+mj-lt"/>
+                <a:ea typeface="+mj-ea"/>
+                <a:cs typeface="+mj-cs"/>
+              </a:rPr>
+              <a:t>Reservation</a:t>
+            </a:r>
+            <a:endParaRPr lang="en-GB" sz="2800" dirty="0">
+              <a:ln w="0"/>
+              <a:solidFill>
+                <a:schemeClr val="accent1"/>
+              </a:solidFill>
+              <a:effectLst>
+                <a:outerShdw blurRad="38100" dist="25400" dir="5400000" algn="ctr" rotWithShape="0">
+                  <a:srgbClr val="6E747A">
+                    <a:alpha val="43000"/>
+                  </a:srgbClr>
+                </a:outerShdw>
+              </a:effectLst>
+              <a:latin typeface="+mj-lt"/>
+              <a:ea typeface="+mj-ea"/>
+              <a:cs typeface="+mj-cs"/>
+            </a:endParaRPr>
+          </a:p>
+        </p:txBody>
+      </p:sp>
+      <p:sp>
+        <p:nvSpPr>
+          <p:cNvPr id="13" name="TextBox 12"/>
+          <p:cNvSpPr txBox="1"/>
+          <p:nvPr/>
+        </p:nvSpPr>
+        <p:spPr>
+          <a:xfrm>
+            <a:off x="1091751" y="4488366"/>
+            <a:ext cx="7973206" cy="707886"/>
+          </a:xfrm>
+          <a:prstGeom prst="rect">
+            <a:avLst/>
+          </a:prstGeom>
+          <a:noFill/>
+        </p:spPr>
+        <p:txBody>
+          <a:bodyPr wrap="square" rtlCol="0">
+            <a:spAutoFit/>
+          </a:bodyPr>
+          <a:lstStyle/>
+          <a:p>
+            <a:r>
+              <a:rPr lang="en-US" sz="2000" dirty="0" smtClean="0"/>
+              <a:t>Customer 1 books for a ticket from </a:t>
+            </a:r>
+            <a:r>
+              <a:rPr lang="en-US" sz="2000" dirty="0" err="1" smtClean="0"/>
+              <a:t>Hồ</a:t>
+            </a:r>
+            <a:r>
+              <a:rPr lang="en-US" sz="2000" dirty="0" smtClean="0"/>
+              <a:t> </a:t>
+            </a:r>
+            <a:r>
+              <a:rPr lang="en-US" sz="2000" dirty="0" err="1" smtClean="0"/>
+              <a:t>Chí</a:t>
+            </a:r>
+            <a:r>
+              <a:rPr lang="en-US" sz="2000" dirty="0" smtClean="0"/>
+              <a:t> Minh City to </a:t>
+            </a:r>
+            <a:r>
+              <a:rPr lang="en-US" sz="2000" dirty="0" err="1" smtClean="0"/>
+              <a:t>Hải</a:t>
+            </a:r>
+            <a:r>
+              <a:rPr lang="en-US" sz="2000" dirty="0" smtClean="0"/>
+              <a:t> </a:t>
+            </a:r>
+            <a:r>
+              <a:rPr lang="en-US" sz="2000" dirty="0" err="1" smtClean="0"/>
+              <a:t>Phòng</a:t>
+            </a:r>
+            <a:r>
+              <a:rPr lang="en-US" sz="2000" dirty="0" smtClean="0"/>
+              <a:t>. Reservation of customer 1 has only one ticket</a:t>
+            </a:r>
+            <a:endParaRPr lang="en-GB" sz="2000" dirty="0"/>
+          </a:p>
+        </p:txBody>
+      </p:sp>
+      <p:sp>
+        <p:nvSpPr>
+          <p:cNvPr id="15" name="TextBox 14"/>
+          <p:cNvSpPr txBox="1"/>
+          <p:nvPr/>
+        </p:nvSpPr>
+        <p:spPr>
+          <a:xfrm>
+            <a:off x="754315" y="4141432"/>
+            <a:ext cx="1531685" cy="400110"/>
+          </a:xfrm>
+          <a:prstGeom prst="rect">
+            <a:avLst/>
+          </a:prstGeom>
+          <a:solidFill>
+            <a:srgbClr val="002060"/>
+          </a:solidFill>
+        </p:spPr>
+        <p:txBody>
+          <a:bodyPr wrap="square" rtlCol="0">
+            <a:spAutoFit/>
+          </a:bodyPr>
+          <a:lstStyle/>
+          <a:p>
+            <a:r>
+              <a:rPr lang="en-US" sz="2000" b="1" dirty="0" smtClean="0">
+                <a:solidFill>
+                  <a:schemeClr val="bg1"/>
+                </a:solidFill>
+              </a:rPr>
+              <a:t>Reservation</a:t>
+            </a:r>
+            <a:endParaRPr lang="en-GB" sz="2000" b="1" dirty="0">
+              <a:solidFill>
+                <a:schemeClr val="bg1"/>
+              </a:solidFill>
+            </a:endParaRPr>
+          </a:p>
+        </p:txBody>
+      </p:sp>
+      <p:grpSp>
+        <p:nvGrpSpPr>
+          <p:cNvPr id="14" name="Group 13"/>
+          <p:cNvGrpSpPr/>
+          <p:nvPr/>
+        </p:nvGrpSpPr>
+        <p:grpSpPr>
+          <a:xfrm>
+            <a:off x="808499" y="1738208"/>
+            <a:ext cx="8288937" cy="2050318"/>
+            <a:chOff x="855063" y="2661989"/>
+            <a:chExt cx="8288937" cy="2050318"/>
+          </a:xfrm>
+        </p:grpSpPr>
+        <p:grpSp>
+          <p:nvGrpSpPr>
+            <p:cNvPr id="44" name="Group 43"/>
+            <p:cNvGrpSpPr/>
+            <p:nvPr/>
+          </p:nvGrpSpPr>
+          <p:grpSpPr>
+            <a:xfrm>
+              <a:off x="855063" y="2661989"/>
+              <a:ext cx="8288937" cy="1907102"/>
+              <a:chOff x="171762" y="2885607"/>
+              <a:chExt cx="8288937" cy="1907102"/>
+            </a:xfrm>
+          </p:grpSpPr>
+          <p:sp>
+            <p:nvSpPr>
+              <p:cNvPr id="37" name="Oval 36"/>
+              <p:cNvSpPr/>
+              <p:nvPr/>
+            </p:nvSpPr>
+            <p:spPr>
+              <a:xfrm>
+                <a:off x="838200" y="3352800"/>
+                <a:ext cx="304800" cy="304800"/>
+              </a:xfrm>
+              <a:prstGeom prst="ellipse">
+                <a:avLst/>
+              </a:prstGeom>
+              <a:solidFill>
+                <a:srgbClr val="FF0000"/>
+              </a:solidFill>
+              <a:ln>
+                <a:solidFill>
+                  <a:schemeClr val="tx1"/>
+                </a:solidFill>
+              </a:ln>
+            </p:spPr>
+            <p:style>
+              <a:lnRef idx="2">
+                <a:schemeClr val="accent1">
+                  <a:shade val="50000"/>
+                </a:schemeClr>
+              </a:lnRef>
+              <a:fillRef idx="1">
+                <a:schemeClr val="accent1"/>
+              </a:fillRef>
+              <a:effectRef idx="0">
+                <a:schemeClr val="accent1"/>
+              </a:effectRef>
+              <a:fontRef idx="minor">
+                <a:schemeClr val="lt1"/>
+              </a:fontRef>
+            </p:style>
+            <p:txBody>
+              <a:bodyPr rtlCol="0" anchor="ctr"/>
+              <a:lstStyle/>
+              <a:p>
+                <a:pPr algn="ctr"/>
+                <a:endParaRPr lang="en-GB"/>
+              </a:p>
+            </p:txBody>
+          </p:sp>
+          <p:sp>
+            <p:nvSpPr>
+              <p:cNvPr id="40" name="Oval 39"/>
+              <p:cNvSpPr/>
+              <p:nvPr/>
+            </p:nvSpPr>
+            <p:spPr>
+              <a:xfrm>
+                <a:off x="7010400" y="4487909"/>
+                <a:ext cx="304800" cy="304800"/>
+              </a:xfrm>
+              <a:prstGeom prst="ellipse">
+                <a:avLst/>
+              </a:prstGeom>
+              <a:solidFill>
+                <a:srgbClr val="92D050"/>
+              </a:solidFill>
+              <a:ln>
+                <a:solidFill>
+                  <a:schemeClr val="tx1"/>
+                </a:solidFill>
+              </a:ln>
+            </p:spPr>
+            <p:style>
+              <a:lnRef idx="2">
+                <a:schemeClr val="accent1">
+                  <a:shade val="50000"/>
+                </a:schemeClr>
+              </a:lnRef>
+              <a:fillRef idx="1">
+                <a:schemeClr val="accent1"/>
+              </a:fillRef>
+              <a:effectRef idx="0">
+                <a:schemeClr val="accent1"/>
+              </a:effectRef>
+              <a:fontRef idx="minor">
+                <a:schemeClr val="lt1"/>
+              </a:fontRef>
+            </p:style>
+            <p:txBody>
+              <a:bodyPr rtlCol="0" anchor="ctr"/>
+              <a:lstStyle/>
+              <a:p>
+                <a:pPr algn="ctr"/>
+                <a:endParaRPr lang="en-GB"/>
+              </a:p>
+            </p:txBody>
+          </p:sp>
+          <p:sp>
+            <p:nvSpPr>
+              <p:cNvPr id="38" name="Oval 37"/>
+              <p:cNvSpPr/>
+              <p:nvPr/>
+            </p:nvSpPr>
+            <p:spPr>
+              <a:xfrm>
+                <a:off x="3862466" y="3334261"/>
+                <a:ext cx="304800" cy="304800"/>
+              </a:xfrm>
+              <a:prstGeom prst="ellipse">
+                <a:avLst/>
+              </a:prstGeom>
+              <a:solidFill>
+                <a:srgbClr val="FFFF00"/>
+              </a:solidFill>
+              <a:ln>
+                <a:solidFill>
+                  <a:schemeClr val="tx1"/>
+                </a:solidFill>
+              </a:ln>
+            </p:spPr>
+            <p:style>
+              <a:lnRef idx="2">
+                <a:schemeClr val="accent1">
+                  <a:shade val="50000"/>
+                </a:schemeClr>
+              </a:lnRef>
+              <a:fillRef idx="1">
+                <a:schemeClr val="accent1"/>
+              </a:fillRef>
+              <a:effectRef idx="0">
+                <a:schemeClr val="accent1"/>
+              </a:effectRef>
+              <a:fontRef idx="minor">
+                <a:schemeClr val="lt1"/>
+              </a:fontRef>
+            </p:style>
+            <p:txBody>
+              <a:bodyPr rtlCol="0" anchor="ctr"/>
+              <a:lstStyle/>
+              <a:p>
+                <a:pPr algn="ctr"/>
+                <a:endParaRPr lang="en-GB"/>
+              </a:p>
+            </p:txBody>
+          </p:sp>
+          <p:cxnSp>
+            <p:nvCxnSpPr>
+              <p:cNvPr id="20" name="Straight Arrow Connector 19"/>
+              <p:cNvCxnSpPr/>
+              <p:nvPr/>
+            </p:nvCxnSpPr>
+            <p:spPr>
+              <a:xfrm>
+                <a:off x="990600" y="3505200"/>
+                <a:ext cx="3048000" cy="0"/>
+              </a:xfrm>
+              <a:prstGeom prst="straightConnector1">
+                <a:avLst/>
+              </a:prstGeom>
+              <a:ln w="38100">
+                <a:tailEnd type="triangle"/>
+              </a:ln>
+            </p:spPr>
+            <p:style>
+              <a:lnRef idx="3">
+                <a:schemeClr val="accent1"/>
+              </a:lnRef>
+              <a:fillRef idx="0">
+                <a:schemeClr val="accent1"/>
+              </a:fillRef>
+              <a:effectRef idx="2">
+                <a:schemeClr val="accent1"/>
+              </a:effectRef>
+              <a:fontRef idx="minor">
+                <a:schemeClr val="tx1"/>
+              </a:fontRef>
+            </p:style>
+          </p:cxnSp>
+          <p:cxnSp>
+            <p:nvCxnSpPr>
+              <p:cNvPr id="35" name="Straight Arrow Connector 34"/>
+              <p:cNvCxnSpPr/>
+              <p:nvPr/>
+            </p:nvCxnSpPr>
+            <p:spPr>
+              <a:xfrm>
+                <a:off x="4038600" y="3505200"/>
+                <a:ext cx="3200400" cy="1143000"/>
+              </a:xfrm>
+              <a:prstGeom prst="straightConnector1">
+                <a:avLst/>
+              </a:prstGeom>
+              <a:ln w="38100">
+                <a:solidFill>
+                  <a:srgbClr val="002060"/>
+                </a:solidFill>
+                <a:tailEnd type="triangle"/>
+              </a:ln>
+            </p:spPr>
+            <p:style>
+              <a:lnRef idx="3">
+                <a:schemeClr val="accent1"/>
+              </a:lnRef>
+              <a:fillRef idx="0">
+                <a:schemeClr val="accent1"/>
+              </a:fillRef>
+              <a:effectRef idx="2">
+                <a:schemeClr val="accent1"/>
+              </a:effectRef>
+              <a:fontRef idx="minor">
+                <a:schemeClr val="tx1"/>
+              </a:fontRef>
+            </p:style>
+          </p:cxnSp>
+          <p:sp>
+            <p:nvSpPr>
+              <p:cNvPr id="36" name="TextBox 35"/>
+              <p:cNvSpPr txBox="1"/>
+              <p:nvPr/>
+            </p:nvSpPr>
+            <p:spPr>
+              <a:xfrm>
+                <a:off x="171762" y="2885607"/>
+                <a:ext cx="1612692" cy="707886"/>
+              </a:xfrm>
+              <a:prstGeom prst="rect">
+                <a:avLst/>
+              </a:prstGeom>
+              <a:noFill/>
+            </p:spPr>
+            <p:txBody>
+              <a:bodyPr wrap="square" rtlCol="0">
+                <a:spAutoFit/>
+              </a:bodyPr>
+              <a:lstStyle/>
+              <a:p>
+                <a:r>
+                  <a:rPr lang="en-US" sz="2000" b="1" dirty="0" err="1" smtClean="0"/>
+                  <a:t>Hồ</a:t>
+                </a:r>
+                <a:r>
+                  <a:rPr lang="en-US" sz="2000" b="1" dirty="0" smtClean="0"/>
+                  <a:t> </a:t>
+                </a:r>
+                <a:r>
+                  <a:rPr lang="en-US" sz="2000" b="1" dirty="0" err="1" smtClean="0"/>
+                  <a:t>Chí</a:t>
+                </a:r>
+                <a:r>
+                  <a:rPr lang="en-US" sz="2000" b="1" dirty="0" smtClean="0"/>
+                  <a:t> Minh City</a:t>
+                </a:r>
+                <a:endParaRPr lang="en-GB" sz="2000" b="1" dirty="0"/>
+              </a:p>
+            </p:txBody>
+          </p:sp>
+          <p:sp>
+            <p:nvSpPr>
+              <p:cNvPr id="41" name="TextBox 40"/>
+              <p:cNvSpPr txBox="1"/>
+              <p:nvPr/>
+            </p:nvSpPr>
+            <p:spPr>
+              <a:xfrm>
+                <a:off x="3405266" y="2913089"/>
+                <a:ext cx="1090534" cy="400110"/>
+              </a:xfrm>
+              <a:prstGeom prst="rect">
+                <a:avLst/>
+              </a:prstGeom>
+              <a:noFill/>
+            </p:spPr>
+            <p:txBody>
+              <a:bodyPr wrap="square" rtlCol="0">
+                <a:spAutoFit/>
+              </a:bodyPr>
+              <a:lstStyle/>
+              <a:p>
+                <a:r>
+                  <a:rPr lang="en-US" sz="2000" b="1" dirty="0" err="1" smtClean="0"/>
+                  <a:t>Đà</a:t>
+                </a:r>
+                <a:r>
+                  <a:rPr lang="en-US" sz="2000" b="1" dirty="0" smtClean="0"/>
+                  <a:t> </a:t>
+                </a:r>
+                <a:r>
+                  <a:rPr lang="en-US" sz="2000" b="1" dirty="0" err="1" smtClean="0"/>
+                  <a:t>Nẵng</a:t>
+                </a:r>
+                <a:endParaRPr lang="en-GB" sz="2000" b="1" dirty="0"/>
+              </a:p>
+            </p:txBody>
+          </p:sp>
+          <p:sp>
+            <p:nvSpPr>
+              <p:cNvPr id="43" name="TextBox 42"/>
+              <p:cNvSpPr txBox="1"/>
+              <p:nvPr/>
+            </p:nvSpPr>
+            <p:spPr>
+              <a:xfrm>
+                <a:off x="6631899" y="4033108"/>
+                <a:ext cx="1828800" cy="400110"/>
+              </a:xfrm>
+              <a:prstGeom prst="rect">
+                <a:avLst/>
+              </a:prstGeom>
+              <a:noFill/>
+            </p:spPr>
+            <p:txBody>
+              <a:bodyPr wrap="square" rtlCol="0">
+                <a:spAutoFit/>
+              </a:bodyPr>
+              <a:lstStyle/>
+              <a:p>
+                <a:r>
+                  <a:rPr lang="en-US" sz="2000" b="1" dirty="0" err="1" smtClean="0"/>
+                  <a:t>Hải</a:t>
+                </a:r>
+                <a:r>
+                  <a:rPr lang="en-US" sz="2000" b="1" dirty="0" smtClean="0"/>
+                  <a:t> </a:t>
+                </a:r>
+                <a:r>
+                  <a:rPr lang="en-US" sz="2000" b="1" dirty="0" err="1" smtClean="0"/>
+                  <a:t>Phòng</a:t>
+                </a:r>
+                <a:endParaRPr lang="en-GB" sz="2000" b="1" dirty="0"/>
+              </a:p>
+            </p:txBody>
+          </p:sp>
+        </p:grpSp>
+        <p:cxnSp>
+          <p:nvCxnSpPr>
+            <p:cNvPr id="4" name="Straight Connector 3"/>
+            <p:cNvCxnSpPr/>
+            <p:nvPr/>
+          </p:nvCxnSpPr>
+          <p:spPr>
+            <a:xfrm>
+              <a:off x="1653651" y="3657600"/>
+              <a:ext cx="3088500" cy="0"/>
+            </a:xfrm>
+            <a:prstGeom prst="line">
+              <a:avLst/>
+            </a:prstGeom>
+            <a:ln w="38100">
+              <a:solidFill>
+                <a:srgbClr val="00B0F0"/>
+              </a:solidFill>
+              <a:prstDash val="dash"/>
+              <a:tailEnd type="triangle"/>
+            </a:ln>
+          </p:spPr>
+          <p:style>
+            <a:lnRef idx="3">
+              <a:schemeClr val="accent1"/>
+            </a:lnRef>
+            <a:fillRef idx="0">
+              <a:schemeClr val="accent1"/>
+            </a:fillRef>
+            <a:effectRef idx="2">
+              <a:schemeClr val="accent1"/>
+            </a:effectRef>
+            <a:fontRef idx="minor">
+              <a:schemeClr val="tx1"/>
+            </a:fontRef>
+          </p:style>
+        </p:cxnSp>
+        <p:pic>
+          <p:nvPicPr>
+            <p:cNvPr id="18" name="Picture 17"/>
+            <p:cNvPicPr>
+              <a:picLocks noChangeAspect="1"/>
+            </p:cNvPicPr>
+            <p:nvPr/>
+          </p:nvPicPr>
+          <p:blipFill>
+            <a:blip r:embed="rId4" cstate="print">
+              <a:extLst>
+                <a:ext uri="{28A0092B-C50C-407E-A947-70E740481C1C}">
+                  <a14:useLocalDpi xmlns:a14="http://schemas.microsoft.com/office/drawing/2010/main" val="0"/>
+                </a:ext>
+              </a:extLst>
+            </a:blip>
+            <a:stretch>
+              <a:fillRect/>
+            </a:stretch>
+          </p:blipFill>
+          <p:spPr>
+            <a:xfrm>
+              <a:off x="3410380" y="3270712"/>
+              <a:ext cx="780960" cy="780960"/>
+            </a:xfrm>
+            <a:prstGeom prst="rect">
+              <a:avLst/>
+            </a:prstGeom>
+          </p:spPr>
+        </p:pic>
+        <p:cxnSp>
+          <p:nvCxnSpPr>
+            <p:cNvPr id="26" name="Straight Connector 25"/>
+            <p:cNvCxnSpPr/>
+            <p:nvPr/>
+          </p:nvCxnSpPr>
+          <p:spPr>
+            <a:xfrm>
+              <a:off x="4633834" y="3657600"/>
+              <a:ext cx="3080117" cy="1054707"/>
+            </a:xfrm>
+            <a:prstGeom prst="line">
+              <a:avLst/>
+            </a:prstGeom>
+            <a:ln w="38100">
+              <a:solidFill>
+                <a:srgbClr val="00B0F0"/>
+              </a:solidFill>
+              <a:prstDash val="dash"/>
+              <a:tailEnd type="triangle"/>
+            </a:ln>
+          </p:spPr>
+          <p:style>
+            <a:lnRef idx="3">
+              <a:schemeClr val="accent1"/>
+            </a:lnRef>
+            <a:fillRef idx="0">
+              <a:schemeClr val="accent1"/>
+            </a:fillRef>
+            <a:effectRef idx="2">
+              <a:schemeClr val="accent1"/>
+            </a:effectRef>
+            <a:fontRef idx="minor">
+              <a:schemeClr val="tx1"/>
+            </a:fontRef>
+          </p:style>
+        </p:cxnSp>
+      </p:grpSp>
       <p:pic>
         <p:nvPicPr>
-          <p:cNvPr id="23" name="Picture 22"/>
+          <p:cNvPr id="3" name="Picture 2"/>
           <p:cNvPicPr>
             <a:picLocks noChangeAspect="1"/>
           </p:cNvPicPr>
           <p:nvPr/>
         </p:nvPicPr>
         <p:blipFill>
-          <a:blip r:embed="rId4">
+          <a:blip r:embed="rId5" cstate="print">
             <a:extLst>
               <a:ext uri="{28A0092B-C50C-407E-A947-70E740481C1C}">
                 <a14:useLocalDpi xmlns:a14="http://schemas.microsoft.com/office/drawing/2010/main" val="0"/>
@@ -8388,47 +9015,189 @@
         </p:blipFill>
         <p:spPr>
           <a:xfrm>
-            <a:off x="381000" y="2514600"/>
-            <a:ext cx="1676400" cy="1676400"/>
+            <a:off x="466630" y="4771053"/>
+            <a:ext cx="683738" cy="683738"/>
           </a:xfrm>
           <a:prstGeom prst="rect">
             <a:avLst/>
           </a:prstGeom>
         </p:spPr>
       </p:pic>
-      <p:pic>
-        <p:nvPicPr>
-          <p:cNvPr id="7" name="Picture 6"/>
-          <p:cNvPicPr>
-            <a:picLocks noChangeAspect="1"/>
-          </p:cNvPicPr>
+      <p:sp>
+        <p:nvSpPr>
+          <p:cNvPr id="27" name="TextBox 26"/>
+          <p:cNvSpPr txBox="1"/>
           <p:nvPr/>
-        </p:nvPicPr>
-        <p:blipFill>
-          <a:blip r:embed="rId5">
-            <a:extLst>
-              <a:ext uri="{28A0092B-C50C-407E-A947-70E740481C1C}">
-                <a14:useLocalDpi xmlns:a14="http://schemas.microsoft.com/office/drawing/2010/main" val="0"/>
-              </a:ext>
-            </a:extLst>
-          </a:blip>
-          <a:stretch>
-            <a:fillRect/>
-          </a:stretch>
-        </p:blipFill>
+        </p:nvSpPr>
         <p:spPr>
           <a:xfrm>
-            <a:off x="4000500" y="1066800"/>
-            <a:ext cx="2133600" cy="2133600"/>
+            <a:off x="1091751" y="5112922"/>
+            <a:ext cx="7973206" cy="1015663"/>
           </a:xfrm>
           <a:prstGeom prst="rect">
             <a:avLst/>
           </a:prstGeom>
-        </p:spPr>
-      </p:pic>
+          <a:noFill/>
+        </p:spPr>
+        <p:txBody>
+          <a:bodyPr wrap="square" rtlCol="0">
+            <a:spAutoFit/>
+          </a:bodyPr>
+          <a:lstStyle/>
+          <a:p>
+            <a:r>
+              <a:rPr lang="en-US" sz="2000" dirty="0" smtClean="0"/>
+              <a:t>Customer 2 books for round-trip from </a:t>
+            </a:r>
+            <a:r>
+              <a:rPr lang="en-US" sz="2000" dirty="0" err="1" smtClean="0"/>
+              <a:t>Hồ</a:t>
+            </a:r>
+            <a:r>
+              <a:rPr lang="en-US" sz="2000" dirty="0" smtClean="0"/>
+              <a:t> </a:t>
+            </a:r>
+            <a:r>
+              <a:rPr lang="en-US" sz="2000" dirty="0" err="1" smtClean="0"/>
+              <a:t>Chí</a:t>
+            </a:r>
+            <a:r>
+              <a:rPr lang="en-US" sz="2000" dirty="0" smtClean="0"/>
+              <a:t> Minh City to </a:t>
+            </a:r>
+            <a:r>
+              <a:rPr lang="en-US" sz="2000" dirty="0" err="1" smtClean="0"/>
+              <a:t>Hải</a:t>
+            </a:r>
+            <a:r>
+              <a:rPr lang="en-US" sz="2000" dirty="0" smtClean="0"/>
+              <a:t> </a:t>
+            </a:r>
+            <a:r>
+              <a:rPr lang="en-US" sz="2000" dirty="0" err="1" smtClean="0"/>
+              <a:t>Phòng</a:t>
+            </a:r>
+            <a:r>
+              <a:rPr lang="en-US" sz="2000" dirty="0" smtClean="0"/>
+              <a:t> and </a:t>
+            </a:r>
+            <a:r>
+              <a:rPr lang="en-US" sz="2000" dirty="0" err="1" smtClean="0"/>
+              <a:t>Hải</a:t>
+            </a:r>
+            <a:r>
+              <a:rPr lang="en-US" sz="2000" dirty="0" smtClean="0"/>
+              <a:t> </a:t>
+            </a:r>
+            <a:r>
+              <a:rPr lang="en-US" sz="2000" dirty="0" err="1" smtClean="0"/>
+              <a:t>Phòng</a:t>
+            </a:r>
+            <a:r>
+              <a:rPr lang="en-US" sz="2000" dirty="0" smtClean="0"/>
+              <a:t> return to </a:t>
+            </a:r>
+            <a:r>
+              <a:rPr lang="en-US" sz="2000" dirty="0" err="1" smtClean="0"/>
+              <a:t>Hồ</a:t>
+            </a:r>
+            <a:r>
+              <a:rPr lang="en-US" sz="2000" dirty="0" smtClean="0"/>
+              <a:t> </a:t>
+            </a:r>
+            <a:r>
+              <a:rPr lang="en-US" sz="2000" dirty="0" err="1" smtClean="0"/>
+              <a:t>Chí</a:t>
+            </a:r>
+            <a:r>
+              <a:rPr lang="en-US" sz="2000" dirty="0" smtClean="0"/>
+              <a:t> Minh City. Reservation of customer 2 has two tickets.</a:t>
+            </a:r>
+            <a:endParaRPr lang="en-GB" sz="2000" dirty="0"/>
+          </a:p>
+        </p:txBody>
+      </p:sp>
+      <p:cxnSp>
+        <p:nvCxnSpPr>
+          <p:cNvPr id="11" name="Straight Arrow Connector 10"/>
+          <p:cNvCxnSpPr/>
+          <p:nvPr/>
+        </p:nvCxnSpPr>
+        <p:spPr>
+          <a:xfrm flipH="1" flipV="1">
+            <a:off x="4511070" y="3060442"/>
+            <a:ext cx="2892198" cy="1015953"/>
+          </a:xfrm>
+          <a:prstGeom prst="straightConnector1">
+            <a:avLst/>
+          </a:prstGeom>
+          <a:ln w="38100">
+            <a:solidFill>
+              <a:schemeClr val="bg1">
+                <a:lumMod val="50000"/>
+              </a:schemeClr>
+            </a:solidFill>
+            <a:prstDash val="dash"/>
+            <a:tailEnd type="triangle"/>
+          </a:ln>
+        </p:spPr>
+        <p:style>
+          <a:lnRef idx="3">
+            <a:schemeClr val="accent1"/>
+          </a:lnRef>
+          <a:fillRef idx="0">
+            <a:schemeClr val="accent1"/>
+          </a:fillRef>
+          <a:effectRef idx="2">
+            <a:schemeClr val="accent1"/>
+          </a:effectRef>
+          <a:fontRef idx="minor">
+            <a:schemeClr val="tx1"/>
+          </a:fontRef>
+        </p:style>
+      </p:cxnSp>
+      <p:cxnSp>
+        <p:nvCxnSpPr>
+          <p:cNvPr id="39" name="Straight Arrow Connector 38"/>
+          <p:cNvCxnSpPr/>
+          <p:nvPr/>
+        </p:nvCxnSpPr>
+        <p:spPr>
+          <a:xfrm flipH="1">
+            <a:off x="1564528" y="3066694"/>
+            <a:ext cx="2991945" cy="59078"/>
+          </a:xfrm>
+          <a:prstGeom prst="straightConnector1">
+            <a:avLst/>
+          </a:prstGeom>
+          <a:ln w="38100">
+            <a:solidFill>
+              <a:schemeClr val="bg1">
+                <a:lumMod val="50000"/>
+              </a:schemeClr>
+            </a:solidFill>
+            <a:prstDash val="dash"/>
+            <a:tailEnd type="triangle"/>
+          </a:ln>
+        </p:spPr>
+        <p:style>
+          <a:lnRef idx="3">
+            <a:schemeClr val="accent1"/>
+          </a:lnRef>
+          <a:fillRef idx="0">
+            <a:schemeClr val="accent1"/>
+          </a:fillRef>
+          <a:effectRef idx="2">
+            <a:schemeClr val="accent1"/>
+          </a:effectRef>
+          <a:fontRef idx="minor">
+            <a:schemeClr val="tx1"/>
+          </a:fontRef>
+        </p:style>
+      </p:cxnSp>
       <p:pic>
         <p:nvPicPr>
-          <p:cNvPr id="8" name="Picture 7"/>
+          <p:cNvPr id="9" name="Picture 8"/>
           <p:cNvPicPr>
             <a:picLocks noChangeAspect="1"/>
           </p:cNvPicPr>
@@ -8447,213 +9216,19 @@
           </a:stretch>
         </p:blipFill>
         <p:spPr>
-          <a:xfrm>
-            <a:off x="4229100" y="2866962"/>
-            <a:ext cx="1752600" cy="1752600"/>
+          <a:xfrm flipH="1">
+            <a:off x="4392311" y="2817332"/>
+            <a:ext cx="824819" cy="824819"/>
           </a:xfrm>
           <a:prstGeom prst="rect">
             <a:avLst/>
           </a:prstGeom>
         </p:spPr>
       </p:pic>
-      <p:pic>
-        <p:nvPicPr>
-          <p:cNvPr id="9" name="Picture 8"/>
-          <p:cNvPicPr>
-            <a:picLocks noChangeAspect="1"/>
-          </p:cNvPicPr>
-          <p:nvPr/>
-        </p:nvPicPr>
-        <p:blipFill>
-          <a:blip r:embed="rId7" cstate="print">
-            <a:extLst>
-              <a:ext uri="{28A0092B-C50C-407E-A947-70E740481C1C}">
-                <a14:useLocalDpi xmlns:a14="http://schemas.microsoft.com/office/drawing/2010/main" val="0"/>
-              </a:ext>
-            </a:extLst>
-          </a:blip>
-          <a:stretch>
-            <a:fillRect/>
-          </a:stretch>
-        </p:blipFill>
-        <p:spPr>
-          <a:xfrm>
-            <a:off x="4102933" y="4771962"/>
-            <a:ext cx="2057400" cy="1890261"/>
-          </a:xfrm>
-          <a:prstGeom prst="rect">
-            <a:avLst/>
-          </a:prstGeom>
-        </p:spPr>
-      </p:pic>
-      <p:sp>
-        <p:nvSpPr>
-          <p:cNvPr id="29" name="TextBox 28"/>
-          <p:cNvSpPr txBox="1"/>
-          <p:nvPr/>
-        </p:nvSpPr>
-        <p:spPr>
-          <a:xfrm>
-            <a:off x="6160333" y="1948934"/>
-            <a:ext cx="2587692" cy="369332"/>
-          </a:xfrm>
-          <a:prstGeom prst="rect">
-            <a:avLst/>
-          </a:prstGeom>
-          <a:solidFill>
-            <a:srgbClr val="7030A0"/>
-          </a:solidFill>
-        </p:spPr>
-        <p:txBody>
-          <a:bodyPr wrap="square" rtlCol="0">
-            <a:spAutoFit/>
-          </a:bodyPr>
-          <a:lstStyle/>
-          <a:p>
-            <a:pPr algn="ctr"/>
-            <a:r>
-              <a:rPr lang="en-US" b="1" dirty="0" smtClean="0">
-                <a:solidFill>
-                  <a:schemeClr val="bg1"/>
-                </a:solidFill>
-              </a:rPr>
-              <a:t>Managing bus </a:t>
-            </a:r>
-            <a:endParaRPr lang="en-GB" b="1" dirty="0">
-              <a:solidFill>
-                <a:schemeClr val="bg1"/>
-              </a:solidFill>
-            </a:endParaRPr>
-          </a:p>
-        </p:txBody>
-      </p:sp>
-      <p:sp>
-        <p:nvSpPr>
-          <p:cNvPr id="31" name="TextBox 30"/>
-          <p:cNvSpPr txBox="1"/>
-          <p:nvPr/>
-        </p:nvSpPr>
-        <p:spPr>
-          <a:xfrm>
-            <a:off x="6160333" y="3051461"/>
-            <a:ext cx="2587692" cy="369332"/>
-          </a:xfrm>
-          <a:prstGeom prst="rect">
-            <a:avLst/>
-          </a:prstGeom>
-          <a:solidFill>
-            <a:srgbClr val="7030A0"/>
-          </a:solidFill>
-        </p:spPr>
-        <p:txBody>
-          <a:bodyPr wrap="square" rtlCol="0">
-            <a:spAutoFit/>
-          </a:bodyPr>
-          <a:lstStyle/>
-          <a:p>
-            <a:pPr algn="ctr"/>
-            <a:r>
-              <a:rPr lang="en-US" b="1" dirty="0" smtClean="0">
-                <a:solidFill>
-                  <a:schemeClr val="bg1"/>
-                </a:solidFill>
-              </a:rPr>
-              <a:t>Managing route </a:t>
-            </a:r>
-            <a:endParaRPr lang="en-GB" b="1" dirty="0">
-              <a:solidFill>
-                <a:schemeClr val="bg1"/>
-              </a:solidFill>
-            </a:endParaRPr>
-          </a:p>
-        </p:txBody>
-      </p:sp>
-      <p:sp>
-        <p:nvSpPr>
-          <p:cNvPr id="32" name="TextBox 31"/>
-          <p:cNvSpPr txBox="1"/>
-          <p:nvPr/>
-        </p:nvSpPr>
-        <p:spPr>
-          <a:xfrm>
-            <a:off x="6160333" y="5532426"/>
-            <a:ext cx="2587692" cy="369332"/>
-          </a:xfrm>
-          <a:prstGeom prst="rect">
-            <a:avLst/>
-          </a:prstGeom>
-          <a:solidFill>
-            <a:srgbClr val="7030A0"/>
-          </a:solidFill>
-        </p:spPr>
-        <p:txBody>
-          <a:bodyPr wrap="square" rtlCol="0">
-            <a:spAutoFit/>
-          </a:bodyPr>
-          <a:lstStyle/>
-          <a:p>
-            <a:pPr algn="ctr"/>
-            <a:r>
-              <a:rPr lang="en-US" b="1" dirty="0" smtClean="0">
-                <a:solidFill>
-                  <a:schemeClr val="bg1"/>
-                </a:solidFill>
-              </a:rPr>
-              <a:t>Scheduling</a:t>
-            </a:r>
-            <a:endParaRPr lang="en-GB" b="1" dirty="0">
-              <a:solidFill>
-                <a:schemeClr val="bg1"/>
-              </a:solidFill>
-            </a:endParaRPr>
-          </a:p>
-        </p:txBody>
-      </p:sp>
-      <p:sp>
-        <p:nvSpPr>
-          <p:cNvPr id="34" name="TextBox 33"/>
-          <p:cNvSpPr txBox="1"/>
-          <p:nvPr/>
-        </p:nvSpPr>
-        <p:spPr>
-          <a:xfrm rot="20452409">
-            <a:off x="1247388" y="3870482"/>
-            <a:ext cx="843957" cy="400110"/>
-          </a:xfrm>
-          <a:prstGeom prst="rect">
-            <a:avLst/>
-          </a:prstGeom>
-          <a:solidFill>
-            <a:srgbClr val="0070C0"/>
-          </a:solidFill>
-        </p:spPr>
-        <p:txBody>
-          <a:bodyPr wrap="square" rtlCol="0">
-            <a:spAutoFit/>
-          </a:bodyPr>
-          <a:lstStyle/>
-          <a:p>
-            <a:pPr algn="ctr"/>
-            <a:r>
-              <a:rPr lang="en-US" sz="2000" b="1" dirty="0" smtClean="0">
-                <a:solidFill>
-                  <a:schemeClr val="bg1"/>
-                </a:solidFill>
-              </a:rPr>
-              <a:t>Staff</a:t>
-            </a:r>
-            <a:endParaRPr lang="en-GB" sz="2000" b="1" dirty="0">
-              <a:solidFill>
-                <a:schemeClr val="bg1"/>
-              </a:solidFill>
-            </a:endParaRPr>
-          </a:p>
-        </p:txBody>
-      </p:sp>
     </p:spTree>
     <p:extLst>
       <p:ext uri="{BB962C8B-B14F-4D97-AF65-F5344CB8AC3E}">
-        <p14:creationId xmlns:p14="http://schemas.microsoft.com/office/powerpoint/2010/main" val="2348762005"/>
+        <p14:creationId xmlns:p14="http://schemas.microsoft.com/office/powerpoint/2010/main" val="1061272149"/>
       </p:ext>
     </p:extLst>
   </p:cSld>
@@ -8706,204 +9281,68 @@
       </p:grpSpPr>
       <p:sp>
         <p:nvSpPr>
-          <p:cNvPr id="3" name="Subtitle 2"/>
+          <p:cNvPr id="2" name="Title 1"/>
           <p:cNvSpPr>
             <a:spLocks noGrp="1"/>
           </p:cNvSpPr>
           <p:nvPr>
-            <p:ph type="subTitle" idx="1"/>
+            <p:ph type="ctrTitle"/>
           </p:nvPr>
         </p:nvSpPr>
         <p:spPr>
           <a:xfrm>
-            <a:off x="1371600" y="2133600"/>
-            <a:ext cx="6400800" cy="3505200"/>
+            <a:off x="304800" y="457200"/>
+            <a:ext cx="4724400" cy="838200"/>
           </a:xfrm>
         </p:spPr>
         <p:txBody>
           <a:bodyPr>
-            <a:normAutofit/>
+            <a:normAutofit fontScale="90000"/>
           </a:bodyPr>
           <a:lstStyle/>
           <a:p>
-            <a:pPr marL="342900" indent="-342900" algn="l" fontAlgn="base">
-              <a:buFont typeface="Arial" pitchFamily="34" charset="0"/>
-              <a:buChar char="•"/>
-            </a:pPr>
-            <a:r>
-              <a:rPr lang="en-US" dirty="0">
+            <a:pPr algn="l"/>
+            <a:r>
+              <a:rPr lang="en-US" spc="0" dirty="0" smtClean="0">
+                <a:ln w="0"/>
                 <a:solidFill>
-                  <a:schemeClr val="tx1"/>
+                  <a:schemeClr val="accent1"/>
                 </a:solidFill>
-              </a:rPr>
-              <a:t>Search for </a:t>
-            </a:r>
-            <a:r>
-              <a:rPr lang="en-US" dirty="0" smtClean="0">
-                <a:solidFill>
-                  <a:schemeClr val="tx1"/>
-                </a:solidFill>
-              </a:rPr>
-              <a:t>journey</a:t>
-            </a:r>
-          </a:p>
-          <a:p>
-            <a:pPr marL="342900" indent="-342900" algn="l" fontAlgn="base">
-              <a:buFont typeface="Arial" pitchFamily="34" charset="0"/>
-              <a:buChar char="•"/>
-            </a:pPr>
-            <a:r>
-              <a:rPr lang="en-US" dirty="0" smtClean="0">
-                <a:solidFill>
-                  <a:schemeClr val="tx1"/>
-                </a:solidFill>
-              </a:rPr>
-              <a:t>Booking</a:t>
-            </a:r>
-          </a:p>
-          <a:p>
-            <a:pPr marL="342900" indent="-342900" algn="l" fontAlgn="base">
-              <a:buFont typeface="Arial" pitchFamily="34" charset="0"/>
-              <a:buChar char="•"/>
-            </a:pPr>
-            <a:r>
-              <a:rPr lang="en-US" dirty="0" smtClean="0">
-                <a:solidFill>
-                  <a:schemeClr val="tx1"/>
-                </a:solidFill>
-              </a:rPr>
-              <a:t>Scheduling</a:t>
-            </a:r>
-          </a:p>
-          <a:p>
-            <a:pPr marL="342900" indent="-342900" algn="l" fontAlgn="base">
-              <a:buFont typeface="Arial" pitchFamily="34" charset="0"/>
-              <a:buChar char="•"/>
-            </a:pPr>
-            <a:r>
-              <a:rPr lang="en-US" dirty="0" smtClean="0">
-                <a:solidFill>
-                  <a:schemeClr val="tx1"/>
-                </a:solidFill>
-              </a:rPr>
-              <a:t>Vehicles management</a:t>
-            </a:r>
-          </a:p>
-          <a:p>
-            <a:pPr marL="342900" indent="-342900" algn="l" fontAlgn="base">
-              <a:buFont typeface="Arial" pitchFamily="34" charset="0"/>
-              <a:buChar char="•"/>
-            </a:pPr>
-            <a:r>
-              <a:rPr lang="en-US" dirty="0" smtClean="0">
-                <a:solidFill>
-                  <a:schemeClr val="tx1"/>
-                </a:solidFill>
-              </a:rPr>
-              <a:t>Fare</a:t>
-            </a:r>
-          </a:p>
-          <a:p>
-            <a:pPr marL="342900" indent="-342900" algn="l" fontAlgn="base">
-              <a:buFont typeface="Arial" pitchFamily="34" charset="0"/>
-              <a:buChar char="•"/>
-            </a:pPr>
-            <a:r>
-              <a:rPr lang="en-US" dirty="0" smtClean="0">
-                <a:solidFill>
-                  <a:schemeClr val="tx1"/>
-                </a:solidFill>
-              </a:rPr>
-              <a:t>User management</a:t>
-            </a:r>
-            <a:endParaRPr lang="en-US" dirty="0">
-              <a:solidFill>
-                <a:schemeClr val="tx1"/>
-              </a:solidFill>
-            </a:endParaRPr>
-          </a:p>
-        </p:txBody>
-      </p:sp>
-      <p:sp>
-        <p:nvSpPr>
-          <p:cNvPr id="5" name="Title 3"/>
-          <p:cNvSpPr txBox="1">
-            <a:spLocks/>
-          </p:cNvSpPr>
-          <p:nvPr/>
-        </p:nvSpPr>
-        <p:spPr>
-          <a:xfrm>
-            <a:off x="838200" y="457200"/>
-            <a:ext cx="7772400" cy="1470025"/>
-          </a:xfrm>
-          <a:prstGeom prst="rect">
-            <a:avLst/>
-          </a:prstGeom>
-        </p:spPr>
-        <p:txBody>
-          <a:bodyPr vert="horz" wrap="square" lIns="0" tIns="0" rIns="0" bIns="0" rtlCol="0" anchor="t">
-            <a:noAutofit/>
-          </a:bodyPr>
-          <a:lstStyle>
-            <a:lvl1pPr algn="l" defTabSz="914363" rtl="0" eaLnBrk="1" latinLnBrk="0" hangingPunct="1">
-              <a:lnSpc>
-                <a:spcPct val="90000"/>
-              </a:lnSpc>
-              <a:spcBef>
-                <a:spcPct val="0"/>
-              </a:spcBef>
-              <a:buNone/>
-              <a:defRPr lang="en-US" sz="5400" b="0" kern="1200" cap="none" spc="-150">
-                <a:ln w="3175">
-                  <a:noFill/>
-                </a:ln>
-                <a:gradFill flip="none" rotWithShape="1">
-                  <a:gsLst>
-                    <a:gs pos="0">
-                      <a:srgbClr val="FFFFB9"/>
-                    </a:gs>
-                    <a:gs pos="36000">
-                      <a:srgbClr val="FFFF99"/>
-                    </a:gs>
-                    <a:gs pos="86000">
-                      <a:srgbClr val="F6AE1E"/>
-                    </a:gs>
-                  </a:gsLst>
-                  <a:lin ang="5400000" scaled="0"/>
-                  <a:tileRect/>
-                </a:gradFill>
                 <a:effectLst>
-                  <a:outerShdw blurRad="50800" dist="38100" dir="2700000" algn="tl" rotWithShape="0">
-                    <a:prstClr val="black">
-                      <a:alpha val="40000"/>
-                    </a:prstClr>
+                  <a:outerShdw blurRad="38100" dist="25400" dir="5400000" algn="ctr" rotWithShape="0">
+                    <a:srgbClr val="6E747A">
+                      <a:alpha val="43000"/>
+                    </a:srgbClr>
                   </a:outerShdw>
                 </a:effectLst>
-                <a:latin typeface="+mj-lt"/>
-                <a:ea typeface="+mn-ea"/>
-                <a:cs typeface="Arial" charset="0"/>
-              </a:defRPr>
-            </a:lvl1pPr>
-          </a:lstStyle>
-          <a:p>
-            <a:r>
-              <a:rPr lang="en-US" dirty="0" smtClean="0"/>
-              <a:t>Main Functions</a:t>
-            </a:r>
-            <a:endParaRPr lang="en-US" dirty="0"/>
+              </a:rPr>
+              <a:t>Main functions</a:t>
+            </a:r>
+            <a:endParaRPr lang="en-US" spc="0" dirty="0">
+              <a:ln w="0"/>
+              <a:solidFill>
+                <a:schemeClr val="accent1"/>
+              </a:solidFill>
+              <a:effectLst>
+                <a:outerShdw blurRad="38100" dist="25400" dir="5400000" algn="ctr" rotWithShape="0">
+                  <a:srgbClr val="6E747A">
+                    <a:alpha val="43000"/>
+                  </a:srgbClr>
+                </a:outerShdw>
+              </a:effectLst>
+            </a:endParaRPr>
           </a:p>
         </p:txBody>
       </p:sp>
       <p:pic>
         <p:nvPicPr>
-          <p:cNvPr id="4" name="Picture 2" descr="F:\workspace\Capstone Project\logo fpt university.jpg"/>
+          <p:cNvPr id="17" name="Picture 16"/>
           <p:cNvPicPr>
-            <a:picLocks noChangeAspect="1" noChangeArrowheads="1"/>
+            <a:picLocks noChangeAspect="1"/>
           </p:cNvPicPr>
           <p:nvPr/>
         </p:nvPicPr>
-        <p:blipFill>
+        <p:blipFill rotWithShape="1">
           <a:blip r:embed="rId3" cstate="print">
             <a:extLst>
               <a:ext uri="{28A0092B-C50C-407E-A947-70E740481C1C}">
@@ -8911,35 +9350,351 @@
               </a:ext>
             </a:extLst>
           </a:blip>
-          <a:srcRect/>
+          <a:srcRect r="18379"/>
+          <a:stretch/>
+        </p:blipFill>
+        <p:spPr>
+          <a:xfrm>
+            <a:off x="8382000" y="6172200"/>
+            <a:ext cx="609600" cy="587460"/>
+          </a:xfrm>
+          <a:prstGeom prst="ellipse">
+            <a:avLst/>
+          </a:prstGeom>
+        </p:spPr>
+      </p:pic>
+      <p:pic>
+        <p:nvPicPr>
+          <p:cNvPr id="23" name="Picture 22"/>
+          <p:cNvPicPr>
+            <a:picLocks noChangeAspect="1"/>
+          </p:cNvPicPr>
+          <p:nvPr/>
+        </p:nvPicPr>
+        <p:blipFill>
+          <a:blip r:embed="rId4">
+            <a:extLst>
+              <a:ext uri="{28A0092B-C50C-407E-A947-70E740481C1C}">
+                <a14:useLocalDpi xmlns:a14="http://schemas.microsoft.com/office/drawing/2010/main" val="0"/>
+              </a:ext>
+            </a:extLst>
+          </a:blip>
           <a:stretch>
             <a:fillRect/>
           </a:stretch>
         </p:blipFill>
-        <p:spPr bwMode="auto">
-          <a:xfrm>
-            <a:off x="7482841" y="6019800"/>
-            <a:ext cx="1143000" cy="730972"/>
+        <p:spPr>
+          <a:xfrm>
+            <a:off x="381000" y="2514600"/>
+            <a:ext cx="1676400" cy="1676400"/>
           </a:xfrm>
           <a:prstGeom prst="rect">
             <a:avLst/>
           </a:prstGeom>
-          <a:noFill/>
-          <a:extLst>
-            <a:ext uri="{909E8E84-426E-40DD-AFC4-6F175D3DCCD1}">
-              <a14:hiddenFill xmlns:a14="http://schemas.microsoft.com/office/drawing/2010/main">
+        </p:spPr>
+      </p:pic>
+      <p:pic>
+        <p:nvPicPr>
+          <p:cNvPr id="7" name="Picture 6"/>
+          <p:cNvPicPr>
+            <a:picLocks noChangeAspect="1"/>
+          </p:cNvPicPr>
+          <p:nvPr/>
+        </p:nvPicPr>
+        <p:blipFill>
+          <a:blip r:embed="rId5">
+            <a:extLst>
+              <a:ext uri="{28A0092B-C50C-407E-A947-70E740481C1C}">
+                <a14:useLocalDpi xmlns:a14="http://schemas.microsoft.com/office/drawing/2010/main" val="0"/>
+              </a:ext>
+            </a:extLst>
+          </a:blip>
+          <a:stretch>
+            <a:fillRect/>
+          </a:stretch>
+        </p:blipFill>
+        <p:spPr>
+          <a:xfrm>
+            <a:off x="4000500" y="1066800"/>
+            <a:ext cx="2133600" cy="2133600"/>
+          </a:xfrm>
+          <a:prstGeom prst="rect">
+            <a:avLst/>
+          </a:prstGeom>
+        </p:spPr>
+      </p:pic>
+      <p:pic>
+        <p:nvPicPr>
+          <p:cNvPr id="8" name="Picture 7"/>
+          <p:cNvPicPr>
+            <a:picLocks noChangeAspect="1"/>
+          </p:cNvPicPr>
+          <p:nvPr/>
+        </p:nvPicPr>
+        <p:blipFill>
+          <a:blip r:embed="rId6" cstate="print">
+            <a:extLst>
+              <a:ext uri="{28A0092B-C50C-407E-A947-70E740481C1C}">
+                <a14:useLocalDpi xmlns:a14="http://schemas.microsoft.com/office/drawing/2010/main" val="0"/>
+              </a:ext>
+            </a:extLst>
+          </a:blip>
+          <a:stretch>
+            <a:fillRect/>
+          </a:stretch>
+        </p:blipFill>
+        <p:spPr>
+          <a:xfrm>
+            <a:off x="4229100" y="2866962"/>
+            <a:ext cx="1752600" cy="1752600"/>
+          </a:xfrm>
+          <a:prstGeom prst="rect">
+            <a:avLst/>
+          </a:prstGeom>
+        </p:spPr>
+      </p:pic>
+      <p:pic>
+        <p:nvPicPr>
+          <p:cNvPr id="9" name="Picture 8"/>
+          <p:cNvPicPr>
+            <a:picLocks noChangeAspect="1"/>
+          </p:cNvPicPr>
+          <p:nvPr/>
+        </p:nvPicPr>
+        <p:blipFill>
+          <a:blip r:embed="rId7" cstate="print">
+            <a:extLst>
+              <a:ext uri="{28A0092B-C50C-407E-A947-70E740481C1C}">
+                <a14:useLocalDpi xmlns:a14="http://schemas.microsoft.com/office/drawing/2010/main" val="0"/>
+              </a:ext>
+            </a:extLst>
+          </a:blip>
+          <a:stretch>
+            <a:fillRect/>
+          </a:stretch>
+        </p:blipFill>
+        <p:spPr>
+          <a:xfrm>
+            <a:off x="4102933" y="4771962"/>
+            <a:ext cx="2057400" cy="1890261"/>
+          </a:xfrm>
+          <a:prstGeom prst="rect">
+            <a:avLst/>
+          </a:prstGeom>
+        </p:spPr>
+      </p:pic>
+      <p:sp>
+        <p:nvSpPr>
+          <p:cNvPr id="29" name="TextBox 28"/>
+          <p:cNvSpPr txBox="1"/>
+          <p:nvPr/>
+        </p:nvSpPr>
+        <p:spPr>
+          <a:xfrm>
+            <a:off x="6160333" y="1948934"/>
+            <a:ext cx="2587692" cy="369332"/>
+          </a:xfrm>
+          <a:prstGeom prst="rect">
+            <a:avLst/>
+          </a:prstGeom>
+          <a:solidFill>
+            <a:srgbClr val="7030A0"/>
+          </a:solidFill>
+        </p:spPr>
+        <p:txBody>
+          <a:bodyPr wrap="square" rtlCol="0">
+            <a:spAutoFit/>
+          </a:bodyPr>
+          <a:lstStyle/>
+          <a:p>
+            <a:pPr algn="ctr"/>
+            <a:r>
+              <a:rPr lang="en-US" b="1" dirty="0" smtClean="0">
                 <a:solidFill>
-                  <a:srgbClr val="FFFFFF"/>
+                  <a:schemeClr val="bg1"/>
                 </a:solidFill>
-              </a14:hiddenFill>
-            </a:ext>
-          </a:extLst>
-        </p:spPr>
-      </p:pic>
+              </a:rPr>
+              <a:t>Managing bus </a:t>
+            </a:r>
+            <a:endParaRPr lang="en-GB" b="1" dirty="0">
+              <a:solidFill>
+                <a:schemeClr val="bg1"/>
+              </a:solidFill>
+            </a:endParaRPr>
+          </a:p>
+        </p:txBody>
+      </p:sp>
+      <p:sp>
+        <p:nvSpPr>
+          <p:cNvPr id="31" name="TextBox 30"/>
+          <p:cNvSpPr txBox="1"/>
+          <p:nvPr/>
+        </p:nvSpPr>
+        <p:spPr>
+          <a:xfrm>
+            <a:off x="6160333" y="3175782"/>
+            <a:ext cx="2587692" cy="369332"/>
+          </a:xfrm>
+          <a:prstGeom prst="rect">
+            <a:avLst/>
+          </a:prstGeom>
+          <a:solidFill>
+            <a:srgbClr val="7030A0"/>
+          </a:solidFill>
+        </p:spPr>
+        <p:txBody>
+          <a:bodyPr wrap="square" rtlCol="0">
+            <a:spAutoFit/>
+          </a:bodyPr>
+          <a:lstStyle/>
+          <a:p>
+            <a:pPr algn="ctr"/>
+            <a:r>
+              <a:rPr lang="en-US" b="1" dirty="0" smtClean="0">
+                <a:solidFill>
+                  <a:schemeClr val="bg1"/>
+                </a:solidFill>
+              </a:rPr>
+              <a:t>Managing route </a:t>
+            </a:r>
+            <a:endParaRPr lang="en-GB" b="1" dirty="0">
+              <a:solidFill>
+                <a:schemeClr val="bg1"/>
+              </a:solidFill>
+            </a:endParaRPr>
+          </a:p>
+        </p:txBody>
+      </p:sp>
+      <p:sp>
+        <p:nvSpPr>
+          <p:cNvPr id="32" name="TextBox 31"/>
+          <p:cNvSpPr txBox="1"/>
+          <p:nvPr/>
+        </p:nvSpPr>
+        <p:spPr>
+          <a:xfrm>
+            <a:off x="6160333" y="5390156"/>
+            <a:ext cx="2587692" cy="369332"/>
+          </a:xfrm>
+          <a:prstGeom prst="rect">
+            <a:avLst/>
+          </a:prstGeom>
+          <a:solidFill>
+            <a:srgbClr val="7030A0"/>
+          </a:solidFill>
+        </p:spPr>
+        <p:txBody>
+          <a:bodyPr wrap="square" rtlCol="0">
+            <a:spAutoFit/>
+          </a:bodyPr>
+          <a:lstStyle/>
+          <a:p>
+            <a:pPr algn="ctr"/>
+            <a:r>
+              <a:rPr lang="en-US" b="1" dirty="0" smtClean="0">
+                <a:solidFill>
+                  <a:schemeClr val="bg1"/>
+                </a:solidFill>
+              </a:rPr>
+              <a:t>Scheduling</a:t>
+            </a:r>
+            <a:endParaRPr lang="en-GB" b="1" dirty="0">
+              <a:solidFill>
+                <a:schemeClr val="bg1"/>
+              </a:solidFill>
+            </a:endParaRPr>
+          </a:p>
+        </p:txBody>
+      </p:sp>
+      <p:sp>
+        <p:nvSpPr>
+          <p:cNvPr id="34" name="TextBox 33"/>
+          <p:cNvSpPr txBox="1"/>
+          <p:nvPr/>
+        </p:nvSpPr>
+        <p:spPr>
+          <a:xfrm rot="20452409">
+            <a:off x="1247388" y="3870482"/>
+            <a:ext cx="843957" cy="400110"/>
+          </a:xfrm>
+          <a:prstGeom prst="rect">
+            <a:avLst/>
+          </a:prstGeom>
+          <a:solidFill>
+            <a:srgbClr val="0070C0"/>
+          </a:solidFill>
+        </p:spPr>
+        <p:txBody>
+          <a:bodyPr wrap="square" rtlCol="0">
+            <a:spAutoFit/>
+          </a:bodyPr>
+          <a:lstStyle/>
+          <a:p>
+            <a:pPr algn="ctr"/>
+            <a:r>
+              <a:rPr lang="en-US" sz="2000" b="1" dirty="0" smtClean="0">
+                <a:solidFill>
+                  <a:schemeClr val="bg1"/>
+                </a:solidFill>
+              </a:rPr>
+              <a:t>Staff</a:t>
+            </a:r>
+            <a:endParaRPr lang="en-GB" sz="2000" b="1" dirty="0">
+              <a:solidFill>
+                <a:schemeClr val="bg1"/>
+              </a:solidFill>
+            </a:endParaRPr>
+          </a:p>
+        </p:txBody>
+      </p:sp>
+      <p:sp>
+        <p:nvSpPr>
+          <p:cNvPr id="35" name="TextBox 34"/>
+          <p:cNvSpPr txBox="1"/>
+          <p:nvPr/>
+        </p:nvSpPr>
+        <p:spPr>
+          <a:xfrm>
+            <a:off x="6387669" y="3604540"/>
+            <a:ext cx="2587692" cy="369332"/>
+          </a:xfrm>
+          <a:prstGeom prst="rect">
+            <a:avLst/>
+          </a:prstGeom>
+          <a:solidFill>
+            <a:schemeClr val="tx1">
+              <a:lumMod val="65000"/>
+              <a:lumOff val="35000"/>
+            </a:schemeClr>
+          </a:solidFill>
+        </p:spPr>
+        <p:txBody>
+          <a:bodyPr wrap="square" rtlCol="0">
+            <a:spAutoFit/>
+          </a:bodyPr>
+          <a:lstStyle/>
+          <a:p>
+            <a:pPr algn="ctr"/>
+            <a:r>
+              <a:rPr lang="en-US" b="1" dirty="0" smtClean="0">
+                <a:solidFill>
+                  <a:schemeClr val="bg1"/>
+                </a:solidFill>
+              </a:rPr>
+              <a:t>Managing fare </a:t>
+            </a:r>
+            <a:endParaRPr lang="en-GB" b="1" dirty="0">
+              <a:solidFill>
+                <a:schemeClr val="bg1"/>
+              </a:solidFill>
+            </a:endParaRPr>
+          </a:p>
+        </p:txBody>
+      </p:sp>
     </p:spTree>
     <p:extLst>
       <p:ext uri="{BB962C8B-B14F-4D97-AF65-F5344CB8AC3E}">
-        <p14:creationId xmlns:p14="http://schemas.microsoft.com/office/powerpoint/2010/main" val="2141259340"/>
+        <p14:creationId xmlns:p14="http://schemas.microsoft.com/office/powerpoint/2010/main" val="2348762005"/>
       </p:ext>
     </p:extLst>
   </p:cSld>
@@ -8990,6 +9745,35 @@
           <a:chExt cx="0" cy="0"/>
         </a:xfrm>
       </p:grpSpPr>
+      <p:pic>
+        <p:nvPicPr>
+          <p:cNvPr id="17" name="Picture 16"/>
+          <p:cNvPicPr>
+            <a:picLocks noChangeAspect="1"/>
+          </p:cNvPicPr>
+          <p:nvPr/>
+        </p:nvPicPr>
+        <p:blipFill rotWithShape="1">
+          <a:blip r:embed="rId3" cstate="print">
+            <a:extLst>
+              <a:ext uri="{28A0092B-C50C-407E-A947-70E740481C1C}">
+                <a14:useLocalDpi xmlns:a14="http://schemas.microsoft.com/office/drawing/2010/main" val="0"/>
+              </a:ext>
+            </a:extLst>
+          </a:blip>
+          <a:srcRect r="18379"/>
+          <a:stretch/>
+        </p:blipFill>
+        <p:spPr>
+          <a:xfrm>
+            <a:off x="8382000" y="6172200"/>
+            <a:ext cx="609600" cy="587460"/>
+          </a:xfrm>
+          <a:prstGeom prst="ellipse">
+            <a:avLst/>
+          </a:prstGeom>
+        </p:spPr>
+      </p:pic>
       <p:sp>
         <p:nvSpPr>
           <p:cNvPr id="2" name="Title 1"/>
@@ -9002,139 +9786,476 @@
         </p:nvSpPr>
         <p:spPr>
           <a:xfrm>
-            <a:off x="783429" y="457200"/>
-            <a:ext cx="7681913" cy="1523495"/>
+            <a:off x="304800" y="457200"/>
+            <a:ext cx="4724400" cy="838200"/>
           </a:xfrm>
         </p:spPr>
         <p:txBody>
-          <a:bodyPr/>
+          <a:bodyPr>
+            <a:normAutofit fontScale="90000"/>
+          </a:bodyPr>
           <a:lstStyle/>
           <a:p>
-            <a:r>
-              <a:rPr lang="en-US" dirty="0" smtClean="0"/>
-              <a:t>System Flow</a:t>
-            </a:r>
-            <a:endParaRPr lang="en-US" dirty="0"/>
+            <a:pPr algn="l"/>
+            <a:r>
+              <a:rPr lang="en-US" spc="0" dirty="0" smtClean="0">
+                <a:ln w="0"/>
+                <a:solidFill>
+                  <a:schemeClr val="accent1"/>
+                </a:solidFill>
+                <a:effectLst>
+                  <a:outerShdw blurRad="38100" dist="25400" dir="5400000" algn="ctr" rotWithShape="0">
+                    <a:srgbClr val="6E747A">
+                      <a:alpha val="43000"/>
+                    </a:srgbClr>
+                  </a:outerShdw>
+                </a:effectLst>
+              </a:rPr>
+              <a:t>Main functions</a:t>
+            </a:r>
+            <a:endParaRPr lang="en-US" spc="0" dirty="0">
+              <a:ln w="0"/>
+              <a:solidFill>
+                <a:schemeClr val="accent1"/>
+              </a:solidFill>
+              <a:effectLst>
+                <a:outerShdw blurRad="38100" dist="25400" dir="5400000" algn="ctr" rotWithShape="0">
+                  <a:srgbClr val="6E747A">
+                    <a:alpha val="43000"/>
+                  </a:srgbClr>
+                </a:outerShdw>
+              </a:effectLst>
+            </a:endParaRPr>
           </a:p>
         </p:txBody>
       </p:sp>
       <p:sp>
         <p:nvSpPr>
-          <p:cNvPr id="3" name="Subtitle 2"/>
-          <p:cNvSpPr>
-            <a:spLocks noGrp="1"/>
-          </p:cNvSpPr>
-          <p:nvPr>
-            <p:ph type="subTitle" idx="1"/>
-          </p:nvPr>
+          <p:cNvPr id="15" name="TextBox 14"/>
+          <p:cNvSpPr txBox="1"/>
+          <p:nvPr/>
         </p:nvSpPr>
         <p:spPr>
           <a:xfrm>
-            <a:off x="1371600" y="2133600"/>
-            <a:ext cx="6400800" cy="3505200"/>
-          </a:xfrm>
-        </p:spPr>
-        <p:txBody>
-          <a:bodyPr>
-            <a:normAutofit/>
-          </a:bodyPr>
-          <a:lstStyle/>
-          <a:p>
-            <a:pPr algn="l" fontAlgn="base"/>
-            <a:endParaRPr lang="en-US" sz="2000" dirty="0">
-              <a:solidFill>
-                <a:schemeClr val="tx1"/>
-              </a:solidFill>
-            </a:endParaRPr>
-          </a:p>
-        </p:txBody>
-      </p:sp>
-      <p:pic>
-        <p:nvPicPr>
-          <p:cNvPr id="1026" name="Picture 2" descr="F:\workspace\Capstone Project\Scheduling_Flow.png"/>
-          <p:cNvPicPr>
-            <a:picLocks noChangeAspect="1" noChangeArrowheads="1"/>
-          </p:cNvPicPr>
-          <p:nvPr/>
-        </p:nvPicPr>
-        <p:blipFill>
-          <a:blip r:embed="rId3">
-            <a:extLst>
-              <a:ext uri="{28A0092B-C50C-407E-A947-70E740481C1C}">
-                <a14:useLocalDpi xmlns:a14="http://schemas.microsoft.com/office/drawing/2010/main" val="0"/>
-              </a:ext>
-            </a:extLst>
-          </a:blip>
-          <a:srcRect/>
-          <a:stretch>
-            <a:fillRect/>
-          </a:stretch>
-        </p:blipFill>
-        <p:spPr bwMode="auto">
-          <a:xfrm>
-            <a:off x="1371600" y="1447800"/>
-            <a:ext cx="6429375" cy="5181600"/>
+            <a:off x="914400" y="1981200"/>
+            <a:ext cx="2587692" cy="369332"/>
           </a:xfrm>
           <a:prstGeom prst="rect">
             <a:avLst/>
           </a:prstGeom>
-          <a:noFill/>
-          <a:extLst>
-            <a:ext uri="{909E8E84-426E-40DD-AFC4-6F175D3DCCD1}">
-              <a14:hiddenFill xmlns:a14="http://schemas.microsoft.com/office/drawing/2010/main">
+          <a:solidFill>
+            <a:srgbClr val="7030A0"/>
+          </a:solidFill>
+        </p:spPr>
+        <p:txBody>
+          <a:bodyPr wrap="square" rtlCol="0">
+            <a:spAutoFit/>
+          </a:bodyPr>
+          <a:lstStyle/>
+          <a:p>
+            <a:pPr algn="ctr"/>
+            <a:r>
+              <a:rPr lang="en-US" b="1" dirty="0" smtClean="0">
                 <a:solidFill>
-                  <a:srgbClr val="FFFFFF"/>
+                  <a:schemeClr val="bg1"/>
                 </a:solidFill>
-              </a14:hiddenFill>
-            </a:ext>
-          </a:extLst>
-        </p:spPr>
-      </p:pic>
-      <p:pic>
-        <p:nvPicPr>
-          <p:cNvPr id="5" name="Picture 2" descr="F:\workspace\Capstone Project\logo fpt university.jpg"/>
-          <p:cNvPicPr>
-            <a:picLocks noChangeAspect="1" noChangeArrowheads="1"/>
-          </p:cNvPicPr>
+              </a:rPr>
+              <a:t>Add new bus</a:t>
+            </a:r>
+            <a:endParaRPr lang="en-GB" b="1" dirty="0">
+              <a:solidFill>
+                <a:schemeClr val="bg1"/>
+              </a:solidFill>
+            </a:endParaRPr>
+          </a:p>
+        </p:txBody>
+      </p:sp>
+      <p:sp>
+        <p:nvSpPr>
+          <p:cNvPr id="16" name="TextBox 15"/>
+          <p:cNvSpPr txBox="1"/>
           <p:nvPr/>
-        </p:nvPicPr>
-        <p:blipFill>
-          <a:blip r:embed="rId4" cstate="print">
-            <a:extLst>
-              <a:ext uri="{28A0092B-C50C-407E-A947-70E740481C1C}">
-                <a14:useLocalDpi xmlns:a14="http://schemas.microsoft.com/office/drawing/2010/main" val="0"/>
-              </a:ext>
-            </a:extLst>
-          </a:blip>
-          <a:srcRect/>
-          <a:stretch>
-            <a:fillRect/>
-          </a:stretch>
-        </p:blipFill>
-        <p:spPr bwMode="auto">
-          <a:xfrm>
-            <a:off x="7482841" y="6019800"/>
-            <a:ext cx="1143000" cy="730972"/>
+        </p:nvSpPr>
+        <p:spPr>
+          <a:xfrm>
+            <a:off x="1828800" y="2667000"/>
+            <a:ext cx="2587692" cy="369332"/>
           </a:xfrm>
           <a:prstGeom prst="rect">
             <a:avLst/>
           </a:prstGeom>
-          <a:noFill/>
-          <a:extLst>
-            <a:ext uri="{909E8E84-426E-40DD-AFC4-6F175D3DCCD1}">
-              <a14:hiddenFill xmlns:a14="http://schemas.microsoft.com/office/drawing/2010/main">
+          <a:solidFill>
+            <a:srgbClr val="7030A0"/>
+          </a:solidFill>
+        </p:spPr>
+        <p:txBody>
+          <a:bodyPr wrap="square" rtlCol="0">
+            <a:spAutoFit/>
+          </a:bodyPr>
+          <a:lstStyle/>
+          <a:p>
+            <a:pPr algn="ctr"/>
+            <a:r>
+              <a:rPr lang="en-US" b="1" dirty="0" smtClean="0">
                 <a:solidFill>
-                  <a:srgbClr val="FFFFFF"/>
+                  <a:schemeClr val="bg1"/>
                 </a:solidFill>
-              </a14:hiddenFill>
-            </a:ext>
-          </a:extLst>
-        </p:spPr>
-      </p:pic>
+              </a:rPr>
+              <a:t>Add new route</a:t>
+            </a:r>
+            <a:endParaRPr lang="en-GB" b="1" dirty="0">
+              <a:solidFill>
+                <a:schemeClr val="bg1"/>
+              </a:solidFill>
+            </a:endParaRPr>
+          </a:p>
+        </p:txBody>
+      </p:sp>
+      <p:sp>
+        <p:nvSpPr>
+          <p:cNvPr id="18" name="TextBox 17"/>
+          <p:cNvSpPr txBox="1"/>
+          <p:nvPr/>
+        </p:nvSpPr>
+        <p:spPr>
+          <a:xfrm>
+            <a:off x="2817846" y="3350302"/>
+            <a:ext cx="2587692" cy="369332"/>
+          </a:xfrm>
+          <a:prstGeom prst="rect">
+            <a:avLst/>
+          </a:prstGeom>
+          <a:solidFill>
+            <a:srgbClr val="7030A0"/>
+          </a:solidFill>
+        </p:spPr>
+        <p:txBody>
+          <a:bodyPr wrap="square" rtlCol="0">
+            <a:spAutoFit/>
+          </a:bodyPr>
+          <a:lstStyle/>
+          <a:p>
+            <a:pPr algn="ctr"/>
+            <a:r>
+              <a:rPr lang="en-US" b="1" dirty="0" smtClean="0">
+                <a:solidFill>
+                  <a:schemeClr val="bg1"/>
+                </a:solidFill>
+              </a:rPr>
+              <a:t>Update tariff</a:t>
+            </a:r>
+            <a:endParaRPr lang="en-GB" b="1" dirty="0">
+              <a:solidFill>
+                <a:schemeClr val="bg1"/>
+              </a:solidFill>
+            </a:endParaRPr>
+          </a:p>
+        </p:txBody>
+      </p:sp>
+      <p:sp>
+        <p:nvSpPr>
+          <p:cNvPr id="19" name="TextBox 18"/>
+          <p:cNvSpPr txBox="1"/>
+          <p:nvPr/>
+        </p:nvSpPr>
+        <p:spPr>
+          <a:xfrm>
+            <a:off x="3732246" y="4033604"/>
+            <a:ext cx="2587692" cy="369332"/>
+          </a:xfrm>
+          <a:prstGeom prst="rect">
+            <a:avLst/>
+          </a:prstGeom>
+          <a:solidFill>
+            <a:srgbClr val="7030A0"/>
+          </a:solidFill>
+        </p:spPr>
+        <p:txBody>
+          <a:bodyPr wrap="square" rtlCol="0">
+            <a:spAutoFit/>
+          </a:bodyPr>
+          <a:lstStyle/>
+          <a:p>
+            <a:pPr algn="ctr"/>
+            <a:r>
+              <a:rPr lang="en-US" b="1" dirty="0" smtClean="0">
+                <a:solidFill>
+                  <a:schemeClr val="bg1"/>
+                </a:solidFill>
+              </a:rPr>
+              <a:t>Assign bus to route</a:t>
+            </a:r>
+            <a:endParaRPr lang="en-GB" b="1" dirty="0">
+              <a:solidFill>
+                <a:schemeClr val="bg1"/>
+              </a:solidFill>
+            </a:endParaRPr>
+          </a:p>
+        </p:txBody>
+      </p:sp>
+      <p:cxnSp>
+        <p:nvCxnSpPr>
+          <p:cNvPr id="5" name="Elbow Connector 4"/>
+          <p:cNvCxnSpPr>
+            <a:endCxn id="16" idx="1"/>
+          </p:cNvCxnSpPr>
+          <p:nvPr/>
+        </p:nvCxnSpPr>
+        <p:spPr>
+          <a:xfrm>
+            <a:off x="1219200" y="2350532"/>
+            <a:ext cx="609600" cy="501134"/>
+          </a:xfrm>
+          <a:prstGeom prst="bentConnector3">
+            <a:avLst>
+              <a:gd name="adj1" fmla="val -1639"/>
+            </a:avLst>
+          </a:prstGeom>
+          <a:ln w="38100">
+            <a:tailEnd type="triangle"/>
+          </a:ln>
+        </p:spPr>
+        <p:style>
+          <a:lnRef idx="3">
+            <a:schemeClr val="accent1"/>
+          </a:lnRef>
+          <a:fillRef idx="0">
+            <a:schemeClr val="accent1"/>
+          </a:fillRef>
+          <a:effectRef idx="2">
+            <a:schemeClr val="accent1"/>
+          </a:effectRef>
+          <a:fontRef idx="minor">
+            <a:schemeClr val="tx1"/>
+          </a:fontRef>
+        </p:style>
+      </p:cxnSp>
+      <p:cxnSp>
+        <p:nvCxnSpPr>
+          <p:cNvPr id="24" name="Elbow Connector 23"/>
+          <p:cNvCxnSpPr/>
+          <p:nvPr/>
+        </p:nvCxnSpPr>
+        <p:spPr>
+          <a:xfrm>
+            <a:off x="2208246" y="3036332"/>
+            <a:ext cx="609600" cy="501134"/>
+          </a:xfrm>
+          <a:prstGeom prst="bentConnector3">
+            <a:avLst>
+              <a:gd name="adj1" fmla="val -1639"/>
+            </a:avLst>
+          </a:prstGeom>
+          <a:ln w="38100">
+            <a:tailEnd type="triangle"/>
+          </a:ln>
+        </p:spPr>
+        <p:style>
+          <a:lnRef idx="3">
+            <a:schemeClr val="accent1"/>
+          </a:lnRef>
+          <a:fillRef idx="0">
+            <a:schemeClr val="accent1"/>
+          </a:fillRef>
+          <a:effectRef idx="2">
+            <a:schemeClr val="accent1"/>
+          </a:effectRef>
+          <a:fontRef idx="minor">
+            <a:schemeClr val="tx1"/>
+          </a:fontRef>
+        </p:style>
+      </p:cxnSp>
+      <p:cxnSp>
+        <p:nvCxnSpPr>
+          <p:cNvPr id="25" name="Elbow Connector 24"/>
+          <p:cNvCxnSpPr/>
+          <p:nvPr/>
+        </p:nvCxnSpPr>
+        <p:spPr>
+          <a:xfrm>
+            <a:off x="3122646" y="3717136"/>
+            <a:ext cx="609600" cy="501134"/>
+          </a:xfrm>
+          <a:prstGeom prst="bentConnector3">
+            <a:avLst>
+              <a:gd name="adj1" fmla="val -1639"/>
+            </a:avLst>
+          </a:prstGeom>
+          <a:ln w="38100">
+            <a:tailEnd type="triangle"/>
+          </a:ln>
+        </p:spPr>
+        <p:style>
+          <a:lnRef idx="3">
+            <a:schemeClr val="accent1"/>
+          </a:lnRef>
+          <a:fillRef idx="0">
+            <a:schemeClr val="accent1"/>
+          </a:fillRef>
+          <a:effectRef idx="2">
+            <a:schemeClr val="accent1"/>
+          </a:effectRef>
+          <a:fontRef idx="minor">
+            <a:schemeClr val="tx1"/>
+          </a:fontRef>
+        </p:style>
+      </p:cxnSp>
+      <p:cxnSp>
+        <p:nvCxnSpPr>
+          <p:cNvPr id="26" name="Elbow Connector 25"/>
+          <p:cNvCxnSpPr/>
+          <p:nvPr/>
+        </p:nvCxnSpPr>
+        <p:spPr>
+          <a:xfrm>
+            <a:off x="4111692" y="4402936"/>
+            <a:ext cx="609600" cy="501134"/>
+          </a:xfrm>
+          <a:prstGeom prst="bentConnector3">
+            <a:avLst>
+              <a:gd name="adj1" fmla="val -1639"/>
+            </a:avLst>
+          </a:prstGeom>
+          <a:ln w="38100">
+            <a:tailEnd type="triangle"/>
+          </a:ln>
+        </p:spPr>
+        <p:style>
+          <a:lnRef idx="3">
+            <a:schemeClr val="accent1"/>
+          </a:lnRef>
+          <a:fillRef idx="0">
+            <a:schemeClr val="accent1"/>
+          </a:fillRef>
+          <a:effectRef idx="2">
+            <a:schemeClr val="accent1"/>
+          </a:effectRef>
+          <a:fontRef idx="minor">
+            <a:schemeClr val="tx1"/>
+          </a:fontRef>
+        </p:style>
+      </p:cxnSp>
+      <p:sp>
+        <p:nvSpPr>
+          <p:cNvPr id="27" name="TextBox 26"/>
+          <p:cNvSpPr txBox="1"/>
+          <p:nvPr/>
+        </p:nvSpPr>
+        <p:spPr>
+          <a:xfrm>
+            <a:off x="4730036" y="4719404"/>
+            <a:ext cx="2587692" cy="369332"/>
+          </a:xfrm>
+          <a:prstGeom prst="rect">
+            <a:avLst/>
+          </a:prstGeom>
+          <a:solidFill>
+            <a:srgbClr val="7030A0"/>
+          </a:solidFill>
+        </p:spPr>
+        <p:txBody>
+          <a:bodyPr wrap="square" rtlCol="0">
+            <a:spAutoFit/>
+          </a:bodyPr>
+          <a:lstStyle/>
+          <a:p>
+            <a:pPr algn="ctr"/>
+            <a:r>
+              <a:rPr lang="en-US" b="1" dirty="0" smtClean="0">
+                <a:solidFill>
+                  <a:schemeClr val="bg1"/>
+                </a:solidFill>
+              </a:rPr>
+              <a:t>Create schedule</a:t>
+            </a:r>
+            <a:endParaRPr lang="en-GB" b="1" dirty="0">
+              <a:solidFill>
+                <a:schemeClr val="bg1"/>
+              </a:solidFill>
+            </a:endParaRPr>
+          </a:p>
+        </p:txBody>
+      </p:sp>
+      <p:sp>
+        <p:nvSpPr>
+          <p:cNvPr id="28" name="TextBox 27"/>
+          <p:cNvSpPr txBox="1"/>
+          <p:nvPr/>
+        </p:nvSpPr>
+        <p:spPr>
+          <a:xfrm>
+            <a:off x="5562600" y="5362520"/>
+            <a:ext cx="3124200" cy="646331"/>
+          </a:xfrm>
+          <a:prstGeom prst="rect">
+            <a:avLst/>
+          </a:prstGeom>
+          <a:solidFill>
+            <a:srgbClr val="0070C0"/>
+          </a:solidFill>
+        </p:spPr>
+        <p:txBody>
+          <a:bodyPr wrap="square" rtlCol="0">
+            <a:spAutoFit/>
+          </a:bodyPr>
+          <a:lstStyle/>
+          <a:p>
+            <a:pPr algn="ctr"/>
+            <a:r>
+              <a:rPr lang="en-US" b="1" dirty="0" smtClean="0">
+                <a:solidFill>
+                  <a:schemeClr val="bg1"/>
+                </a:solidFill>
+              </a:rPr>
+              <a:t>Customer can search journey and create reservation</a:t>
+            </a:r>
+            <a:endParaRPr lang="en-GB" b="1" dirty="0">
+              <a:solidFill>
+                <a:schemeClr val="bg1"/>
+              </a:solidFill>
+            </a:endParaRPr>
+          </a:p>
+        </p:txBody>
+      </p:sp>
+      <p:cxnSp>
+        <p:nvCxnSpPr>
+          <p:cNvPr id="30" name="Elbow Connector 29"/>
+          <p:cNvCxnSpPr/>
+          <p:nvPr/>
+        </p:nvCxnSpPr>
+        <p:spPr>
+          <a:xfrm>
+            <a:off x="5026092" y="5088736"/>
+            <a:ext cx="609600" cy="501134"/>
+          </a:xfrm>
+          <a:prstGeom prst="bentConnector3">
+            <a:avLst>
+              <a:gd name="adj1" fmla="val -1639"/>
+            </a:avLst>
+          </a:prstGeom>
+          <a:ln w="38100">
+            <a:tailEnd type="triangle"/>
+          </a:ln>
+        </p:spPr>
+        <p:style>
+          <a:lnRef idx="3">
+            <a:schemeClr val="accent1"/>
+          </a:lnRef>
+          <a:fillRef idx="0">
+            <a:schemeClr val="accent1"/>
+          </a:fillRef>
+          <a:effectRef idx="2">
+            <a:schemeClr val="accent1"/>
+          </a:effectRef>
+          <a:fontRef idx="minor">
+            <a:schemeClr val="tx1"/>
+          </a:fontRef>
+        </p:style>
+      </p:cxnSp>
     </p:spTree>
     <p:extLst>
       <p:ext uri="{BB962C8B-B14F-4D97-AF65-F5344CB8AC3E}">
-        <p14:creationId xmlns:p14="http://schemas.microsoft.com/office/powerpoint/2010/main" val="1413376389"/>
+        <p14:creationId xmlns:p14="http://schemas.microsoft.com/office/powerpoint/2010/main" val="1222190324"/>
       </p:ext>
     </p:extLst>
   </p:cSld>
@@ -9197,139 +10318,366 @@
         </p:nvSpPr>
         <p:spPr>
           <a:xfrm>
-            <a:off x="783429" y="457200"/>
-            <a:ext cx="7681913" cy="1523495"/>
-          </a:xfrm>
-        </p:spPr>
-        <p:txBody>
-          <a:bodyPr/>
-          <a:lstStyle/>
-          <a:p>
-            <a:r>
-              <a:rPr lang="en-US" dirty="0" smtClean="0"/>
-              <a:t>Booking Flow</a:t>
-            </a:r>
-            <a:endParaRPr lang="en-US" dirty="0"/>
-          </a:p>
-        </p:txBody>
-      </p:sp>
-      <p:sp>
-        <p:nvSpPr>
-          <p:cNvPr id="3" name="Subtitle 2"/>
-          <p:cNvSpPr>
-            <a:spLocks noGrp="1"/>
-          </p:cNvSpPr>
-          <p:nvPr>
-            <p:ph type="subTitle" idx="1"/>
-          </p:nvPr>
-        </p:nvSpPr>
-        <p:spPr>
-          <a:xfrm>
-            <a:off x="1371600" y="2133600"/>
-            <a:ext cx="6400800" cy="3505200"/>
+            <a:off x="304800" y="457200"/>
+            <a:ext cx="4724400" cy="838200"/>
           </a:xfrm>
         </p:spPr>
         <p:txBody>
           <a:bodyPr>
-            <a:normAutofit/>
+            <a:normAutofit fontScale="90000"/>
           </a:bodyPr>
           <a:lstStyle/>
           <a:p>
-            <a:pPr algn="l" fontAlgn="base"/>
-            <a:endParaRPr lang="en-US" sz="2000" dirty="0">
+            <a:pPr algn="l"/>
+            <a:r>
+              <a:rPr lang="en-US" spc="0" dirty="0" smtClean="0">
+                <a:ln w="0"/>
+                <a:solidFill>
+                  <a:schemeClr val="accent1"/>
+                </a:solidFill>
+                <a:effectLst>
+                  <a:outerShdw blurRad="38100" dist="25400" dir="5400000" algn="ctr" rotWithShape="0">
+                    <a:srgbClr val="6E747A">
+                      <a:alpha val="43000"/>
+                    </a:srgbClr>
+                  </a:outerShdw>
+                </a:effectLst>
+              </a:rPr>
+              <a:t>Main functions</a:t>
+            </a:r>
+            <a:endParaRPr lang="en-US" spc="0" dirty="0">
+              <a:ln w="0"/>
               <a:solidFill>
-                <a:schemeClr val="tx1"/>
+                <a:schemeClr val="accent1"/>
               </a:solidFill>
+              <a:effectLst>
+                <a:outerShdw blurRad="38100" dist="25400" dir="5400000" algn="ctr" rotWithShape="0">
+                  <a:srgbClr val="6E747A">
+                    <a:alpha val="43000"/>
+                  </a:srgbClr>
+                </a:outerShdw>
+              </a:effectLst>
             </a:endParaRPr>
           </a:p>
         </p:txBody>
       </p:sp>
       <p:pic>
         <p:nvPicPr>
-          <p:cNvPr id="2050" name="Picture 2" descr="C:\Users\NoName\Desktop\Booking_Flow_-_mini.png"/>
+          <p:cNvPr id="17" name="Picture 16"/>
           <p:cNvPicPr>
-            <a:picLocks noChangeAspect="1" noChangeArrowheads="1"/>
+            <a:picLocks noChangeAspect="1"/>
           </p:cNvPicPr>
           <p:nvPr/>
         </p:nvPicPr>
-        <p:blipFill>
-          <a:blip r:embed="rId3">
+        <p:blipFill rotWithShape="1">
+          <a:blip r:embed="rId3" cstate="print">
             <a:extLst>
               <a:ext uri="{28A0092B-C50C-407E-A947-70E740481C1C}">
                 <a14:useLocalDpi xmlns:a14="http://schemas.microsoft.com/office/drawing/2010/main" val="0"/>
               </a:ext>
             </a:extLst>
           </a:blip>
-          <a:srcRect/>
-          <a:stretch>
-            <a:fillRect/>
-          </a:stretch>
+          <a:srcRect r="18379"/>
+          <a:stretch/>
         </p:blipFill>
-        <p:spPr bwMode="auto">
-          <a:xfrm>
-            <a:off x="533400" y="2304033"/>
-            <a:ext cx="8153399" cy="2687065"/>
+        <p:spPr>
+          <a:xfrm>
+            <a:off x="8382000" y="6172200"/>
+            <a:ext cx="609600" cy="587460"/>
+          </a:xfrm>
+          <a:prstGeom prst="ellipse">
+            <a:avLst/>
+          </a:prstGeom>
+        </p:spPr>
+      </p:pic>
+      <p:sp>
+        <p:nvSpPr>
+          <p:cNvPr id="29" name="TextBox 28"/>
+          <p:cNvSpPr txBox="1"/>
+          <p:nvPr/>
+        </p:nvSpPr>
+        <p:spPr>
+          <a:xfrm>
+            <a:off x="6160333" y="1948934"/>
+            <a:ext cx="2587692" cy="369332"/>
           </a:xfrm>
           <a:prstGeom prst="rect">
             <a:avLst/>
           </a:prstGeom>
-          <a:noFill/>
-          <a:extLst>
-            <a:ext uri="{909E8E84-426E-40DD-AFC4-6F175D3DCCD1}">
-              <a14:hiddenFill xmlns:a14="http://schemas.microsoft.com/office/drawing/2010/main">
+          <a:solidFill>
+            <a:srgbClr val="7030A0"/>
+          </a:solidFill>
+        </p:spPr>
+        <p:txBody>
+          <a:bodyPr wrap="square" rtlCol="0">
+            <a:spAutoFit/>
+          </a:bodyPr>
+          <a:lstStyle/>
+          <a:p>
+            <a:pPr algn="ctr"/>
+            <a:r>
+              <a:rPr lang="en-US" b="1" dirty="0" smtClean="0">
                 <a:solidFill>
-                  <a:srgbClr val="FFFFFF"/>
+                  <a:schemeClr val="bg1"/>
                 </a:solidFill>
-              </a14:hiddenFill>
-            </a:ext>
-          </a:extLst>
-        </p:spPr>
-      </p:pic>
+              </a:rPr>
+              <a:t>Booking</a:t>
+            </a:r>
+            <a:endParaRPr lang="en-GB" b="1" dirty="0">
+              <a:solidFill>
+                <a:schemeClr val="bg1"/>
+              </a:solidFill>
+            </a:endParaRPr>
+          </a:p>
+        </p:txBody>
+      </p:sp>
+      <p:sp>
+        <p:nvSpPr>
+          <p:cNvPr id="31" name="TextBox 30"/>
+          <p:cNvSpPr txBox="1"/>
+          <p:nvPr/>
+        </p:nvSpPr>
+        <p:spPr>
+          <a:xfrm>
+            <a:off x="6160333" y="3545113"/>
+            <a:ext cx="2587692" cy="369332"/>
+          </a:xfrm>
+          <a:prstGeom prst="rect">
+            <a:avLst/>
+          </a:prstGeom>
+          <a:solidFill>
+            <a:srgbClr val="7030A0"/>
+          </a:solidFill>
+        </p:spPr>
+        <p:txBody>
+          <a:bodyPr wrap="square" rtlCol="0">
+            <a:spAutoFit/>
+          </a:bodyPr>
+          <a:lstStyle/>
+          <a:p>
+            <a:pPr algn="ctr"/>
+            <a:r>
+              <a:rPr lang="en-US" b="1" dirty="0" smtClean="0">
+                <a:solidFill>
+                  <a:schemeClr val="bg1"/>
+                </a:solidFill>
+              </a:rPr>
+              <a:t>Online payment</a:t>
+            </a:r>
+            <a:endParaRPr lang="en-GB" b="1" dirty="0">
+              <a:solidFill>
+                <a:schemeClr val="bg1"/>
+              </a:solidFill>
+            </a:endParaRPr>
+          </a:p>
+        </p:txBody>
+      </p:sp>
+      <p:sp>
+        <p:nvSpPr>
+          <p:cNvPr id="32" name="TextBox 31"/>
+          <p:cNvSpPr txBox="1"/>
+          <p:nvPr/>
+        </p:nvSpPr>
+        <p:spPr>
+          <a:xfrm>
+            <a:off x="6160333" y="5390156"/>
+            <a:ext cx="2587692" cy="369332"/>
+          </a:xfrm>
+          <a:prstGeom prst="rect">
+            <a:avLst/>
+          </a:prstGeom>
+          <a:solidFill>
+            <a:srgbClr val="7030A0"/>
+          </a:solidFill>
+        </p:spPr>
+        <p:txBody>
+          <a:bodyPr wrap="square" rtlCol="0">
+            <a:spAutoFit/>
+          </a:bodyPr>
+          <a:lstStyle/>
+          <a:p>
+            <a:pPr algn="ctr"/>
+            <a:r>
+              <a:rPr lang="en-US" b="1" dirty="0" smtClean="0">
+                <a:solidFill>
+                  <a:schemeClr val="bg1"/>
+                </a:solidFill>
+              </a:rPr>
+              <a:t>Reservation history</a:t>
+            </a:r>
+            <a:endParaRPr lang="en-GB" b="1" dirty="0">
+              <a:solidFill>
+                <a:schemeClr val="bg1"/>
+              </a:solidFill>
+            </a:endParaRPr>
+          </a:p>
+        </p:txBody>
+      </p:sp>
       <p:pic>
         <p:nvPicPr>
-          <p:cNvPr id="5" name="Picture 2" descr="F:\workspace\Capstone Project\logo fpt university.jpg"/>
+          <p:cNvPr id="13" name="Picture 12"/>
           <p:cNvPicPr>
-            <a:picLocks noChangeAspect="1" noChangeArrowheads="1"/>
+            <a:picLocks noChangeAspect="1"/>
           </p:cNvPicPr>
           <p:nvPr/>
         </p:nvPicPr>
         <p:blipFill>
-          <a:blip r:embed="rId4" cstate="print">
+          <a:blip r:embed="rId4">
             <a:extLst>
               <a:ext uri="{28A0092B-C50C-407E-A947-70E740481C1C}">
                 <a14:useLocalDpi xmlns:a14="http://schemas.microsoft.com/office/drawing/2010/main" val="0"/>
               </a:ext>
             </a:extLst>
           </a:blip>
-          <a:srcRect/>
           <a:stretch>
             <a:fillRect/>
           </a:stretch>
         </p:blipFill>
-        <p:spPr bwMode="auto">
-          <a:xfrm>
-            <a:off x="7482841" y="6019800"/>
-            <a:ext cx="1143000" cy="730972"/>
+        <p:spPr>
+          <a:xfrm>
+            <a:off x="547127" y="2522248"/>
+            <a:ext cx="1676400" cy="1676400"/>
           </a:xfrm>
           <a:prstGeom prst="rect">
             <a:avLst/>
           </a:prstGeom>
-          <a:noFill/>
-          <a:extLst>
-            <a:ext uri="{909E8E84-426E-40DD-AFC4-6F175D3DCCD1}">
-              <a14:hiddenFill xmlns:a14="http://schemas.microsoft.com/office/drawing/2010/main">
+        </p:spPr>
+      </p:pic>
+      <p:sp>
+        <p:nvSpPr>
+          <p:cNvPr id="14" name="TextBox 13"/>
+          <p:cNvSpPr txBox="1"/>
+          <p:nvPr/>
+        </p:nvSpPr>
+        <p:spPr>
+          <a:xfrm rot="20452409">
+            <a:off x="985194" y="3929808"/>
+            <a:ext cx="1206074" cy="400110"/>
+          </a:xfrm>
+          <a:prstGeom prst="rect">
+            <a:avLst/>
+          </a:prstGeom>
+          <a:solidFill>
+            <a:schemeClr val="accent1"/>
+          </a:solidFill>
+        </p:spPr>
+        <p:txBody>
+          <a:bodyPr wrap="square" rtlCol="0">
+            <a:spAutoFit/>
+          </a:bodyPr>
+          <a:lstStyle/>
+          <a:p>
+            <a:pPr algn="ctr"/>
+            <a:r>
+              <a:rPr lang="en-US" sz="2000" b="1" dirty="0" smtClean="0">
                 <a:solidFill>
-                  <a:srgbClr val="FFFFFF"/>
+                  <a:schemeClr val="bg1"/>
                 </a:solidFill>
-              </a14:hiddenFill>
-            </a:ext>
-          </a:extLst>
+              </a:rPr>
+              <a:t>Customer</a:t>
+            </a:r>
+            <a:endParaRPr lang="en-GB" sz="2000" b="1" dirty="0">
+              <a:solidFill>
+                <a:schemeClr val="bg1"/>
+              </a:solidFill>
+            </a:endParaRPr>
+          </a:p>
+        </p:txBody>
+      </p:sp>
+      <p:pic>
+        <p:nvPicPr>
+          <p:cNvPr id="3" name="Picture 2"/>
+          <p:cNvPicPr>
+            <a:picLocks noChangeAspect="1"/>
+          </p:cNvPicPr>
+          <p:nvPr/>
+        </p:nvPicPr>
+        <p:blipFill>
+          <a:blip r:embed="rId5">
+            <a:extLst>
+              <a:ext uri="{28A0092B-C50C-407E-A947-70E740481C1C}">
+                <a14:useLocalDpi xmlns:a14="http://schemas.microsoft.com/office/drawing/2010/main" val="0"/>
+              </a:ext>
+            </a:extLst>
+          </a:blip>
+          <a:stretch>
+            <a:fillRect/>
+          </a:stretch>
+        </p:blipFill>
+        <p:spPr>
+          <a:xfrm>
+            <a:off x="4050467" y="1143000"/>
+            <a:ext cx="1868910" cy="1868910"/>
+          </a:xfrm>
+          <a:prstGeom prst="rect">
+            <a:avLst/>
+          </a:prstGeom>
+        </p:spPr>
+      </p:pic>
+      <p:pic>
+        <p:nvPicPr>
+          <p:cNvPr id="4" name="Picture 3"/>
+          <p:cNvPicPr>
+            <a:picLocks noChangeAspect="1"/>
+          </p:cNvPicPr>
+          <p:nvPr/>
+        </p:nvPicPr>
+        <p:blipFill>
+          <a:blip r:embed="rId6" cstate="print">
+            <a:extLst>
+              <a:ext uri="{28A0092B-C50C-407E-A947-70E740481C1C}">
+                <a14:useLocalDpi xmlns:a14="http://schemas.microsoft.com/office/drawing/2010/main" val="0"/>
+              </a:ext>
+            </a:extLst>
+          </a:blip>
+          <a:stretch>
+            <a:fillRect/>
+          </a:stretch>
+        </p:blipFill>
+        <p:spPr>
+          <a:xfrm>
+            <a:off x="4050467" y="2548006"/>
+            <a:ext cx="1994215" cy="1994215"/>
+          </a:xfrm>
+          <a:prstGeom prst="rect">
+            <a:avLst/>
+          </a:prstGeom>
+        </p:spPr>
+      </p:pic>
+      <p:pic>
+        <p:nvPicPr>
+          <p:cNvPr id="5" name="Picture 4"/>
+          <p:cNvPicPr>
+            <a:picLocks noChangeAspect="1"/>
+          </p:cNvPicPr>
+          <p:nvPr/>
+        </p:nvPicPr>
+        <p:blipFill>
+          <a:blip r:embed="rId7">
+            <a:extLst>
+              <a:ext uri="{28A0092B-C50C-407E-A947-70E740481C1C}">
+                <a14:useLocalDpi xmlns:a14="http://schemas.microsoft.com/office/drawing/2010/main" val="0"/>
+              </a:ext>
+            </a:extLst>
+          </a:blip>
+          <a:stretch>
+            <a:fillRect/>
+          </a:stretch>
+        </p:blipFill>
+        <p:spPr>
+          <a:xfrm>
+            <a:off x="4195372" y="4740994"/>
+            <a:ext cx="1667656" cy="1667656"/>
+          </a:xfrm>
+          <a:prstGeom prst="rect">
+            <a:avLst/>
+          </a:prstGeom>
         </p:spPr>
       </p:pic>
     </p:spTree>
     <p:extLst>
       <p:ext uri="{BB962C8B-B14F-4D97-AF65-F5344CB8AC3E}">
-        <p14:creationId xmlns:p14="http://schemas.microsoft.com/office/powerpoint/2010/main" val="2586316841"/>
+        <p14:creationId xmlns:p14="http://schemas.microsoft.com/office/powerpoint/2010/main" val="1469557888"/>
       </p:ext>
     </p:extLst>
   </p:cSld>
@@ -9392,144 +10740,505 @@
         </p:nvSpPr>
         <p:spPr>
           <a:xfrm>
-            <a:off x="609600" y="457200"/>
-            <a:ext cx="7681913" cy="1523495"/>
+            <a:off x="304800" y="457200"/>
+            <a:ext cx="4724400" cy="838200"/>
           </a:xfrm>
         </p:spPr>
         <p:txBody>
-          <a:bodyPr/>
+          <a:bodyPr>
+            <a:normAutofit fontScale="90000"/>
+          </a:bodyPr>
           <a:lstStyle/>
           <a:p>
-            <a:r>
-              <a:rPr lang="en-US" dirty="0">
+            <a:pPr algn="l"/>
+            <a:r>
+              <a:rPr lang="en-US" spc="0" dirty="0" smtClean="0">
+                <a:ln w="0"/>
+                <a:solidFill>
+                  <a:schemeClr val="accent1"/>
+                </a:solidFill>
                 <a:effectLst>
-                  <a:glow>
-                    <a:srgbClr val="000000"/>
-                  </a:glow>
-                  <a:outerShdw sx="0" sy="0">
-                    <a:srgbClr val="000000"/>
+                  <a:outerShdw blurRad="38100" dist="25400" dir="5400000" algn="ctr" rotWithShape="0">
+                    <a:srgbClr val="6E747A">
+                      <a:alpha val="43000"/>
+                    </a:srgbClr>
                   </a:outerShdw>
-                  <a:reflection stA="0" endPos="0" fadeDir="0" sx="0" sy="0"/>
                 </a:effectLst>
               </a:rPr>
-              <a:t>Software Process Model</a:t>
-            </a:r>
-            <a:endParaRPr lang="en-US" dirty="0"/>
+              <a:t>Main functions</a:t>
+            </a:r>
+            <a:endParaRPr lang="en-US" spc="0" dirty="0">
+              <a:ln w="0"/>
+              <a:solidFill>
+                <a:schemeClr val="accent1"/>
+              </a:solidFill>
+              <a:effectLst>
+                <a:outerShdw blurRad="38100" dist="25400" dir="5400000" algn="ctr" rotWithShape="0">
+                  <a:srgbClr val="6E747A">
+                    <a:alpha val="43000"/>
+                  </a:srgbClr>
+                </a:outerShdw>
+              </a:effectLst>
+            </a:endParaRPr>
           </a:p>
         </p:txBody>
       </p:sp>
       <p:sp>
         <p:nvSpPr>
-          <p:cNvPr id="3" name="Subtitle 2"/>
-          <p:cNvSpPr>
-            <a:spLocks noGrp="1"/>
-          </p:cNvSpPr>
-          <p:nvPr>
-            <p:ph type="subTitle" idx="1"/>
-          </p:nvPr>
+          <p:cNvPr id="15" name="TextBox 14"/>
+          <p:cNvSpPr txBox="1"/>
+          <p:nvPr/>
         </p:nvSpPr>
         <p:spPr>
           <a:xfrm>
-            <a:off x="1371600" y="2133600"/>
-            <a:ext cx="6400800" cy="3505200"/>
-          </a:xfrm>
+            <a:off x="914400" y="1981200"/>
+            <a:ext cx="2587692" cy="369332"/>
+          </a:xfrm>
+          <a:prstGeom prst="rect">
+            <a:avLst/>
+          </a:prstGeom>
+          <a:solidFill>
+            <a:srgbClr val="0070C0"/>
+          </a:solidFill>
         </p:spPr>
         <p:txBody>
-          <a:bodyPr>
-            <a:normAutofit/>
+          <a:bodyPr wrap="square" rtlCol="0">
+            <a:spAutoFit/>
           </a:bodyPr>
           <a:lstStyle/>
           <a:p>
-            <a:pPr algn="l" fontAlgn="base"/>
-            <a:endParaRPr lang="en-US" sz="2000" dirty="0">
+            <a:pPr algn="ctr"/>
+            <a:r>
+              <a:rPr lang="en-US" b="1" dirty="0" smtClean="0">
+                <a:solidFill>
+                  <a:schemeClr val="bg1"/>
+                </a:solidFill>
+              </a:rPr>
+              <a:t>Search for journeys</a:t>
+            </a:r>
+            <a:endParaRPr lang="en-GB" b="1" dirty="0">
               <a:solidFill>
-                <a:schemeClr val="tx1"/>
+                <a:schemeClr val="bg1"/>
               </a:solidFill>
             </a:endParaRPr>
           </a:p>
         </p:txBody>
       </p:sp>
+      <p:sp>
+        <p:nvSpPr>
+          <p:cNvPr id="16" name="TextBox 15"/>
+          <p:cNvSpPr txBox="1"/>
+          <p:nvPr/>
+        </p:nvSpPr>
+        <p:spPr>
+          <a:xfrm>
+            <a:off x="1828800" y="2667000"/>
+            <a:ext cx="2587692" cy="369332"/>
+          </a:xfrm>
+          <a:prstGeom prst="rect">
+            <a:avLst/>
+          </a:prstGeom>
+          <a:solidFill>
+            <a:srgbClr val="0070C0"/>
+          </a:solidFill>
+        </p:spPr>
+        <p:txBody>
+          <a:bodyPr wrap="square" rtlCol="0">
+            <a:spAutoFit/>
+          </a:bodyPr>
+          <a:lstStyle/>
+          <a:p>
+            <a:pPr algn="ctr"/>
+            <a:r>
+              <a:rPr lang="en-US" b="1" dirty="0" smtClean="0">
+                <a:solidFill>
+                  <a:schemeClr val="bg1"/>
+                </a:solidFill>
+              </a:rPr>
+              <a:t>Choose journeys</a:t>
+            </a:r>
+            <a:endParaRPr lang="en-GB" b="1" dirty="0">
+              <a:solidFill>
+                <a:schemeClr val="bg1"/>
+              </a:solidFill>
+            </a:endParaRPr>
+          </a:p>
+        </p:txBody>
+      </p:sp>
+      <p:sp>
+        <p:nvSpPr>
+          <p:cNvPr id="18" name="TextBox 17"/>
+          <p:cNvSpPr txBox="1"/>
+          <p:nvPr/>
+        </p:nvSpPr>
+        <p:spPr>
+          <a:xfrm>
+            <a:off x="2817846" y="3350302"/>
+            <a:ext cx="2587692" cy="369332"/>
+          </a:xfrm>
+          <a:prstGeom prst="rect">
+            <a:avLst/>
+          </a:prstGeom>
+          <a:solidFill>
+            <a:srgbClr val="0070C0"/>
+          </a:solidFill>
+        </p:spPr>
+        <p:txBody>
+          <a:bodyPr wrap="square" rtlCol="0">
+            <a:spAutoFit/>
+          </a:bodyPr>
+          <a:lstStyle/>
+          <a:p>
+            <a:pPr algn="ctr"/>
+            <a:r>
+              <a:rPr lang="en-US" b="1" dirty="0" smtClean="0">
+                <a:solidFill>
+                  <a:schemeClr val="bg1"/>
+                </a:solidFill>
+              </a:rPr>
+              <a:t>Choose seats</a:t>
+            </a:r>
+            <a:endParaRPr lang="en-GB" b="1" dirty="0">
+              <a:solidFill>
+                <a:schemeClr val="bg1"/>
+              </a:solidFill>
+            </a:endParaRPr>
+          </a:p>
+        </p:txBody>
+      </p:sp>
+      <p:sp>
+        <p:nvSpPr>
+          <p:cNvPr id="19" name="TextBox 18"/>
+          <p:cNvSpPr txBox="1"/>
+          <p:nvPr/>
+        </p:nvSpPr>
+        <p:spPr>
+          <a:xfrm>
+            <a:off x="3732246" y="4033604"/>
+            <a:ext cx="2587692" cy="369332"/>
+          </a:xfrm>
+          <a:prstGeom prst="rect">
+            <a:avLst/>
+          </a:prstGeom>
+          <a:solidFill>
+            <a:srgbClr val="0070C0"/>
+          </a:solidFill>
+        </p:spPr>
+        <p:txBody>
+          <a:bodyPr wrap="square" rtlCol="0">
+            <a:spAutoFit/>
+          </a:bodyPr>
+          <a:lstStyle/>
+          <a:p>
+            <a:pPr algn="ctr"/>
+            <a:r>
+              <a:rPr lang="en-US" b="1" dirty="0" smtClean="0">
+                <a:solidFill>
+                  <a:schemeClr val="bg1"/>
+                </a:solidFill>
+              </a:rPr>
+              <a:t>Input details</a:t>
+            </a:r>
+            <a:endParaRPr lang="en-GB" b="1" dirty="0">
+              <a:solidFill>
+                <a:schemeClr val="bg1"/>
+              </a:solidFill>
+            </a:endParaRPr>
+          </a:p>
+        </p:txBody>
+      </p:sp>
+      <p:cxnSp>
+        <p:nvCxnSpPr>
+          <p:cNvPr id="5" name="Elbow Connector 4"/>
+          <p:cNvCxnSpPr>
+            <a:endCxn id="16" idx="1"/>
+          </p:cNvCxnSpPr>
+          <p:nvPr/>
+        </p:nvCxnSpPr>
+        <p:spPr>
+          <a:xfrm>
+            <a:off x="1219200" y="2350532"/>
+            <a:ext cx="609600" cy="501134"/>
+          </a:xfrm>
+          <a:prstGeom prst="bentConnector3">
+            <a:avLst>
+              <a:gd name="adj1" fmla="val -1639"/>
+            </a:avLst>
+          </a:prstGeom>
+          <a:ln w="38100">
+            <a:tailEnd type="triangle"/>
+          </a:ln>
+        </p:spPr>
+        <p:style>
+          <a:lnRef idx="3">
+            <a:schemeClr val="accent1"/>
+          </a:lnRef>
+          <a:fillRef idx="0">
+            <a:schemeClr val="accent1"/>
+          </a:fillRef>
+          <a:effectRef idx="2">
+            <a:schemeClr val="accent1"/>
+          </a:effectRef>
+          <a:fontRef idx="minor">
+            <a:schemeClr val="tx1"/>
+          </a:fontRef>
+        </p:style>
+      </p:cxnSp>
+      <p:cxnSp>
+        <p:nvCxnSpPr>
+          <p:cNvPr id="24" name="Elbow Connector 23"/>
+          <p:cNvCxnSpPr/>
+          <p:nvPr/>
+        </p:nvCxnSpPr>
+        <p:spPr>
+          <a:xfrm>
+            <a:off x="2208246" y="3036332"/>
+            <a:ext cx="609600" cy="501134"/>
+          </a:xfrm>
+          <a:prstGeom prst="bentConnector3">
+            <a:avLst>
+              <a:gd name="adj1" fmla="val -1639"/>
+            </a:avLst>
+          </a:prstGeom>
+          <a:ln w="38100">
+            <a:tailEnd type="triangle"/>
+          </a:ln>
+        </p:spPr>
+        <p:style>
+          <a:lnRef idx="3">
+            <a:schemeClr val="accent1"/>
+          </a:lnRef>
+          <a:fillRef idx="0">
+            <a:schemeClr val="accent1"/>
+          </a:fillRef>
+          <a:effectRef idx="2">
+            <a:schemeClr val="accent1"/>
+          </a:effectRef>
+          <a:fontRef idx="minor">
+            <a:schemeClr val="tx1"/>
+          </a:fontRef>
+        </p:style>
+      </p:cxnSp>
+      <p:cxnSp>
+        <p:nvCxnSpPr>
+          <p:cNvPr id="25" name="Elbow Connector 24"/>
+          <p:cNvCxnSpPr/>
+          <p:nvPr/>
+        </p:nvCxnSpPr>
+        <p:spPr>
+          <a:xfrm>
+            <a:off x="3122646" y="3717136"/>
+            <a:ext cx="609600" cy="501134"/>
+          </a:xfrm>
+          <a:prstGeom prst="bentConnector3">
+            <a:avLst>
+              <a:gd name="adj1" fmla="val -1639"/>
+            </a:avLst>
+          </a:prstGeom>
+          <a:ln w="38100">
+            <a:tailEnd type="triangle"/>
+          </a:ln>
+        </p:spPr>
+        <p:style>
+          <a:lnRef idx="3">
+            <a:schemeClr val="accent1"/>
+          </a:lnRef>
+          <a:fillRef idx="0">
+            <a:schemeClr val="accent1"/>
+          </a:fillRef>
+          <a:effectRef idx="2">
+            <a:schemeClr val="accent1"/>
+          </a:effectRef>
+          <a:fontRef idx="minor">
+            <a:schemeClr val="tx1"/>
+          </a:fontRef>
+        </p:style>
+      </p:cxnSp>
+      <p:cxnSp>
+        <p:nvCxnSpPr>
+          <p:cNvPr id="26" name="Elbow Connector 25"/>
+          <p:cNvCxnSpPr/>
+          <p:nvPr/>
+        </p:nvCxnSpPr>
+        <p:spPr>
+          <a:xfrm>
+            <a:off x="4111692" y="4402936"/>
+            <a:ext cx="609600" cy="501134"/>
+          </a:xfrm>
+          <a:prstGeom prst="bentConnector3">
+            <a:avLst>
+              <a:gd name="adj1" fmla="val -1639"/>
+            </a:avLst>
+          </a:prstGeom>
+          <a:ln w="38100">
+            <a:tailEnd type="triangle"/>
+          </a:ln>
+        </p:spPr>
+        <p:style>
+          <a:lnRef idx="3">
+            <a:schemeClr val="accent1"/>
+          </a:lnRef>
+          <a:fillRef idx="0">
+            <a:schemeClr val="accent1"/>
+          </a:fillRef>
+          <a:effectRef idx="2">
+            <a:schemeClr val="accent1"/>
+          </a:effectRef>
+          <a:fontRef idx="minor">
+            <a:schemeClr val="tx1"/>
+          </a:fontRef>
+        </p:style>
+      </p:cxnSp>
+      <p:sp>
+        <p:nvSpPr>
+          <p:cNvPr id="27" name="TextBox 26"/>
+          <p:cNvSpPr txBox="1"/>
+          <p:nvPr/>
+        </p:nvSpPr>
+        <p:spPr>
+          <a:xfrm>
+            <a:off x="4730036" y="4719404"/>
+            <a:ext cx="2587692" cy="369332"/>
+          </a:xfrm>
+          <a:prstGeom prst="rect">
+            <a:avLst/>
+          </a:prstGeom>
+          <a:solidFill>
+            <a:srgbClr val="0070C0"/>
+          </a:solidFill>
+        </p:spPr>
+        <p:txBody>
+          <a:bodyPr wrap="square" rtlCol="0">
+            <a:spAutoFit/>
+          </a:bodyPr>
+          <a:lstStyle/>
+          <a:p>
+            <a:pPr algn="ctr"/>
+            <a:r>
+              <a:rPr lang="en-US" b="1" dirty="0" smtClean="0">
+                <a:solidFill>
+                  <a:schemeClr val="bg1"/>
+                </a:solidFill>
+              </a:rPr>
+              <a:t>Pay with PayPal</a:t>
+            </a:r>
+            <a:endParaRPr lang="en-GB" b="1" dirty="0">
+              <a:solidFill>
+                <a:schemeClr val="bg1"/>
+              </a:solidFill>
+            </a:endParaRPr>
+          </a:p>
+        </p:txBody>
+      </p:sp>
+      <p:sp>
+        <p:nvSpPr>
+          <p:cNvPr id="28" name="TextBox 27"/>
+          <p:cNvSpPr txBox="1"/>
+          <p:nvPr/>
+        </p:nvSpPr>
+        <p:spPr>
+          <a:xfrm>
+            <a:off x="5562600" y="5362520"/>
+            <a:ext cx="3124200" cy="923330"/>
+          </a:xfrm>
+          <a:prstGeom prst="rect">
+            <a:avLst/>
+          </a:prstGeom>
+          <a:solidFill>
+            <a:srgbClr val="00B050"/>
+          </a:solidFill>
+        </p:spPr>
+        <p:txBody>
+          <a:bodyPr wrap="square" rtlCol="0">
+            <a:spAutoFit/>
+          </a:bodyPr>
+          <a:lstStyle/>
+          <a:p>
+            <a:pPr algn="ctr"/>
+            <a:r>
+              <a:rPr lang="en-US" b="1" dirty="0" smtClean="0">
+                <a:solidFill>
+                  <a:schemeClr val="bg1"/>
+                </a:solidFill>
+              </a:rPr>
+              <a:t>Reservation is created. Customer can view reservation history</a:t>
+            </a:r>
+            <a:endParaRPr lang="en-GB" b="1" dirty="0">
+              <a:solidFill>
+                <a:schemeClr val="bg1"/>
+              </a:solidFill>
+            </a:endParaRPr>
+          </a:p>
+        </p:txBody>
+      </p:sp>
+      <p:cxnSp>
+        <p:nvCxnSpPr>
+          <p:cNvPr id="30" name="Elbow Connector 29"/>
+          <p:cNvCxnSpPr/>
+          <p:nvPr/>
+        </p:nvCxnSpPr>
+        <p:spPr>
+          <a:xfrm>
+            <a:off x="5026092" y="5088736"/>
+            <a:ext cx="609600" cy="501134"/>
+          </a:xfrm>
+          <a:prstGeom prst="bentConnector3">
+            <a:avLst>
+              <a:gd name="adj1" fmla="val -1639"/>
+            </a:avLst>
+          </a:prstGeom>
+          <a:ln w="38100">
+            <a:tailEnd type="triangle"/>
+          </a:ln>
+        </p:spPr>
+        <p:style>
+          <a:lnRef idx="3">
+            <a:schemeClr val="accent1"/>
+          </a:lnRef>
+          <a:fillRef idx="0">
+            <a:schemeClr val="accent1"/>
+          </a:fillRef>
+          <a:effectRef idx="2">
+            <a:schemeClr val="accent1"/>
+          </a:effectRef>
+          <a:fontRef idx="minor">
+            <a:schemeClr val="tx1"/>
+          </a:fontRef>
+        </p:style>
+      </p:cxnSp>
       <p:pic>
         <p:nvPicPr>
-          <p:cNvPr id="6" name="Picture 5" descr="ScrumCycle"/>
-          <p:cNvPicPr/>
+          <p:cNvPr id="17" name="Picture 16"/>
+          <p:cNvPicPr>
+            <a:picLocks noChangeAspect="1"/>
+          </p:cNvPicPr>
           <p:nvPr/>
         </p:nvPicPr>
         <p:blipFill rotWithShape="1">
-          <a:blip r:embed="rId3">
+          <a:blip r:embed="rId3" cstate="print">
             <a:extLst>
               <a:ext uri="{28A0092B-C50C-407E-A947-70E740481C1C}">
                 <a14:useLocalDpi xmlns:a14="http://schemas.microsoft.com/office/drawing/2010/main" val="0"/>
               </a:ext>
             </a:extLst>
           </a:blip>
-          <a:srcRect t="-685"/>
+          <a:srcRect r="18379"/>
           <a:stretch/>
         </p:blipFill>
-        <p:spPr bwMode="auto">
-          <a:xfrm>
-            <a:off x="914400" y="1676400"/>
-            <a:ext cx="7257697" cy="3966210"/>
-          </a:xfrm>
-          <a:prstGeom prst="rect">
+        <p:spPr>
+          <a:xfrm>
+            <a:off x="8382000" y="6172200"/>
+            <a:ext cx="609600" cy="587460"/>
+          </a:xfrm>
+          <a:prstGeom prst="ellipse">
             <a:avLst/>
           </a:prstGeom>
-          <a:noFill/>
-          <a:ln>
-            <a:noFill/>
-          </a:ln>
-          <a:extLst>
-            <a:ext uri="{53640926-AAD7-44D8-BBD7-CCE9431645EC}">
-              <a14:shadowObscured xmlns:a14="http://schemas.microsoft.com/office/drawing/2010/main"/>
-            </a:ext>
-          </a:extLst>
-        </p:spPr>
-      </p:pic>
-      <p:pic>
-        <p:nvPicPr>
-          <p:cNvPr id="5" name="Picture 2" descr="F:\workspace\Capstone Project\logo fpt university.jpg"/>
-          <p:cNvPicPr>
-            <a:picLocks noChangeAspect="1" noChangeArrowheads="1"/>
-          </p:cNvPicPr>
-          <p:nvPr/>
-        </p:nvPicPr>
-        <p:blipFill>
-          <a:blip r:embed="rId4" cstate="print">
-            <a:extLst>
-              <a:ext uri="{28A0092B-C50C-407E-A947-70E740481C1C}">
-                <a14:useLocalDpi xmlns:a14="http://schemas.microsoft.com/office/drawing/2010/main" val="0"/>
-              </a:ext>
-            </a:extLst>
-          </a:blip>
-          <a:srcRect/>
-          <a:stretch>
-            <a:fillRect/>
-          </a:stretch>
-        </p:blipFill>
-        <p:spPr bwMode="auto">
-          <a:xfrm>
-            <a:off x="7482841" y="6019800"/>
-            <a:ext cx="1143000" cy="730972"/>
-          </a:xfrm>
-          <a:prstGeom prst="rect">
-            <a:avLst/>
-          </a:prstGeom>
-          <a:noFill/>
-          <a:extLst>
-            <a:ext uri="{909E8E84-426E-40DD-AFC4-6F175D3DCCD1}">
-              <a14:hiddenFill xmlns:a14="http://schemas.microsoft.com/office/drawing/2010/main">
-                <a:solidFill>
-                  <a:srgbClr val="FFFFFF"/>
-                </a:solidFill>
-              </a14:hiddenFill>
-            </a:ext>
-          </a:extLst>
         </p:spPr>
       </p:pic>
     </p:spTree>
     <p:extLst>
       <p:ext uri="{BB962C8B-B14F-4D97-AF65-F5344CB8AC3E}">
-        <p14:creationId xmlns:p14="http://schemas.microsoft.com/office/powerpoint/2010/main" val="716443205"/>
+        <p14:creationId xmlns:p14="http://schemas.microsoft.com/office/powerpoint/2010/main" val="4214434345"/>
       </p:ext>
     </p:extLst>
   </p:cSld>
@@ -9592,35 +11301,81 @@
         </p:nvSpPr>
         <p:spPr>
           <a:xfrm>
-            <a:off x="609600" y="457200"/>
-            <a:ext cx="7681913" cy="1523495"/>
+            <a:off x="304800" y="457200"/>
+            <a:ext cx="4724400" cy="838200"/>
           </a:xfrm>
         </p:spPr>
         <p:txBody>
-          <a:bodyPr/>
+          <a:bodyPr>
+            <a:normAutofit fontScale="90000"/>
+          </a:bodyPr>
           <a:lstStyle/>
           <a:p>
-            <a:r>
-              <a:rPr lang="en-US" dirty="0">
+            <a:pPr algn="l"/>
+            <a:r>
+              <a:rPr lang="en-US" spc="0" dirty="0" smtClean="0">
+                <a:ln w="0"/>
+                <a:solidFill>
+                  <a:schemeClr val="accent1"/>
+                </a:solidFill>
                 <a:effectLst>
-                  <a:glow>
-                    <a:srgbClr val="000000"/>
-                  </a:glow>
-                  <a:outerShdw sx="0" sy="0">
-                    <a:srgbClr val="000000"/>
+                  <a:outerShdw blurRad="38100" dist="25400" dir="5400000" algn="ctr" rotWithShape="0">
+                    <a:srgbClr val="6E747A">
+                      <a:alpha val="43000"/>
+                    </a:srgbClr>
                   </a:outerShdw>
-                  <a:reflection stA="0" endPos="0" fadeDir="0" sx="0" sy="0"/>
                 </a:effectLst>
               </a:rPr>
-              <a:t>Tools And Techniques</a:t>
-            </a:r>
-            <a:endParaRPr lang="en-US" dirty="0"/>
+              <a:t>Tools</a:t>
+            </a:r>
+            <a:endParaRPr lang="en-US" spc="0" dirty="0">
+              <a:ln w="0"/>
+              <a:solidFill>
+                <a:schemeClr val="accent1"/>
+              </a:solidFill>
+              <a:effectLst>
+                <a:outerShdw blurRad="38100" dist="25400" dir="5400000" algn="ctr" rotWithShape="0">
+                  <a:srgbClr val="6E747A">
+                    <a:alpha val="43000"/>
+                  </a:srgbClr>
+                </a:outerShdw>
+              </a:effectLst>
+            </a:endParaRPr>
           </a:p>
         </p:txBody>
       </p:sp>
+      <p:pic>
+        <p:nvPicPr>
+          <p:cNvPr id="17" name="Picture 16"/>
+          <p:cNvPicPr>
+            <a:picLocks noChangeAspect="1"/>
+          </p:cNvPicPr>
+          <p:nvPr/>
+        </p:nvPicPr>
+        <p:blipFill rotWithShape="1">
+          <a:blip r:embed="rId3" cstate="print">
+            <a:extLst>
+              <a:ext uri="{28A0092B-C50C-407E-A947-70E740481C1C}">
+                <a14:useLocalDpi xmlns:a14="http://schemas.microsoft.com/office/drawing/2010/main" val="0"/>
+              </a:ext>
+            </a:extLst>
+          </a:blip>
+          <a:srcRect r="18379"/>
+          <a:stretch/>
+        </p:blipFill>
+        <p:spPr>
+          <a:xfrm>
+            <a:off x="8382000" y="6172200"/>
+            <a:ext cx="609600" cy="587460"/>
+          </a:xfrm>
+          <a:prstGeom prst="ellipse">
+            <a:avLst/>
+          </a:prstGeom>
+        </p:spPr>
+      </p:pic>
       <p:sp>
         <p:nvSpPr>
-          <p:cNvPr id="3" name="Subtitle 2"/>
+          <p:cNvPr id="20" name="Subtitle 2"/>
           <p:cNvSpPr>
             <a:spLocks noGrp="1"/>
           </p:cNvSpPr>
@@ -9630,40 +11385,35 @@
         </p:nvSpPr>
         <p:spPr>
           <a:xfrm>
-            <a:off x="1219200" y="3733800"/>
+            <a:off x="1066800" y="3162300"/>
             <a:ext cx="1780540" cy="452439"/>
           </a:xfrm>
+          <a:solidFill>
+            <a:srgbClr val="7030A0"/>
+          </a:solidFill>
         </p:spPr>
         <p:txBody>
           <a:bodyPr>
-            <a:normAutofit fontScale="92500"/>
+            <a:normAutofit/>
           </a:bodyPr>
           <a:lstStyle/>
           <a:p>
             <a:pPr fontAlgn="base"/>
             <a:r>
-              <a:rPr lang="en-US" sz="2400" dirty="0"/>
+              <a:rPr lang="en-US" sz="2000" b="1" dirty="0">
+                <a:solidFill>
+                  <a:schemeClr val="bg1"/>
+                </a:solidFill>
+              </a:rPr>
               <a:t>Eclipse Indigo</a:t>
             </a:r>
-            <a:endParaRPr lang="en-US" sz="2400" spc="-150" dirty="0">
+            <a:endParaRPr lang="en-US" sz="2000" b="1" spc="-150" dirty="0">
               <a:ln w="3175">
                 <a:noFill/>
               </a:ln>
-              <a:gradFill flip="none" rotWithShape="1">
-                <a:gsLst>
-                  <a:gs pos="0">
-                    <a:srgbClr val="FFFFB9"/>
-                  </a:gs>
-                  <a:gs pos="36000">
-                    <a:srgbClr val="FFFF99"/>
-                  </a:gs>
-                  <a:gs pos="86000">
-                    <a:srgbClr val="F6AE1E"/>
-                  </a:gs>
-                </a:gsLst>
-                <a:lin ang="5400000" scaled="0"/>
-                <a:tileRect/>
-              </a:gradFill>
+              <a:solidFill>
+                <a:schemeClr val="bg1"/>
+              </a:solidFill>
               <a:effectLst>
                 <a:glow>
                   <a:srgbClr val="000000"/>
@@ -9681,48 +11431,7 @@
       </p:sp>
       <p:pic>
         <p:nvPicPr>
-          <p:cNvPr id="2050" name="Picture 2" descr="F:\workspace\Capstone Project\eclipse.png"/>
-          <p:cNvPicPr>
-            <a:picLocks noChangeAspect="1" noChangeArrowheads="1"/>
-          </p:cNvPicPr>
-          <p:nvPr/>
-        </p:nvPicPr>
-        <p:blipFill>
-          <a:blip r:embed="rId3">
-            <a:extLst>
-              <a:ext uri="{28A0092B-C50C-407E-A947-70E740481C1C}">
-                <a14:useLocalDpi xmlns:a14="http://schemas.microsoft.com/office/drawing/2010/main" val="0"/>
-              </a:ext>
-            </a:extLst>
-          </a:blip>
-          <a:srcRect/>
-          <a:stretch>
-            <a:fillRect/>
-          </a:stretch>
-        </p:blipFill>
-        <p:spPr bwMode="auto">
-          <a:xfrm>
-            <a:off x="1447800" y="2438400"/>
-            <a:ext cx="1295400" cy="1295400"/>
-          </a:xfrm>
-          <a:prstGeom prst="rect">
-            <a:avLst/>
-          </a:prstGeom>
-          <a:noFill/>
-          <a:extLst>
-            <a:ext uri="{909E8E84-426E-40DD-AFC4-6F175D3DCCD1}">
-              <a14:hiddenFill xmlns:a14="http://schemas.microsoft.com/office/drawing/2010/main">
-                <a:solidFill>
-                  <a:srgbClr val="FFFFFF"/>
-                </a:solidFill>
-              </a14:hiddenFill>
-            </a:ext>
-          </a:extLst>
-        </p:spPr>
-      </p:pic>
-      <p:pic>
-        <p:nvPicPr>
-          <p:cNvPr id="2051" name="Picture 3" descr="F:\workspace\Capstone Project\apache-tomcat-icon.png"/>
+          <p:cNvPr id="21" name="Picture 2" descr="F:\workspace\Capstone Project\eclipse.png"/>
           <p:cNvPicPr>
             <a:picLocks noChangeAspect="1" noChangeArrowheads="1"/>
           </p:cNvPicPr>
@@ -9743,8 +11452,8 @@
         </p:blipFill>
         <p:spPr bwMode="auto">
           <a:xfrm>
-            <a:off x="3733800" y="2400300"/>
-            <a:ext cx="1219200" cy="1219200"/>
+            <a:off x="1295400" y="1866900"/>
+            <a:ext cx="1295400" cy="1295400"/>
           </a:xfrm>
           <a:prstGeom prst="rect">
             <a:avLst/>
@@ -9763,7 +11472,7 @@
       </p:pic>
       <p:pic>
         <p:nvPicPr>
-          <p:cNvPr id="2052" name="Picture 4" descr="F:\workspace\Capstone Project\434mysql-centos-6.png"/>
+          <p:cNvPr id="22" name="Picture 3" descr="F:\workspace\Capstone Project\apache-tomcat-icon.png"/>
           <p:cNvPicPr>
             <a:picLocks noChangeAspect="1" noChangeArrowheads="1"/>
           </p:cNvPicPr>
@@ -9784,8 +11493,8 @@
         </p:blipFill>
         <p:spPr bwMode="auto">
           <a:xfrm>
-            <a:off x="5562600" y="2477669"/>
-            <a:ext cx="2057400" cy="1064462"/>
+            <a:off x="3581400" y="1828800"/>
+            <a:ext cx="1219200" cy="1219200"/>
           </a:xfrm>
           <a:prstGeom prst="rect">
             <a:avLst/>
@@ -9804,7 +11513,7 @@
       </p:pic>
       <p:pic>
         <p:nvPicPr>
-          <p:cNvPr id="2053" name="Picture 5" descr="F:\workspace\Capstone Project\host-codes-googlecode.png"/>
+          <p:cNvPr id="23" name="Picture 4" descr="F:\workspace\Capstone Project\434mysql-centos-6.png"/>
           <p:cNvPicPr>
             <a:picLocks noChangeAspect="1" noChangeArrowheads="1"/>
           </p:cNvPicPr>
@@ -9825,8 +11534,8 @@
         </p:blipFill>
         <p:spPr bwMode="auto">
           <a:xfrm>
-            <a:off x="2341880" y="4043361"/>
-            <a:ext cx="2489200" cy="1866900"/>
+            <a:off x="5410200" y="1906169"/>
+            <a:ext cx="2057400" cy="1064462"/>
           </a:xfrm>
           <a:prstGeom prst="rect">
             <a:avLst/>
@@ -9845,7 +11554,7 @@
       </p:pic>
       <p:pic>
         <p:nvPicPr>
-          <p:cNvPr id="2054" name="Picture 6" descr="F:\workspace\Capstone Project\88b0f6faebe7058023e324149b60f069.png"/>
+          <p:cNvPr id="29" name="Picture 5" descr="F:\workspace\Capstone Project\host-codes-googlecode.png"/>
           <p:cNvPicPr>
             <a:picLocks noChangeAspect="1" noChangeArrowheads="1"/>
           </p:cNvPicPr>
@@ -9866,8 +11575,8 @@
         </p:blipFill>
         <p:spPr bwMode="auto">
           <a:xfrm>
-            <a:off x="5576886" y="4043361"/>
-            <a:ext cx="1571625" cy="1571625"/>
+            <a:off x="2189480" y="3471861"/>
+            <a:ext cx="2489200" cy="1866900"/>
           </a:xfrm>
           <a:prstGeom prst="rect">
             <a:avLst/>
@@ -9884,1174 +11593,16 @@
           </a:extLst>
         </p:spPr>
       </p:pic>
-      <p:sp>
-        <p:nvSpPr>
-          <p:cNvPr id="11" name="Subtitle 2"/>
-          <p:cNvSpPr txBox="1">
-            <a:spLocks/>
-          </p:cNvSpPr>
-          <p:nvPr/>
-        </p:nvSpPr>
-        <p:spPr>
-          <a:xfrm>
-            <a:off x="1524000" y="1828800"/>
-            <a:ext cx="1219200" cy="609600"/>
-          </a:xfrm>
-          <a:prstGeom prst="rect">
-            <a:avLst/>
-          </a:prstGeom>
-        </p:spPr>
-        <p:txBody>
-          <a:bodyPr vert="horz" lIns="0" tIns="0" rIns="0" bIns="0" rtlCol="0">
-            <a:normAutofit/>
-          </a:bodyPr>
-          <a:lstStyle>
-            <a:lvl1pPr marL="0" indent="0" algn="l" defTabSz="914363" rtl="0" eaLnBrk="1" latinLnBrk="0" hangingPunct="1">
-              <a:lnSpc>
-                <a:spcPct val="90000"/>
-              </a:lnSpc>
-              <a:spcBef>
-                <a:spcPts val="0"/>
-              </a:spcBef>
-              <a:buFontTx/>
-              <a:buNone/>
-              <a:defRPr sz="3200" kern="1200">
-                <a:solidFill>
-                  <a:schemeClr val="tx1">
-                    <a:tint val="75000"/>
-                  </a:schemeClr>
-                </a:solidFill>
-                <a:latin typeface="+mn-lt"/>
-                <a:ea typeface="+mn-ea"/>
-                <a:cs typeface="+mn-cs"/>
-              </a:defRPr>
-            </a:lvl1pPr>
-            <a:lvl2pPr marL="457182" indent="0" algn="ctr" defTabSz="914363" rtl="0" eaLnBrk="1" latinLnBrk="0" hangingPunct="1">
-              <a:lnSpc>
-                <a:spcPct val="90000"/>
-              </a:lnSpc>
-              <a:spcBef>
-                <a:spcPct val="20000"/>
-              </a:spcBef>
-              <a:buFontTx/>
-              <a:buNone/>
-              <a:defRPr sz="2800" kern="1200">
-                <a:solidFill>
-                  <a:schemeClr val="tx1">
-                    <a:tint val="75000"/>
-                  </a:schemeClr>
-                </a:solidFill>
-                <a:latin typeface="+mn-lt"/>
-                <a:ea typeface="+mn-ea"/>
-                <a:cs typeface="+mn-cs"/>
-              </a:defRPr>
-            </a:lvl2pPr>
-            <a:lvl3pPr marL="914363" indent="0" algn="ctr" defTabSz="914363" rtl="0" eaLnBrk="1" latinLnBrk="0" hangingPunct="1">
-              <a:lnSpc>
-                <a:spcPct val="90000"/>
-              </a:lnSpc>
-              <a:spcBef>
-                <a:spcPct val="20000"/>
-              </a:spcBef>
-              <a:buFontTx/>
-              <a:buNone/>
-              <a:defRPr sz="2400" kern="1200">
-                <a:solidFill>
-                  <a:schemeClr val="tx1">
-                    <a:tint val="75000"/>
-                  </a:schemeClr>
-                </a:solidFill>
-                <a:latin typeface="+mn-lt"/>
-                <a:ea typeface="+mn-ea"/>
-                <a:cs typeface="+mn-cs"/>
-              </a:defRPr>
-            </a:lvl3pPr>
-            <a:lvl4pPr marL="1371545" indent="0" algn="ctr" defTabSz="914363" rtl="0" eaLnBrk="1" latinLnBrk="0" hangingPunct="1">
-              <a:lnSpc>
-                <a:spcPct val="90000"/>
-              </a:lnSpc>
-              <a:spcBef>
-                <a:spcPct val="20000"/>
-              </a:spcBef>
-              <a:buFontTx/>
-              <a:buNone/>
-              <a:defRPr sz="2400" kern="1200">
-                <a:solidFill>
-                  <a:schemeClr val="tx1">
-                    <a:tint val="75000"/>
-                  </a:schemeClr>
-                </a:solidFill>
-                <a:latin typeface="+mn-lt"/>
-                <a:ea typeface="+mn-ea"/>
-                <a:cs typeface="+mn-cs"/>
-              </a:defRPr>
-            </a:lvl4pPr>
-            <a:lvl5pPr marL="1828727" indent="0" algn="ctr" defTabSz="914363" rtl="0" eaLnBrk="1" latinLnBrk="0" hangingPunct="1">
-              <a:lnSpc>
-                <a:spcPct val="90000"/>
-              </a:lnSpc>
-              <a:spcBef>
-                <a:spcPct val="20000"/>
-              </a:spcBef>
-              <a:buFontTx/>
-              <a:buNone/>
-              <a:defRPr sz="2400" kern="1200">
-                <a:solidFill>
-                  <a:schemeClr val="tx1">
-                    <a:tint val="75000"/>
-                  </a:schemeClr>
-                </a:solidFill>
-                <a:latin typeface="+mn-lt"/>
-                <a:ea typeface="+mn-ea"/>
-                <a:cs typeface="+mn-cs"/>
-              </a:defRPr>
-            </a:lvl5pPr>
-            <a:lvl6pPr marL="2285909" indent="0" algn="ctr" defTabSz="914363" rtl="0" eaLnBrk="1" latinLnBrk="0" hangingPunct="1">
-              <a:spcBef>
-                <a:spcPct val="20000"/>
-              </a:spcBef>
-              <a:buFont typeface="Arial" pitchFamily="34" charset="0"/>
-              <a:buNone/>
-              <a:defRPr sz="2000" kern="1200">
-                <a:solidFill>
-                  <a:schemeClr val="tx1">
-                    <a:tint val="75000"/>
-                  </a:schemeClr>
-                </a:solidFill>
-                <a:latin typeface="+mn-lt"/>
-                <a:ea typeface="+mn-ea"/>
-                <a:cs typeface="+mn-cs"/>
-              </a:defRPr>
-            </a:lvl6pPr>
-            <a:lvl7pPr marL="2743090" indent="0" algn="ctr" defTabSz="914363" rtl="0" eaLnBrk="1" latinLnBrk="0" hangingPunct="1">
-              <a:spcBef>
-                <a:spcPct val="20000"/>
-              </a:spcBef>
-              <a:buFont typeface="Arial" pitchFamily="34" charset="0"/>
-              <a:buNone/>
-              <a:defRPr sz="2000" kern="1200">
-                <a:solidFill>
-                  <a:schemeClr val="tx1">
-                    <a:tint val="75000"/>
-                  </a:schemeClr>
-                </a:solidFill>
-                <a:latin typeface="+mn-lt"/>
-                <a:ea typeface="+mn-ea"/>
-                <a:cs typeface="+mn-cs"/>
-              </a:defRPr>
-            </a:lvl7pPr>
-            <a:lvl8pPr marL="3200272" indent="0" algn="ctr" defTabSz="914363" rtl="0" eaLnBrk="1" latinLnBrk="0" hangingPunct="1">
-              <a:spcBef>
-                <a:spcPct val="20000"/>
-              </a:spcBef>
-              <a:buFont typeface="Arial" pitchFamily="34" charset="0"/>
-              <a:buNone/>
-              <a:defRPr sz="2000" kern="1200">
-                <a:solidFill>
-                  <a:schemeClr val="tx1">
-                    <a:tint val="75000"/>
-                  </a:schemeClr>
-                </a:solidFill>
-                <a:latin typeface="+mn-lt"/>
-                <a:ea typeface="+mn-ea"/>
-                <a:cs typeface="+mn-cs"/>
-              </a:defRPr>
-            </a:lvl8pPr>
-            <a:lvl9pPr marL="3657454" indent="0" algn="ctr" defTabSz="914363" rtl="0" eaLnBrk="1" latinLnBrk="0" hangingPunct="1">
-              <a:spcBef>
-                <a:spcPct val="20000"/>
-              </a:spcBef>
-              <a:buFont typeface="Arial" pitchFamily="34" charset="0"/>
-              <a:buNone/>
-              <a:defRPr sz="2000" kern="1200">
-                <a:solidFill>
-                  <a:schemeClr val="tx1">
-                    <a:tint val="75000"/>
-                  </a:schemeClr>
-                </a:solidFill>
-                <a:latin typeface="+mn-lt"/>
-                <a:ea typeface="+mn-ea"/>
-                <a:cs typeface="+mn-cs"/>
-              </a:defRPr>
-            </a:lvl9pPr>
-          </a:lstStyle>
-          <a:p>
-            <a:pPr fontAlgn="base"/>
-            <a:r>
-              <a:rPr lang="en-US" sz="3600" spc="-150" smtClean="0">
-                <a:ln w="3175">
-                  <a:noFill/>
-                </a:ln>
-                <a:gradFill flip="none" rotWithShape="1">
-                  <a:gsLst>
-                    <a:gs pos="0">
-                      <a:srgbClr val="FFFFB9"/>
-                    </a:gs>
-                    <a:gs pos="36000">
-                      <a:srgbClr val="FFFF99"/>
-                    </a:gs>
-                    <a:gs pos="86000">
-                      <a:srgbClr val="F6AE1E"/>
-                    </a:gs>
-                  </a:gsLst>
-                  <a:lin ang="5400000" scaled="0"/>
-                  <a:tileRect/>
-                </a:gradFill>
-                <a:effectLst>
-                  <a:glow>
-                    <a:srgbClr val="000000"/>
-                  </a:glow>
-                  <a:outerShdw sx="0" sy="0">
-                    <a:srgbClr val="000000"/>
-                  </a:outerShdw>
-                  <a:reflection stA="0" endPos="0" fadeDir="0" sx="0" sy="0"/>
-                </a:effectLst>
-                <a:latin typeface="+mj-lt"/>
-                <a:cs typeface="Arial" charset="0"/>
-              </a:rPr>
-              <a:t>Tools :</a:t>
-            </a:r>
-            <a:endParaRPr lang="en-US" sz="3600" spc="-150" dirty="0">
-              <a:ln w="3175">
-                <a:noFill/>
-              </a:ln>
-              <a:gradFill flip="none" rotWithShape="1">
-                <a:gsLst>
-                  <a:gs pos="0">
-                    <a:srgbClr val="FFFFB9"/>
-                  </a:gs>
-                  <a:gs pos="36000">
-                    <a:srgbClr val="FFFF99"/>
-                  </a:gs>
-                  <a:gs pos="86000">
-                    <a:srgbClr val="F6AE1E"/>
-                  </a:gs>
-                </a:gsLst>
-                <a:lin ang="5400000" scaled="0"/>
-                <a:tileRect/>
-              </a:gradFill>
-              <a:effectLst>
-                <a:glow>
-                  <a:srgbClr val="000000"/>
-                </a:glow>
-                <a:outerShdw sx="0" sy="0">
-                  <a:srgbClr val="000000"/>
-                </a:outerShdw>
-                <a:reflection stA="0" endPos="0" fadeDir="0" sx="0" sy="0"/>
-              </a:effectLst>
-              <a:latin typeface="+mj-lt"/>
-              <a:cs typeface="Arial" charset="0"/>
-            </a:endParaRPr>
-          </a:p>
-        </p:txBody>
-      </p:sp>
-      <p:sp>
-        <p:nvSpPr>
-          <p:cNvPr id="12" name="Subtitle 2"/>
-          <p:cNvSpPr txBox="1">
-            <a:spLocks/>
-          </p:cNvSpPr>
-          <p:nvPr/>
-        </p:nvSpPr>
-        <p:spPr>
-          <a:xfrm>
-            <a:off x="3401060" y="3749040"/>
-            <a:ext cx="1780540" cy="452439"/>
-          </a:xfrm>
-          <a:prstGeom prst="rect">
-            <a:avLst/>
-          </a:prstGeom>
-        </p:spPr>
-        <p:txBody>
-          <a:bodyPr vert="horz" lIns="0" tIns="0" rIns="0" bIns="0" rtlCol="0">
-            <a:normAutofit/>
-          </a:bodyPr>
-          <a:lstStyle>
-            <a:lvl1pPr marL="0" indent="0" algn="l" defTabSz="914363" rtl="0" eaLnBrk="1" latinLnBrk="0" hangingPunct="1">
-              <a:lnSpc>
-                <a:spcPct val="90000"/>
-              </a:lnSpc>
-              <a:spcBef>
-                <a:spcPts val="0"/>
-              </a:spcBef>
-              <a:buFontTx/>
-              <a:buNone/>
-              <a:defRPr sz="3200" kern="1200">
-                <a:solidFill>
-                  <a:schemeClr val="tx1">
-                    <a:tint val="75000"/>
-                  </a:schemeClr>
-                </a:solidFill>
-                <a:latin typeface="+mn-lt"/>
-                <a:ea typeface="+mn-ea"/>
-                <a:cs typeface="+mn-cs"/>
-              </a:defRPr>
-            </a:lvl1pPr>
-            <a:lvl2pPr marL="457182" indent="0" algn="ctr" defTabSz="914363" rtl="0" eaLnBrk="1" latinLnBrk="0" hangingPunct="1">
-              <a:lnSpc>
-                <a:spcPct val="90000"/>
-              </a:lnSpc>
-              <a:spcBef>
-                <a:spcPct val="20000"/>
-              </a:spcBef>
-              <a:buFontTx/>
-              <a:buNone/>
-              <a:defRPr sz="2800" kern="1200">
-                <a:solidFill>
-                  <a:schemeClr val="tx1">
-                    <a:tint val="75000"/>
-                  </a:schemeClr>
-                </a:solidFill>
-                <a:latin typeface="+mn-lt"/>
-                <a:ea typeface="+mn-ea"/>
-                <a:cs typeface="+mn-cs"/>
-              </a:defRPr>
-            </a:lvl2pPr>
-            <a:lvl3pPr marL="914363" indent="0" algn="ctr" defTabSz="914363" rtl="0" eaLnBrk="1" latinLnBrk="0" hangingPunct="1">
-              <a:lnSpc>
-                <a:spcPct val="90000"/>
-              </a:lnSpc>
-              <a:spcBef>
-                <a:spcPct val="20000"/>
-              </a:spcBef>
-              <a:buFontTx/>
-              <a:buNone/>
-              <a:defRPr sz="2400" kern="1200">
-                <a:solidFill>
-                  <a:schemeClr val="tx1">
-                    <a:tint val="75000"/>
-                  </a:schemeClr>
-                </a:solidFill>
-                <a:latin typeface="+mn-lt"/>
-                <a:ea typeface="+mn-ea"/>
-                <a:cs typeface="+mn-cs"/>
-              </a:defRPr>
-            </a:lvl3pPr>
-            <a:lvl4pPr marL="1371545" indent="0" algn="ctr" defTabSz="914363" rtl="0" eaLnBrk="1" latinLnBrk="0" hangingPunct="1">
-              <a:lnSpc>
-                <a:spcPct val="90000"/>
-              </a:lnSpc>
-              <a:spcBef>
-                <a:spcPct val="20000"/>
-              </a:spcBef>
-              <a:buFontTx/>
-              <a:buNone/>
-              <a:defRPr sz="2400" kern="1200">
-                <a:solidFill>
-                  <a:schemeClr val="tx1">
-                    <a:tint val="75000"/>
-                  </a:schemeClr>
-                </a:solidFill>
-                <a:latin typeface="+mn-lt"/>
-                <a:ea typeface="+mn-ea"/>
-                <a:cs typeface="+mn-cs"/>
-              </a:defRPr>
-            </a:lvl4pPr>
-            <a:lvl5pPr marL="1828727" indent="0" algn="ctr" defTabSz="914363" rtl="0" eaLnBrk="1" latinLnBrk="0" hangingPunct="1">
-              <a:lnSpc>
-                <a:spcPct val="90000"/>
-              </a:lnSpc>
-              <a:spcBef>
-                <a:spcPct val="20000"/>
-              </a:spcBef>
-              <a:buFontTx/>
-              <a:buNone/>
-              <a:defRPr sz="2400" kern="1200">
-                <a:solidFill>
-                  <a:schemeClr val="tx1">
-                    <a:tint val="75000"/>
-                  </a:schemeClr>
-                </a:solidFill>
-                <a:latin typeface="+mn-lt"/>
-                <a:ea typeface="+mn-ea"/>
-                <a:cs typeface="+mn-cs"/>
-              </a:defRPr>
-            </a:lvl5pPr>
-            <a:lvl6pPr marL="2285909" indent="0" algn="ctr" defTabSz="914363" rtl="0" eaLnBrk="1" latinLnBrk="0" hangingPunct="1">
-              <a:spcBef>
-                <a:spcPct val="20000"/>
-              </a:spcBef>
-              <a:buFont typeface="Arial" pitchFamily="34" charset="0"/>
-              <a:buNone/>
-              <a:defRPr sz="2000" kern="1200">
-                <a:solidFill>
-                  <a:schemeClr val="tx1">
-                    <a:tint val="75000"/>
-                  </a:schemeClr>
-                </a:solidFill>
-                <a:latin typeface="+mn-lt"/>
-                <a:ea typeface="+mn-ea"/>
-                <a:cs typeface="+mn-cs"/>
-              </a:defRPr>
-            </a:lvl6pPr>
-            <a:lvl7pPr marL="2743090" indent="0" algn="ctr" defTabSz="914363" rtl="0" eaLnBrk="1" latinLnBrk="0" hangingPunct="1">
-              <a:spcBef>
-                <a:spcPct val="20000"/>
-              </a:spcBef>
-              <a:buFont typeface="Arial" pitchFamily="34" charset="0"/>
-              <a:buNone/>
-              <a:defRPr sz="2000" kern="1200">
-                <a:solidFill>
-                  <a:schemeClr val="tx1">
-                    <a:tint val="75000"/>
-                  </a:schemeClr>
-                </a:solidFill>
-                <a:latin typeface="+mn-lt"/>
-                <a:ea typeface="+mn-ea"/>
-                <a:cs typeface="+mn-cs"/>
-              </a:defRPr>
-            </a:lvl7pPr>
-            <a:lvl8pPr marL="3200272" indent="0" algn="ctr" defTabSz="914363" rtl="0" eaLnBrk="1" latinLnBrk="0" hangingPunct="1">
-              <a:spcBef>
-                <a:spcPct val="20000"/>
-              </a:spcBef>
-              <a:buFont typeface="Arial" pitchFamily="34" charset="0"/>
-              <a:buNone/>
-              <a:defRPr sz="2000" kern="1200">
-                <a:solidFill>
-                  <a:schemeClr val="tx1">
-                    <a:tint val="75000"/>
-                  </a:schemeClr>
-                </a:solidFill>
-                <a:latin typeface="+mn-lt"/>
-                <a:ea typeface="+mn-ea"/>
-                <a:cs typeface="+mn-cs"/>
-              </a:defRPr>
-            </a:lvl8pPr>
-            <a:lvl9pPr marL="3657454" indent="0" algn="ctr" defTabSz="914363" rtl="0" eaLnBrk="1" latinLnBrk="0" hangingPunct="1">
-              <a:spcBef>
-                <a:spcPct val="20000"/>
-              </a:spcBef>
-              <a:buFont typeface="Arial" pitchFamily="34" charset="0"/>
-              <a:buNone/>
-              <a:defRPr sz="2000" kern="1200">
-                <a:solidFill>
-                  <a:schemeClr val="tx1">
-                    <a:tint val="75000"/>
-                  </a:schemeClr>
-                </a:solidFill>
-                <a:latin typeface="+mn-lt"/>
-                <a:ea typeface="+mn-ea"/>
-                <a:cs typeface="+mn-cs"/>
-              </a:defRPr>
-            </a:lvl9pPr>
-          </a:lstStyle>
-          <a:p>
-            <a:pPr fontAlgn="base"/>
-            <a:r>
-              <a:rPr lang="en-US" sz="2400" dirty="0" smtClean="0"/>
-              <a:t>Tomcat 6.0.26</a:t>
-            </a:r>
-            <a:endParaRPr lang="en-US" sz="2400" spc="-150" dirty="0">
-              <a:ln w="3175">
-                <a:noFill/>
-              </a:ln>
-              <a:gradFill flip="none" rotWithShape="1">
-                <a:gsLst>
-                  <a:gs pos="0">
-                    <a:srgbClr val="FFFFB9"/>
-                  </a:gs>
-                  <a:gs pos="36000">
-                    <a:srgbClr val="FFFF99"/>
-                  </a:gs>
-                  <a:gs pos="86000">
-                    <a:srgbClr val="F6AE1E"/>
-                  </a:gs>
-                </a:gsLst>
-                <a:lin ang="5400000" scaled="0"/>
-                <a:tileRect/>
-              </a:gradFill>
-              <a:effectLst>
-                <a:glow>
-                  <a:srgbClr val="000000"/>
-                </a:glow>
-                <a:outerShdw sx="0" sy="0">
-                  <a:srgbClr val="000000"/>
-                </a:outerShdw>
-                <a:reflection stA="0" endPos="0" fadeDir="0" sx="0" sy="0"/>
-              </a:effectLst>
-              <a:latin typeface="+mj-lt"/>
-              <a:cs typeface="Arial" charset="0"/>
-            </a:endParaRPr>
-          </a:p>
-        </p:txBody>
-      </p:sp>
-      <p:sp>
-        <p:nvSpPr>
-          <p:cNvPr id="13" name="Subtitle 2"/>
-          <p:cNvSpPr txBox="1">
-            <a:spLocks/>
-          </p:cNvSpPr>
-          <p:nvPr/>
-        </p:nvSpPr>
-        <p:spPr>
-          <a:xfrm>
-            <a:off x="5701030" y="3733800"/>
-            <a:ext cx="1918970" cy="452439"/>
-          </a:xfrm>
-          <a:prstGeom prst="rect">
-            <a:avLst/>
-          </a:prstGeom>
-        </p:spPr>
-        <p:txBody>
-          <a:bodyPr vert="horz" lIns="0" tIns="0" rIns="0" bIns="0" rtlCol="0">
-            <a:normAutofit fontScale="92500"/>
-          </a:bodyPr>
-          <a:lstStyle>
-            <a:lvl1pPr marL="0" indent="0" algn="l" defTabSz="914363" rtl="0" eaLnBrk="1" latinLnBrk="0" hangingPunct="1">
-              <a:lnSpc>
-                <a:spcPct val="90000"/>
-              </a:lnSpc>
-              <a:spcBef>
-                <a:spcPts val="0"/>
-              </a:spcBef>
-              <a:buFontTx/>
-              <a:buNone/>
-              <a:defRPr sz="3200" kern="1200">
-                <a:solidFill>
-                  <a:schemeClr val="tx1">
-                    <a:tint val="75000"/>
-                  </a:schemeClr>
-                </a:solidFill>
-                <a:latin typeface="+mn-lt"/>
-                <a:ea typeface="+mn-ea"/>
-                <a:cs typeface="+mn-cs"/>
-              </a:defRPr>
-            </a:lvl1pPr>
-            <a:lvl2pPr marL="457182" indent="0" algn="ctr" defTabSz="914363" rtl="0" eaLnBrk="1" latinLnBrk="0" hangingPunct="1">
-              <a:lnSpc>
-                <a:spcPct val="90000"/>
-              </a:lnSpc>
-              <a:spcBef>
-                <a:spcPct val="20000"/>
-              </a:spcBef>
-              <a:buFontTx/>
-              <a:buNone/>
-              <a:defRPr sz="2800" kern="1200">
-                <a:solidFill>
-                  <a:schemeClr val="tx1">
-                    <a:tint val="75000"/>
-                  </a:schemeClr>
-                </a:solidFill>
-                <a:latin typeface="+mn-lt"/>
-                <a:ea typeface="+mn-ea"/>
-                <a:cs typeface="+mn-cs"/>
-              </a:defRPr>
-            </a:lvl2pPr>
-            <a:lvl3pPr marL="914363" indent="0" algn="ctr" defTabSz="914363" rtl="0" eaLnBrk="1" latinLnBrk="0" hangingPunct="1">
-              <a:lnSpc>
-                <a:spcPct val="90000"/>
-              </a:lnSpc>
-              <a:spcBef>
-                <a:spcPct val="20000"/>
-              </a:spcBef>
-              <a:buFontTx/>
-              <a:buNone/>
-              <a:defRPr sz="2400" kern="1200">
-                <a:solidFill>
-                  <a:schemeClr val="tx1">
-                    <a:tint val="75000"/>
-                  </a:schemeClr>
-                </a:solidFill>
-                <a:latin typeface="+mn-lt"/>
-                <a:ea typeface="+mn-ea"/>
-                <a:cs typeface="+mn-cs"/>
-              </a:defRPr>
-            </a:lvl3pPr>
-            <a:lvl4pPr marL="1371545" indent="0" algn="ctr" defTabSz="914363" rtl="0" eaLnBrk="1" latinLnBrk="0" hangingPunct="1">
-              <a:lnSpc>
-                <a:spcPct val="90000"/>
-              </a:lnSpc>
-              <a:spcBef>
-                <a:spcPct val="20000"/>
-              </a:spcBef>
-              <a:buFontTx/>
-              <a:buNone/>
-              <a:defRPr sz="2400" kern="1200">
-                <a:solidFill>
-                  <a:schemeClr val="tx1">
-                    <a:tint val="75000"/>
-                  </a:schemeClr>
-                </a:solidFill>
-                <a:latin typeface="+mn-lt"/>
-                <a:ea typeface="+mn-ea"/>
-                <a:cs typeface="+mn-cs"/>
-              </a:defRPr>
-            </a:lvl4pPr>
-            <a:lvl5pPr marL="1828727" indent="0" algn="ctr" defTabSz="914363" rtl="0" eaLnBrk="1" latinLnBrk="0" hangingPunct="1">
-              <a:lnSpc>
-                <a:spcPct val="90000"/>
-              </a:lnSpc>
-              <a:spcBef>
-                <a:spcPct val="20000"/>
-              </a:spcBef>
-              <a:buFontTx/>
-              <a:buNone/>
-              <a:defRPr sz="2400" kern="1200">
-                <a:solidFill>
-                  <a:schemeClr val="tx1">
-                    <a:tint val="75000"/>
-                  </a:schemeClr>
-                </a:solidFill>
-                <a:latin typeface="+mn-lt"/>
-                <a:ea typeface="+mn-ea"/>
-                <a:cs typeface="+mn-cs"/>
-              </a:defRPr>
-            </a:lvl5pPr>
-            <a:lvl6pPr marL="2285909" indent="0" algn="ctr" defTabSz="914363" rtl="0" eaLnBrk="1" latinLnBrk="0" hangingPunct="1">
-              <a:spcBef>
-                <a:spcPct val="20000"/>
-              </a:spcBef>
-              <a:buFont typeface="Arial" pitchFamily="34" charset="0"/>
-              <a:buNone/>
-              <a:defRPr sz="2000" kern="1200">
-                <a:solidFill>
-                  <a:schemeClr val="tx1">
-                    <a:tint val="75000"/>
-                  </a:schemeClr>
-                </a:solidFill>
-                <a:latin typeface="+mn-lt"/>
-                <a:ea typeface="+mn-ea"/>
-                <a:cs typeface="+mn-cs"/>
-              </a:defRPr>
-            </a:lvl6pPr>
-            <a:lvl7pPr marL="2743090" indent="0" algn="ctr" defTabSz="914363" rtl="0" eaLnBrk="1" latinLnBrk="0" hangingPunct="1">
-              <a:spcBef>
-                <a:spcPct val="20000"/>
-              </a:spcBef>
-              <a:buFont typeface="Arial" pitchFamily="34" charset="0"/>
-              <a:buNone/>
-              <a:defRPr sz="2000" kern="1200">
-                <a:solidFill>
-                  <a:schemeClr val="tx1">
-                    <a:tint val="75000"/>
-                  </a:schemeClr>
-                </a:solidFill>
-                <a:latin typeface="+mn-lt"/>
-                <a:ea typeface="+mn-ea"/>
-                <a:cs typeface="+mn-cs"/>
-              </a:defRPr>
-            </a:lvl7pPr>
-            <a:lvl8pPr marL="3200272" indent="0" algn="ctr" defTabSz="914363" rtl="0" eaLnBrk="1" latinLnBrk="0" hangingPunct="1">
-              <a:spcBef>
-                <a:spcPct val="20000"/>
-              </a:spcBef>
-              <a:buFont typeface="Arial" pitchFamily="34" charset="0"/>
-              <a:buNone/>
-              <a:defRPr sz="2000" kern="1200">
-                <a:solidFill>
-                  <a:schemeClr val="tx1">
-                    <a:tint val="75000"/>
-                  </a:schemeClr>
-                </a:solidFill>
-                <a:latin typeface="+mn-lt"/>
-                <a:ea typeface="+mn-ea"/>
-                <a:cs typeface="+mn-cs"/>
-              </a:defRPr>
-            </a:lvl8pPr>
-            <a:lvl9pPr marL="3657454" indent="0" algn="ctr" defTabSz="914363" rtl="0" eaLnBrk="1" latinLnBrk="0" hangingPunct="1">
-              <a:spcBef>
-                <a:spcPct val="20000"/>
-              </a:spcBef>
-              <a:buFont typeface="Arial" pitchFamily="34" charset="0"/>
-              <a:buNone/>
-              <a:defRPr sz="2000" kern="1200">
-                <a:solidFill>
-                  <a:schemeClr val="tx1">
-                    <a:tint val="75000"/>
-                  </a:schemeClr>
-                </a:solidFill>
-                <a:latin typeface="+mn-lt"/>
-                <a:ea typeface="+mn-ea"/>
-                <a:cs typeface="+mn-cs"/>
-              </a:defRPr>
-            </a:lvl9pPr>
-          </a:lstStyle>
-          <a:p>
-            <a:pPr fontAlgn="base"/>
-            <a:r>
-              <a:rPr lang="en-US" sz="2400" dirty="0" err="1" smtClean="0"/>
-              <a:t>Mysql</a:t>
-            </a:r>
-            <a:r>
-              <a:rPr lang="en-US" sz="2400" dirty="0" smtClean="0"/>
-              <a:t> Server 5.5</a:t>
-            </a:r>
-            <a:endParaRPr lang="en-US" sz="2400" spc="-150" dirty="0">
-              <a:ln w="3175">
-                <a:noFill/>
-              </a:ln>
-              <a:gradFill flip="none" rotWithShape="1">
-                <a:gsLst>
-                  <a:gs pos="0">
-                    <a:srgbClr val="FFFFB9"/>
-                  </a:gs>
-                  <a:gs pos="36000">
-                    <a:srgbClr val="FFFF99"/>
-                  </a:gs>
-                  <a:gs pos="86000">
-                    <a:srgbClr val="F6AE1E"/>
-                  </a:gs>
-                </a:gsLst>
-                <a:lin ang="5400000" scaled="0"/>
-                <a:tileRect/>
-              </a:gradFill>
-              <a:effectLst>
-                <a:glow>
-                  <a:srgbClr val="000000"/>
-                </a:glow>
-                <a:outerShdw sx="0" sy="0">
-                  <a:srgbClr val="000000"/>
-                </a:outerShdw>
-                <a:reflection stA="0" endPos="0" fadeDir="0" sx="0" sy="0"/>
-              </a:effectLst>
-              <a:latin typeface="+mj-lt"/>
-              <a:cs typeface="Arial" charset="0"/>
-            </a:endParaRPr>
-          </a:p>
-        </p:txBody>
-      </p:sp>
-      <p:sp>
-        <p:nvSpPr>
-          <p:cNvPr id="14" name="Subtitle 2"/>
-          <p:cNvSpPr txBox="1">
-            <a:spLocks/>
-          </p:cNvSpPr>
-          <p:nvPr/>
-        </p:nvSpPr>
-        <p:spPr>
-          <a:xfrm>
-            <a:off x="2709545" y="5491161"/>
-            <a:ext cx="1664335" cy="452439"/>
-          </a:xfrm>
-          <a:prstGeom prst="rect">
-            <a:avLst/>
-          </a:prstGeom>
-        </p:spPr>
-        <p:txBody>
-          <a:bodyPr vert="horz" lIns="0" tIns="0" rIns="0" bIns="0" rtlCol="0">
-            <a:normAutofit/>
-          </a:bodyPr>
-          <a:lstStyle>
-            <a:lvl1pPr marL="0" indent="0" algn="l" defTabSz="914363" rtl="0" eaLnBrk="1" latinLnBrk="0" hangingPunct="1">
-              <a:lnSpc>
-                <a:spcPct val="90000"/>
-              </a:lnSpc>
-              <a:spcBef>
-                <a:spcPts val="0"/>
-              </a:spcBef>
-              <a:buFontTx/>
-              <a:buNone/>
-              <a:defRPr sz="3200" kern="1200">
-                <a:solidFill>
-                  <a:schemeClr val="tx1">
-                    <a:tint val="75000"/>
-                  </a:schemeClr>
-                </a:solidFill>
-                <a:latin typeface="+mn-lt"/>
-                <a:ea typeface="+mn-ea"/>
-                <a:cs typeface="+mn-cs"/>
-              </a:defRPr>
-            </a:lvl1pPr>
-            <a:lvl2pPr marL="457182" indent="0" algn="ctr" defTabSz="914363" rtl="0" eaLnBrk="1" latinLnBrk="0" hangingPunct="1">
-              <a:lnSpc>
-                <a:spcPct val="90000"/>
-              </a:lnSpc>
-              <a:spcBef>
-                <a:spcPct val="20000"/>
-              </a:spcBef>
-              <a:buFontTx/>
-              <a:buNone/>
-              <a:defRPr sz="2800" kern="1200">
-                <a:solidFill>
-                  <a:schemeClr val="tx1">
-                    <a:tint val="75000"/>
-                  </a:schemeClr>
-                </a:solidFill>
-                <a:latin typeface="+mn-lt"/>
-                <a:ea typeface="+mn-ea"/>
-                <a:cs typeface="+mn-cs"/>
-              </a:defRPr>
-            </a:lvl2pPr>
-            <a:lvl3pPr marL="914363" indent="0" algn="ctr" defTabSz="914363" rtl="0" eaLnBrk="1" latinLnBrk="0" hangingPunct="1">
-              <a:lnSpc>
-                <a:spcPct val="90000"/>
-              </a:lnSpc>
-              <a:spcBef>
-                <a:spcPct val="20000"/>
-              </a:spcBef>
-              <a:buFontTx/>
-              <a:buNone/>
-              <a:defRPr sz="2400" kern="1200">
-                <a:solidFill>
-                  <a:schemeClr val="tx1">
-                    <a:tint val="75000"/>
-                  </a:schemeClr>
-                </a:solidFill>
-                <a:latin typeface="+mn-lt"/>
-                <a:ea typeface="+mn-ea"/>
-                <a:cs typeface="+mn-cs"/>
-              </a:defRPr>
-            </a:lvl3pPr>
-            <a:lvl4pPr marL="1371545" indent="0" algn="ctr" defTabSz="914363" rtl="0" eaLnBrk="1" latinLnBrk="0" hangingPunct="1">
-              <a:lnSpc>
-                <a:spcPct val="90000"/>
-              </a:lnSpc>
-              <a:spcBef>
-                <a:spcPct val="20000"/>
-              </a:spcBef>
-              <a:buFontTx/>
-              <a:buNone/>
-              <a:defRPr sz="2400" kern="1200">
-                <a:solidFill>
-                  <a:schemeClr val="tx1">
-                    <a:tint val="75000"/>
-                  </a:schemeClr>
-                </a:solidFill>
-                <a:latin typeface="+mn-lt"/>
-                <a:ea typeface="+mn-ea"/>
-                <a:cs typeface="+mn-cs"/>
-              </a:defRPr>
-            </a:lvl4pPr>
-            <a:lvl5pPr marL="1828727" indent="0" algn="ctr" defTabSz="914363" rtl="0" eaLnBrk="1" latinLnBrk="0" hangingPunct="1">
-              <a:lnSpc>
-                <a:spcPct val="90000"/>
-              </a:lnSpc>
-              <a:spcBef>
-                <a:spcPct val="20000"/>
-              </a:spcBef>
-              <a:buFontTx/>
-              <a:buNone/>
-              <a:defRPr sz="2400" kern="1200">
-                <a:solidFill>
-                  <a:schemeClr val="tx1">
-                    <a:tint val="75000"/>
-                  </a:schemeClr>
-                </a:solidFill>
-                <a:latin typeface="+mn-lt"/>
-                <a:ea typeface="+mn-ea"/>
-                <a:cs typeface="+mn-cs"/>
-              </a:defRPr>
-            </a:lvl5pPr>
-            <a:lvl6pPr marL="2285909" indent="0" algn="ctr" defTabSz="914363" rtl="0" eaLnBrk="1" latinLnBrk="0" hangingPunct="1">
-              <a:spcBef>
-                <a:spcPct val="20000"/>
-              </a:spcBef>
-              <a:buFont typeface="Arial" pitchFamily="34" charset="0"/>
-              <a:buNone/>
-              <a:defRPr sz="2000" kern="1200">
-                <a:solidFill>
-                  <a:schemeClr val="tx1">
-                    <a:tint val="75000"/>
-                  </a:schemeClr>
-                </a:solidFill>
-                <a:latin typeface="+mn-lt"/>
-                <a:ea typeface="+mn-ea"/>
-                <a:cs typeface="+mn-cs"/>
-              </a:defRPr>
-            </a:lvl6pPr>
-            <a:lvl7pPr marL="2743090" indent="0" algn="ctr" defTabSz="914363" rtl="0" eaLnBrk="1" latinLnBrk="0" hangingPunct="1">
-              <a:spcBef>
-                <a:spcPct val="20000"/>
-              </a:spcBef>
-              <a:buFont typeface="Arial" pitchFamily="34" charset="0"/>
-              <a:buNone/>
-              <a:defRPr sz="2000" kern="1200">
-                <a:solidFill>
-                  <a:schemeClr val="tx1">
-                    <a:tint val="75000"/>
-                  </a:schemeClr>
-                </a:solidFill>
-                <a:latin typeface="+mn-lt"/>
-                <a:ea typeface="+mn-ea"/>
-                <a:cs typeface="+mn-cs"/>
-              </a:defRPr>
-            </a:lvl7pPr>
-            <a:lvl8pPr marL="3200272" indent="0" algn="ctr" defTabSz="914363" rtl="0" eaLnBrk="1" latinLnBrk="0" hangingPunct="1">
-              <a:spcBef>
-                <a:spcPct val="20000"/>
-              </a:spcBef>
-              <a:buFont typeface="Arial" pitchFamily="34" charset="0"/>
-              <a:buNone/>
-              <a:defRPr sz="2000" kern="1200">
-                <a:solidFill>
-                  <a:schemeClr val="tx1">
-                    <a:tint val="75000"/>
-                  </a:schemeClr>
-                </a:solidFill>
-                <a:latin typeface="+mn-lt"/>
-                <a:ea typeface="+mn-ea"/>
-                <a:cs typeface="+mn-cs"/>
-              </a:defRPr>
-            </a:lvl8pPr>
-            <a:lvl9pPr marL="3657454" indent="0" algn="ctr" defTabSz="914363" rtl="0" eaLnBrk="1" latinLnBrk="0" hangingPunct="1">
-              <a:spcBef>
-                <a:spcPct val="20000"/>
-              </a:spcBef>
-              <a:buFont typeface="Arial" pitchFamily="34" charset="0"/>
-              <a:buNone/>
-              <a:defRPr sz="2000" kern="1200">
-                <a:solidFill>
-                  <a:schemeClr val="tx1">
-                    <a:tint val="75000"/>
-                  </a:schemeClr>
-                </a:solidFill>
-                <a:latin typeface="+mn-lt"/>
-                <a:ea typeface="+mn-ea"/>
-                <a:cs typeface="+mn-cs"/>
-              </a:defRPr>
-            </a:lvl9pPr>
-          </a:lstStyle>
-          <a:p>
-            <a:pPr fontAlgn="base"/>
-            <a:r>
-              <a:rPr lang="en-US" sz="2400" dirty="0" smtClean="0"/>
-              <a:t>Google Code</a:t>
-            </a:r>
-            <a:endParaRPr lang="en-US" sz="2400" spc="-150" dirty="0">
-              <a:ln w="3175">
-                <a:noFill/>
-              </a:ln>
-              <a:gradFill flip="none" rotWithShape="1">
-                <a:gsLst>
-                  <a:gs pos="0">
-                    <a:srgbClr val="FFFFB9"/>
-                  </a:gs>
-                  <a:gs pos="36000">
-                    <a:srgbClr val="FFFF99"/>
-                  </a:gs>
-                  <a:gs pos="86000">
-                    <a:srgbClr val="F6AE1E"/>
-                  </a:gs>
-                </a:gsLst>
-                <a:lin ang="5400000" scaled="0"/>
-                <a:tileRect/>
-              </a:gradFill>
-              <a:effectLst>
-                <a:glow>
-                  <a:srgbClr val="000000"/>
-                </a:glow>
-                <a:outerShdw sx="0" sy="0">
-                  <a:srgbClr val="000000"/>
-                </a:outerShdw>
-                <a:reflection stA="0" endPos="0" fadeDir="0" sx="0" sy="0"/>
-              </a:effectLst>
-              <a:latin typeface="+mj-lt"/>
-              <a:cs typeface="Arial" charset="0"/>
-            </a:endParaRPr>
-          </a:p>
-        </p:txBody>
-      </p:sp>
-      <p:sp>
-        <p:nvSpPr>
-          <p:cNvPr id="15" name="Subtitle 2"/>
-          <p:cNvSpPr txBox="1">
-            <a:spLocks/>
-          </p:cNvSpPr>
-          <p:nvPr/>
-        </p:nvSpPr>
-        <p:spPr>
-          <a:xfrm>
-            <a:off x="5498465" y="5457822"/>
-            <a:ext cx="1664335" cy="452439"/>
-          </a:xfrm>
-          <a:prstGeom prst="rect">
-            <a:avLst/>
-          </a:prstGeom>
-        </p:spPr>
-        <p:txBody>
-          <a:bodyPr vert="horz" lIns="0" tIns="0" rIns="0" bIns="0" rtlCol="0">
-            <a:normAutofit/>
-          </a:bodyPr>
-          <a:lstStyle>
-            <a:lvl1pPr marL="0" indent="0" algn="l" defTabSz="914363" rtl="0" eaLnBrk="1" latinLnBrk="0" hangingPunct="1">
-              <a:lnSpc>
-                <a:spcPct val="90000"/>
-              </a:lnSpc>
-              <a:spcBef>
-                <a:spcPts val="0"/>
-              </a:spcBef>
-              <a:buFontTx/>
-              <a:buNone/>
-              <a:defRPr sz="3200" kern="1200">
-                <a:solidFill>
-                  <a:schemeClr val="tx1">
-                    <a:tint val="75000"/>
-                  </a:schemeClr>
-                </a:solidFill>
-                <a:latin typeface="+mn-lt"/>
-                <a:ea typeface="+mn-ea"/>
-                <a:cs typeface="+mn-cs"/>
-              </a:defRPr>
-            </a:lvl1pPr>
-            <a:lvl2pPr marL="457182" indent="0" algn="ctr" defTabSz="914363" rtl="0" eaLnBrk="1" latinLnBrk="0" hangingPunct="1">
-              <a:lnSpc>
-                <a:spcPct val="90000"/>
-              </a:lnSpc>
-              <a:spcBef>
-                <a:spcPct val="20000"/>
-              </a:spcBef>
-              <a:buFontTx/>
-              <a:buNone/>
-              <a:defRPr sz="2800" kern="1200">
-                <a:solidFill>
-                  <a:schemeClr val="tx1">
-                    <a:tint val="75000"/>
-                  </a:schemeClr>
-                </a:solidFill>
-                <a:latin typeface="+mn-lt"/>
-                <a:ea typeface="+mn-ea"/>
-                <a:cs typeface="+mn-cs"/>
-              </a:defRPr>
-            </a:lvl2pPr>
-            <a:lvl3pPr marL="914363" indent="0" algn="ctr" defTabSz="914363" rtl="0" eaLnBrk="1" latinLnBrk="0" hangingPunct="1">
-              <a:lnSpc>
-                <a:spcPct val="90000"/>
-              </a:lnSpc>
-              <a:spcBef>
-                <a:spcPct val="20000"/>
-              </a:spcBef>
-              <a:buFontTx/>
-              <a:buNone/>
-              <a:defRPr sz="2400" kern="1200">
-                <a:solidFill>
-                  <a:schemeClr val="tx1">
-                    <a:tint val="75000"/>
-                  </a:schemeClr>
-                </a:solidFill>
-                <a:latin typeface="+mn-lt"/>
-                <a:ea typeface="+mn-ea"/>
-                <a:cs typeface="+mn-cs"/>
-              </a:defRPr>
-            </a:lvl3pPr>
-            <a:lvl4pPr marL="1371545" indent="0" algn="ctr" defTabSz="914363" rtl="0" eaLnBrk="1" latinLnBrk="0" hangingPunct="1">
-              <a:lnSpc>
-                <a:spcPct val="90000"/>
-              </a:lnSpc>
-              <a:spcBef>
-                <a:spcPct val="20000"/>
-              </a:spcBef>
-              <a:buFontTx/>
-              <a:buNone/>
-              <a:defRPr sz="2400" kern="1200">
-                <a:solidFill>
-                  <a:schemeClr val="tx1">
-                    <a:tint val="75000"/>
-                  </a:schemeClr>
-                </a:solidFill>
-                <a:latin typeface="+mn-lt"/>
-                <a:ea typeface="+mn-ea"/>
-                <a:cs typeface="+mn-cs"/>
-              </a:defRPr>
-            </a:lvl4pPr>
-            <a:lvl5pPr marL="1828727" indent="0" algn="ctr" defTabSz="914363" rtl="0" eaLnBrk="1" latinLnBrk="0" hangingPunct="1">
-              <a:lnSpc>
-                <a:spcPct val="90000"/>
-              </a:lnSpc>
-              <a:spcBef>
-                <a:spcPct val="20000"/>
-              </a:spcBef>
-              <a:buFontTx/>
-              <a:buNone/>
-              <a:defRPr sz="2400" kern="1200">
-                <a:solidFill>
-                  <a:schemeClr val="tx1">
-                    <a:tint val="75000"/>
-                  </a:schemeClr>
-                </a:solidFill>
-                <a:latin typeface="+mn-lt"/>
-                <a:ea typeface="+mn-ea"/>
-                <a:cs typeface="+mn-cs"/>
-              </a:defRPr>
-            </a:lvl5pPr>
-            <a:lvl6pPr marL="2285909" indent="0" algn="ctr" defTabSz="914363" rtl="0" eaLnBrk="1" latinLnBrk="0" hangingPunct="1">
-              <a:spcBef>
-                <a:spcPct val="20000"/>
-              </a:spcBef>
-              <a:buFont typeface="Arial" pitchFamily="34" charset="0"/>
-              <a:buNone/>
-              <a:defRPr sz="2000" kern="1200">
-                <a:solidFill>
-                  <a:schemeClr val="tx1">
-                    <a:tint val="75000"/>
-                  </a:schemeClr>
-                </a:solidFill>
-                <a:latin typeface="+mn-lt"/>
-                <a:ea typeface="+mn-ea"/>
-                <a:cs typeface="+mn-cs"/>
-              </a:defRPr>
-            </a:lvl6pPr>
-            <a:lvl7pPr marL="2743090" indent="0" algn="ctr" defTabSz="914363" rtl="0" eaLnBrk="1" latinLnBrk="0" hangingPunct="1">
-              <a:spcBef>
-                <a:spcPct val="20000"/>
-              </a:spcBef>
-              <a:buFont typeface="Arial" pitchFamily="34" charset="0"/>
-              <a:buNone/>
-              <a:defRPr sz="2000" kern="1200">
-                <a:solidFill>
-                  <a:schemeClr val="tx1">
-                    <a:tint val="75000"/>
-                  </a:schemeClr>
-                </a:solidFill>
-                <a:latin typeface="+mn-lt"/>
-                <a:ea typeface="+mn-ea"/>
-                <a:cs typeface="+mn-cs"/>
-              </a:defRPr>
-            </a:lvl7pPr>
-            <a:lvl8pPr marL="3200272" indent="0" algn="ctr" defTabSz="914363" rtl="0" eaLnBrk="1" latinLnBrk="0" hangingPunct="1">
-              <a:spcBef>
-                <a:spcPct val="20000"/>
-              </a:spcBef>
-              <a:buFont typeface="Arial" pitchFamily="34" charset="0"/>
-              <a:buNone/>
-              <a:defRPr sz="2000" kern="1200">
-                <a:solidFill>
-                  <a:schemeClr val="tx1">
-                    <a:tint val="75000"/>
-                  </a:schemeClr>
-                </a:solidFill>
-                <a:latin typeface="+mn-lt"/>
-                <a:ea typeface="+mn-ea"/>
-                <a:cs typeface="+mn-cs"/>
-              </a:defRPr>
-            </a:lvl8pPr>
-            <a:lvl9pPr marL="3657454" indent="0" algn="ctr" defTabSz="914363" rtl="0" eaLnBrk="1" latinLnBrk="0" hangingPunct="1">
-              <a:spcBef>
-                <a:spcPct val="20000"/>
-              </a:spcBef>
-              <a:buFont typeface="Arial" pitchFamily="34" charset="0"/>
-              <a:buNone/>
-              <a:defRPr sz="2000" kern="1200">
-                <a:solidFill>
-                  <a:schemeClr val="tx1">
-                    <a:tint val="75000"/>
-                  </a:schemeClr>
-                </a:solidFill>
-                <a:latin typeface="+mn-lt"/>
-                <a:ea typeface="+mn-ea"/>
-                <a:cs typeface="+mn-cs"/>
-              </a:defRPr>
-            </a:lvl9pPr>
-          </a:lstStyle>
-          <a:p>
-            <a:pPr fontAlgn="base"/>
-            <a:r>
-              <a:rPr lang="en-US" sz="2400" dirty="0"/>
-              <a:t>Tortoise SVN</a:t>
-            </a:r>
-          </a:p>
-        </p:txBody>
-      </p:sp>
       <p:pic>
         <p:nvPicPr>
-          <p:cNvPr id="16" name="Picture 2" descr="F:\workspace\Capstone Project\logo fpt university.jpg"/>
+          <p:cNvPr id="31" name="Picture 6" descr="F:\workspace\Capstone Project\88b0f6faebe7058023e324149b60f069.png"/>
           <p:cNvPicPr>
             <a:picLocks noChangeAspect="1" noChangeArrowheads="1"/>
           </p:cNvPicPr>
           <p:nvPr/>
         </p:nvPicPr>
         <p:blipFill>
-          <a:blip r:embed="rId8" cstate="print">
+          <a:blip r:embed="rId8">
             <a:extLst>
               <a:ext uri="{28A0092B-C50C-407E-A947-70E740481C1C}">
                 <a14:useLocalDpi xmlns:a14="http://schemas.microsoft.com/office/drawing/2010/main" val="0"/>
@@ -11065,8 +11616,8 @@
         </p:blipFill>
         <p:spPr bwMode="auto">
           <a:xfrm>
-            <a:off x="7482841" y="6019800"/>
-            <a:ext cx="1143000" cy="730972"/>
+            <a:off x="5424486" y="3471861"/>
+            <a:ext cx="1571625" cy="1571625"/>
           </a:xfrm>
           <a:prstGeom prst="rect">
             <a:avLst/>
@@ -11083,10 +11634,530 @@
           </a:extLst>
         </p:spPr>
       </p:pic>
+      <p:sp>
+        <p:nvSpPr>
+          <p:cNvPr id="32" name="Subtitle 2"/>
+          <p:cNvSpPr txBox="1">
+            <a:spLocks/>
+          </p:cNvSpPr>
+          <p:nvPr/>
+        </p:nvSpPr>
+        <p:spPr>
+          <a:xfrm>
+            <a:off x="3248660" y="3177540"/>
+            <a:ext cx="1780540" cy="452439"/>
+          </a:xfrm>
+          <a:prstGeom prst="rect">
+            <a:avLst/>
+          </a:prstGeom>
+          <a:solidFill>
+            <a:srgbClr val="7030A0"/>
+          </a:solidFill>
+        </p:spPr>
+        <p:txBody>
+          <a:bodyPr vert="horz" lIns="91440" tIns="45720" rIns="91440" bIns="45720" rtlCol="0">
+            <a:normAutofit/>
+          </a:bodyPr>
+          <a:lstStyle>
+            <a:lvl1pPr indent="0" algn="ctr" fontAlgn="base">
+              <a:lnSpc>
+                <a:spcPct val="90000"/>
+              </a:lnSpc>
+              <a:spcBef>
+                <a:spcPts val="1000"/>
+              </a:spcBef>
+              <a:buFont typeface="Wingdings 2" pitchFamily="18" charset="2"/>
+              <a:buNone/>
+              <a:defRPr sz="2000" b="1">
+                <a:solidFill>
+                  <a:schemeClr val="bg1"/>
+                </a:solidFill>
+              </a:defRPr>
+            </a:lvl1pPr>
+            <a:lvl2pPr indent="0" algn="ctr">
+              <a:lnSpc>
+                <a:spcPct val="90000"/>
+              </a:lnSpc>
+              <a:spcBef>
+                <a:spcPts val="500"/>
+              </a:spcBef>
+              <a:buFont typeface="Wingdings 2" pitchFamily="18" charset="2"/>
+              <a:buNone/>
+              <a:defRPr sz="2800"/>
+            </a:lvl2pPr>
+            <a:lvl3pPr indent="0" algn="ctr">
+              <a:lnSpc>
+                <a:spcPct val="90000"/>
+              </a:lnSpc>
+              <a:spcBef>
+                <a:spcPts val="500"/>
+              </a:spcBef>
+              <a:buFont typeface="Wingdings 2" pitchFamily="18" charset="2"/>
+              <a:buNone/>
+              <a:defRPr sz="2400"/>
+            </a:lvl3pPr>
+            <a:lvl4pPr indent="0" algn="ctr">
+              <a:lnSpc>
+                <a:spcPct val="90000"/>
+              </a:lnSpc>
+              <a:spcBef>
+                <a:spcPts val="500"/>
+              </a:spcBef>
+              <a:buFont typeface="Wingdings 2" pitchFamily="18" charset="2"/>
+              <a:buNone/>
+              <a:defRPr sz="2000"/>
+            </a:lvl4pPr>
+            <a:lvl5pPr indent="0" algn="ctr">
+              <a:lnSpc>
+                <a:spcPct val="90000"/>
+              </a:lnSpc>
+              <a:spcBef>
+                <a:spcPts val="500"/>
+              </a:spcBef>
+              <a:buFont typeface="Wingdings 2" pitchFamily="18" charset="2"/>
+              <a:buNone/>
+              <a:defRPr sz="2000"/>
+            </a:lvl5pPr>
+            <a:lvl6pPr indent="0" algn="ctr">
+              <a:spcBef>
+                <a:spcPct val="20000"/>
+              </a:spcBef>
+              <a:buFont typeface="Wingdings 2" pitchFamily="18" charset="2"/>
+              <a:buNone/>
+              <a:defRPr sz="2000"/>
+            </a:lvl6pPr>
+            <a:lvl7pPr indent="0" algn="ctr">
+              <a:spcBef>
+                <a:spcPct val="20000"/>
+              </a:spcBef>
+              <a:buFont typeface="Wingdings 2" pitchFamily="18" charset="2"/>
+              <a:buNone/>
+              <a:defRPr sz="2000"/>
+            </a:lvl7pPr>
+            <a:lvl8pPr indent="0" algn="ctr">
+              <a:spcBef>
+                <a:spcPct val="20000"/>
+              </a:spcBef>
+              <a:buFont typeface="Wingdings 2" pitchFamily="18" charset="2"/>
+              <a:buNone/>
+              <a:defRPr sz="2000"/>
+            </a:lvl8pPr>
+            <a:lvl9pPr indent="0" algn="ctr">
+              <a:spcBef>
+                <a:spcPct val="20000"/>
+              </a:spcBef>
+              <a:buFont typeface="Wingdings 2" pitchFamily="18" charset="2"/>
+              <a:buNone/>
+              <a:defRPr sz="2000"/>
+            </a:lvl9pPr>
+          </a:lstStyle>
+          <a:p>
+            <a:r>
+              <a:rPr lang="en-US" dirty="0"/>
+              <a:t>Tomcat 6.0.26</a:t>
+            </a:r>
+            <a:endParaRPr lang="en-US" dirty="0"/>
+          </a:p>
+        </p:txBody>
+      </p:sp>
+      <p:sp>
+        <p:nvSpPr>
+          <p:cNvPr id="33" name="Subtitle 2"/>
+          <p:cNvSpPr txBox="1">
+            <a:spLocks/>
+          </p:cNvSpPr>
+          <p:nvPr/>
+        </p:nvSpPr>
+        <p:spPr>
+          <a:xfrm>
+            <a:off x="5548630" y="3162300"/>
+            <a:ext cx="1918970" cy="452439"/>
+          </a:xfrm>
+          <a:prstGeom prst="rect">
+            <a:avLst/>
+          </a:prstGeom>
+          <a:solidFill>
+            <a:srgbClr val="7030A0"/>
+          </a:solidFill>
+        </p:spPr>
+        <p:txBody>
+          <a:bodyPr vert="horz" lIns="91440" tIns="45720" rIns="91440" bIns="45720" rtlCol="0">
+            <a:normAutofit fontScale="92500"/>
+          </a:bodyPr>
+          <a:lstStyle>
+            <a:defPPr>
+              <a:defRPr lang="en-US"/>
+            </a:defPPr>
+            <a:lvl1pPr indent="0" algn="ctr" fontAlgn="base">
+              <a:lnSpc>
+                <a:spcPct val="90000"/>
+              </a:lnSpc>
+              <a:spcBef>
+                <a:spcPts val="1000"/>
+              </a:spcBef>
+              <a:buFont typeface="Wingdings 2" pitchFamily="18" charset="2"/>
+              <a:buNone/>
+              <a:defRPr sz="2000" b="1">
+                <a:solidFill>
+                  <a:schemeClr val="bg1"/>
+                </a:solidFill>
+              </a:defRPr>
+            </a:lvl1pPr>
+            <a:lvl2pPr indent="0" algn="ctr">
+              <a:lnSpc>
+                <a:spcPct val="90000"/>
+              </a:lnSpc>
+              <a:spcBef>
+                <a:spcPts val="500"/>
+              </a:spcBef>
+              <a:buFont typeface="Wingdings 2" pitchFamily="18" charset="2"/>
+              <a:buNone/>
+              <a:defRPr sz="2800"/>
+            </a:lvl2pPr>
+            <a:lvl3pPr indent="0" algn="ctr">
+              <a:lnSpc>
+                <a:spcPct val="90000"/>
+              </a:lnSpc>
+              <a:spcBef>
+                <a:spcPts val="500"/>
+              </a:spcBef>
+              <a:buFont typeface="Wingdings 2" pitchFamily="18" charset="2"/>
+              <a:buNone/>
+              <a:defRPr sz="2400"/>
+            </a:lvl3pPr>
+            <a:lvl4pPr indent="0" algn="ctr">
+              <a:lnSpc>
+                <a:spcPct val="90000"/>
+              </a:lnSpc>
+              <a:spcBef>
+                <a:spcPts val="500"/>
+              </a:spcBef>
+              <a:buFont typeface="Wingdings 2" pitchFamily="18" charset="2"/>
+              <a:buNone/>
+              <a:defRPr sz="2000"/>
+            </a:lvl4pPr>
+            <a:lvl5pPr indent="0" algn="ctr">
+              <a:lnSpc>
+                <a:spcPct val="90000"/>
+              </a:lnSpc>
+              <a:spcBef>
+                <a:spcPts val="500"/>
+              </a:spcBef>
+              <a:buFont typeface="Wingdings 2" pitchFamily="18" charset="2"/>
+              <a:buNone/>
+              <a:defRPr sz="2000"/>
+            </a:lvl5pPr>
+            <a:lvl6pPr indent="0" algn="ctr">
+              <a:spcBef>
+                <a:spcPct val="20000"/>
+              </a:spcBef>
+              <a:buFont typeface="Wingdings 2" pitchFamily="18" charset="2"/>
+              <a:buNone/>
+              <a:defRPr sz="2000"/>
+            </a:lvl6pPr>
+            <a:lvl7pPr indent="0" algn="ctr">
+              <a:spcBef>
+                <a:spcPct val="20000"/>
+              </a:spcBef>
+              <a:buFont typeface="Wingdings 2" pitchFamily="18" charset="2"/>
+              <a:buNone/>
+              <a:defRPr sz="2000"/>
+            </a:lvl7pPr>
+            <a:lvl8pPr indent="0" algn="ctr">
+              <a:spcBef>
+                <a:spcPct val="20000"/>
+              </a:spcBef>
+              <a:buFont typeface="Wingdings 2" pitchFamily="18" charset="2"/>
+              <a:buNone/>
+              <a:defRPr sz="2000"/>
+            </a:lvl8pPr>
+            <a:lvl9pPr indent="0" algn="ctr">
+              <a:spcBef>
+                <a:spcPct val="20000"/>
+              </a:spcBef>
+              <a:buFont typeface="Wingdings 2" pitchFamily="18" charset="2"/>
+              <a:buNone/>
+              <a:defRPr sz="2000"/>
+            </a:lvl9pPr>
+          </a:lstStyle>
+          <a:p>
+            <a:r>
+              <a:rPr lang="en-US" dirty="0" err="1" smtClean="0"/>
+              <a:t>MySql</a:t>
+            </a:r>
+            <a:r>
+              <a:rPr lang="en-US" dirty="0" smtClean="0"/>
+              <a:t> </a:t>
+            </a:r>
+            <a:r>
+              <a:rPr lang="en-US" dirty="0"/>
+              <a:t>Server 5.5</a:t>
+            </a:r>
+            <a:endParaRPr lang="en-US" dirty="0"/>
+          </a:p>
+        </p:txBody>
+      </p:sp>
+      <p:sp>
+        <p:nvSpPr>
+          <p:cNvPr id="34" name="Subtitle 2"/>
+          <p:cNvSpPr txBox="1">
+            <a:spLocks/>
+          </p:cNvSpPr>
+          <p:nvPr/>
+        </p:nvSpPr>
+        <p:spPr>
+          <a:xfrm>
+            <a:off x="2557145" y="4919661"/>
+            <a:ext cx="1664335" cy="452439"/>
+          </a:xfrm>
+          <a:prstGeom prst="rect">
+            <a:avLst/>
+          </a:prstGeom>
+          <a:solidFill>
+            <a:srgbClr val="7030A0"/>
+          </a:solidFill>
+        </p:spPr>
+        <p:txBody>
+          <a:bodyPr vert="horz" lIns="91440" tIns="45720" rIns="91440" bIns="45720" rtlCol="0">
+            <a:normAutofit/>
+          </a:bodyPr>
+          <a:lstStyle>
+            <a:defPPr>
+              <a:defRPr lang="en-US"/>
+            </a:defPPr>
+            <a:lvl1pPr indent="0" algn="ctr" fontAlgn="base">
+              <a:lnSpc>
+                <a:spcPct val="90000"/>
+              </a:lnSpc>
+              <a:spcBef>
+                <a:spcPts val="1000"/>
+              </a:spcBef>
+              <a:buFont typeface="Wingdings 2" pitchFamily="18" charset="2"/>
+              <a:buNone/>
+              <a:defRPr sz="2000" b="1">
+                <a:solidFill>
+                  <a:schemeClr val="bg1"/>
+                </a:solidFill>
+              </a:defRPr>
+            </a:lvl1pPr>
+            <a:lvl2pPr indent="0" algn="ctr">
+              <a:lnSpc>
+                <a:spcPct val="90000"/>
+              </a:lnSpc>
+              <a:spcBef>
+                <a:spcPts val="500"/>
+              </a:spcBef>
+              <a:buFont typeface="Wingdings 2" pitchFamily="18" charset="2"/>
+              <a:buNone/>
+              <a:defRPr sz="2800"/>
+            </a:lvl2pPr>
+            <a:lvl3pPr indent="0" algn="ctr">
+              <a:lnSpc>
+                <a:spcPct val="90000"/>
+              </a:lnSpc>
+              <a:spcBef>
+                <a:spcPts val="500"/>
+              </a:spcBef>
+              <a:buFont typeface="Wingdings 2" pitchFamily="18" charset="2"/>
+              <a:buNone/>
+              <a:defRPr sz="2400"/>
+            </a:lvl3pPr>
+            <a:lvl4pPr indent="0" algn="ctr">
+              <a:lnSpc>
+                <a:spcPct val="90000"/>
+              </a:lnSpc>
+              <a:spcBef>
+                <a:spcPts val="500"/>
+              </a:spcBef>
+              <a:buFont typeface="Wingdings 2" pitchFamily="18" charset="2"/>
+              <a:buNone/>
+              <a:defRPr sz="2000"/>
+            </a:lvl4pPr>
+            <a:lvl5pPr indent="0" algn="ctr">
+              <a:lnSpc>
+                <a:spcPct val="90000"/>
+              </a:lnSpc>
+              <a:spcBef>
+                <a:spcPts val="500"/>
+              </a:spcBef>
+              <a:buFont typeface="Wingdings 2" pitchFamily="18" charset="2"/>
+              <a:buNone/>
+              <a:defRPr sz="2000"/>
+            </a:lvl5pPr>
+            <a:lvl6pPr indent="0" algn="ctr">
+              <a:spcBef>
+                <a:spcPct val="20000"/>
+              </a:spcBef>
+              <a:buFont typeface="Wingdings 2" pitchFamily="18" charset="2"/>
+              <a:buNone/>
+              <a:defRPr sz="2000"/>
+            </a:lvl6pPr>
+            <a:lvl7pPr indent="0" algn="ctr">
+              <a:spcBef>
+                <a:spcPct val="20000"/>
+              </a:spcBef>
+              <a:buFont typeface="Wingdings 2" pitchFamily="18" charset="2"/>
+              <a:buNone/>
+              <a:defRPr sz="2000"/>
+            </a:lvl7pPr>
+            <a:lvl8pPr indent="0" algn="ctr">
+              <a:spcBef>
+                <a:spcPct val="20000"/>
+              </a:spcBef>
+              <a:buFont typeface="Wingdings 2" pitchFamily="18" charset="2"/>
+              <a:buNone/>
+              <a:defRPr sz="2000"/>
+            </a:lvl8pPr>
+            <a:lvl9pPr indent="0" algn="ctr">
+              <a:spcBef>
+                <a:spcPct val="20000"/>
+              </a:spcBef>
+              <a:buFont typeface="Wingdings 2" pitchFamily="18" charset="2"/>
+              <a:buNone/>
+              <a:defRPr sz="2000"/>
+            </a:lvl9pPr>
+          </a:lstStyle>
+          <a:p>
+            <a:r>
+              <a:rPr lang="en-US" dirty="0"/>
+              <a:t>Google Code</a:t>
+            </a:r>
+            <a:endParaRPr lang="en-US" dirty="0"/>
+          </a:p>
+        </p:txBody>
+      </p:sp>
+      <p:sp>
+        <p:nvSpPr>
+          <p:cNvPr id="35" name="Subtitle 2"/>
+          <p:cNvSpPr txBox="1">
+            <a:spLocks/>
+          </p:cNvSpPr>
+          <p:nvPr/>
+        </p:nvSpPr>
+        <p:spPr>
+          <a:xfrm>
+            <a:off x="5351763" y="4922548"/>
+            <a:ext cx="1664335" cy="452439"/>
+          </a:xfrm>
+          <a:prstGeom prst="rect">
+            <a:avLst/>
+          </a:prstGeom>
+          <a:solidFill>
+            <a:srgbClr val="7030A0"/>
+          </a:solidFill>
+        </p:spPr>
+        <p:txBody>
+          <a:bodyPr vert="horz" lIns="91440" tIns="45720" rIns="91440" bIns="45720" rtlCol="0">
+            <a:normAutofit/>
+          </a:bodyPr>
+          <a:lstStyle>
+            <a:defPPr>
+              <a:defRPr lang="en-US"/>
+            </a:defPPr>
+            <a:lvl1pPr indent="0" algn="ctr" fontAlgn="base">
+              <a:lnSpc>
+                <a:spcPct val="90000"/>
+              </a:lnSpc>
+              <a:spcBef>
+                <a:spcPts val="1000"/>
+              </a:spcBef>
+              <a:buFont typeface="Wingdings 2" pitchFamily="18" charset="2"/>
+              <a:buNone/>
+              <a:defRPr sz="2000" b="1">
+                <a:solidFill>
+                  <a:schemeClr val="bg1"/>
+                </a:solidFill>
+              </a:defRPr>
+            </a:lvl1pPr>
+            <a:lvl2pPr indent="0" algn="ctr">
+              <a:lnSpc>
+                <a:spcPct val="90000"/>
+              </a:lnSpc>
+              <a:spcBef>
+                <a:spcPts val="500"/>
+              </a:spcBef>
+              <a:buFont typeface="Wingdings 2" pitchFamily="18" charset="2"/>
+              <a:buNone/>
+              <a:defRPr sz="2800"/>
+            </a:lvl2pPr>
+            <a:lvl3pPr indent="0" algn="ctr">
+              <a:lnSpc>
+                <a:spcPct val="90000"/>
+              </a:lnSpc>
+              <a:spcBef>
+                <a:spcPts val="500"/>
+              </a:spcBef>
+              <a:buFont typeface="Wingdings 2" pitchFamily="18" charset="2"/>
+              <a:buNone/>
+              <a:defRPr sz="2400"/>
+            </a:lvl3pPr>
+            <a:lvl4pPr indent="0" algn="ctr">
+              <a:lnSpc>
+                <a:spcPct val="90000"/>
+              </a:lnSpc>
+              <a:spcBef>
+                <a:spcPts val="500"/>
+              </a:spcBef>
+              <a:buFont typeface="Wingdings 2" pitchFamily="18" charset="2"/>
+              <a:buNone/>
+              <a:defRPr sz="2000"/>
+            </a:lvl4pPr>
+            <a:lvl5pPr indent="0" algn="ctr">
+              <a:lnSpc>
+                <a:spcPct val="90000"/>
+              </a:lnSpc>
+              <a:spcBef>
+                <a:spcPts val="500"/>
+              </a:spcBef>
+              <a:buFont typeface="Wingdings 2" pitchFamily="18" charset="2"/>
+              <a:buNone/>
+              <a:defRPr sz="2000"/>
+            </a:lvl5pPr>
+            <a:lvl6pPr indent="0" algn="ctr">
+              <a:spcBef>
+                <a:spcPct val="20000"/>
+              </a:spcBef>
+              <a:buFont typeface="Wingdings 2" pitchFamily="18" charset="2"/>
+              <a:buNone/>
+              <a:defRPr sz="2000"/>
+            </a:lvl6pPr>
+            <a:lvl7pPr indent="0" algn="ctr">
+              <a:spcBef>
+                <a:spcPct val="20000"/>
+              </a:spcBef>
+              <a:buFont typeface="Wingdings 2" pitchFamily="18" charset="2"/>
+              <a:buNone/>
+              <a:defRPr sz="2000"/>
+            </a:lvl7pPr>
+            <a:lvl8pPr indent="0" algn="ctr">
+              <a:spcBef>
+                <a:spcPct val="20000"/>
+              </a:spcBef>
+              <a:buFont typeface="Wingdings 2" pitchFamily="18" charset="2"/>
+              <a:buNone/>
+              <a:defRPr sz="2000"/>
+            </a:lvl8pPr>
+            <a:lvl9pPr indent="0" algn="ctr">
+              <a:spcBef>
+                <a:spcPct val="20000"/>
+              </a:spcBef>
+              <a:buFont typeface="Wingdings 2" pitchFamily="18" charset="2"/>
+              <a:buNone/>
+              <a:defRPr sz="2000"/>
+            </a:lvl9pPr>
+          </a:lstStyle>
+          <a:p>
+            <a:r>
+              <a:rPr lang="en-US" dirty="0"/>
+              <a:t>Tortoise SVN</a:t>
+            </a:r>
+          </a:p>
+        </p:txBody>
+      </p:sp>
     </p:spTree>
     <p:extLst>
       <p:ext uri="{BB962C8B-B14F-4D97-AF65-F5344CB8AC3E}">
-        <p14:creationId xmlns:p14="http://schemas.microsoft.com/office/powerpoint/2010/main" val="3181807627"/>
+        <p14:creationId xmlns:p14="http://schemas.microsoft.com/office/powerpoint/2010/main" val="2455358346"/>
       </p:ext>
     </p:extLst>
   </p:cSld>
@@ -11149,135 +12220,58 @@
         </p:nvSpPr>
         <p:spPr>
           <a:xfrm>
-            <a:off x="609600" y="457200"/>
-            <a:ext cx="7681913" cy="1523495"/>
+            <a:off x="304800" y="457200"/>
+            <a:ext cx="4724400" cy="838200"/>
           </a:xfrm>
         </p:spPr>
         <p:txBody>
-          <a:bodyPr/>
+          <a:bodyPr>
+            <a:normAutofit fontScale="90000"/>
+          </a:bodyPr>
           <a:lstStyle/>
           <a:p>
-            <a:r>
-              <a:rPr lang="en-US" dirty="0">
+            <a:pPr algn="l"/>
+            <a:r>
+              <a:rPr lang="en-US" spc="0" dirty="0" smtClean="0">
+                <a:ln w="0"/>
+                <a:solidFill>
+                  <a:schemeClr val="accent1"/>
+                </a:solidFill>
                 <a:effectLst>
-                  <a:glow>
-                    <a:srgbClr val="000000"/>
-                  </a:glow>
-                  <a:outerShdw sx="0" sy="0">
-                    <a:srgbClr val="000000"/>
+                  <a:outerShdw blurRad="38100" dist="25400" dir="5400000" algn="ctr" rotWithShape="0">
+                    <a:srgbClr val="6E747A">
+                      <a:alpha val="43000"/>
+                    </a:srgbClr>
                   </a:outerShdw>
-                  <a:reflection stA="0" endPos="0" fadeDir="0" sx="0" sy="0"/>
                 </a:effectLst>
               </a:rPr>
-              <a:t>Tools And Techniques</a:t>
-            </a:r>
-            <a:endParaRPr lang="en-US" dirty="0"/>
-          </a:p>
-        </p:txBody>
-      </p:sp>
-      <p:sp>
-        <p:nvSpPr>
-          <p:cNvPr id="3" name="Subtitle 2"/>
-          <p:cNvSpPr>
-            <a:spLocks noGrp="1"/>
-          </p:cNvSpPr>
-          <p:nvPr>
-            <p:ph type="subTitle" idx="1"/>
-          </p:nvPr>
-        </p:nvSpPr>
-        <p:spPr>
-          <a:xfrm>
-            <a:off x="1371600" y="1676400"/>
-            <a:ext cx="2320051" cy="609600"/>
-          </a:xfrm>
-        </p:spPr>
-        <p:txBody>
-          <a:bodyPr>
-            <a:normAutofit/>
-          </a:bodyPr>
-          <a:lstStyle/>
-          <a:p>
-            <a:pPr algn="l" fontAlgn="base"/>
-            <a:r>
-              <a:rPr lang="en-US" sz="3600" spc="-150" dirty="0" smtClean="0">
-                <a:ln w="3175">
-                  <a:noFill/>
-                </a:ln>
-                <a:gradFill flip="none" rotWithShape="1">
-                  <a:gsLst>
-                    <a:gs pos="0">
-                      <a:srgbClr val="FFFFB9"/>
-                    </a:gs>
-                    <a:gs pos="36000">
-                      <a:srgbClr val="FFFF99"/>
-                    </a:gs>
-                    <a:gs pos="86000">
-                      <a:srgbClr val="F6AE1E"/>
-                    </a:gs>
-                  </a:gsLst>
-                  <a:lin ang="5400000" scaled="0"/>
-                  <a:tileRect/>
-                </a:gradFill>
-                <a:effectLst>
-                  <a:glow>
-                    <a:srgbClr val="000000"/>
-                  </a:glow>
-                  <a:outerShdw sx="0" sy="0">
-                    <a:srgbClr val="000000"/>
-                  </a:outerShdw>
-                  <a:reflection stA="0" endPos="0" fadeDir="0" sx="0" sy="0"/>
-                </a:effectLst>
-                <a:latin typeface="+mj-lt"/>
-                <a:cs typeface="Arial" charset="0"/>
-              </a:rPr>
-              <a:t>Techniques </a:t>
-            </a:r>
-            <a:r>
-              <a:rPr lang="en-US" sz="3600" spc="-150" dirty="0">
-                <a:ln w="3175">
-                  <a:noFill/>
-                </a:ln>
-                <a:gradFill flip="none" rotWithShape="1">
-                  <a:gsLst>
-                    <a:gs pos="0">
-                      <a:srgbClr val="FFFFB9"/>
-                    </a:gs>
-                    <a:gs pos="36000">
-                      <a:srgbClr val="FFFF99"/>
-                    </a:gs>
-                    <a:gs pos="86000">
-                      <a:srgbClr val="F6AE1E"/>
-                    </a:gs>
-                  </a:gsLst>
-                  <a:lin ang="5400000" scaled="0"/>
-                  <a:tileRect/>
-                </a:gradFill>
-                <a:effectLst>
-                  <a:glow>
-                    <a:srgbClr val="000000"/>
-                  </a:glow>
-                  <a:outerShdw sx="0" sy="0">
-                    <a:srgbClr val="000000"/>
-                  </a:outerShdw>
-                  <a:reflection stA="0" endPos="0" fadeDir="0" sx="0" sy="0"/>
-                </a:effectLst>
-                <a:latin typeface="+mj-lt"/>
-                <a:cs typeface="Arial" charset="0"/>
-              </a:rPr>
-              <a:t>:</a:t>
-            </a:r>
+              <a:t>Techniques</a:t>
+            </a:r>
+            <a:endParaRPr lang="en-US" spc="0" dirty="0">
+              <a:ln w="0"/>
+              <a:solidFill>
+                <a:schemeClr val="accent1"/>
+              </a:solidFill>
+              <a:effectLst>
+                <a:outerShdw blurRad="38100" dist="25400" dir="5400000" algn="ctr" rotWithShape="0">
+                  <a:srgbClr val="6E747A">
+                    <a:alpha val="43000"/>
+                  </a:srgbClr>
+                </a:outerShdw>
+              </a:effectLst>
+            </a:endParaRPr>
           </a:p>
         </p:txBody>
       </p:sp>
       <p:pic>
         <p:nvPicPr>
-          <p:cNvPr id="3074" name="Picture 2" descr="F:\workspace\Capstone Project\html2.png"/>
+          <p:cNvPr id="17" name="Picture 16"/>
           <p:cNvPicPr>
-            <a:picLocks noChangeAspect="1" noChangeArrowheads="1"/>
+            <a:picLocks noChangeAspect="1"/>
           </p:cNvPicPr>
           <p:nvPr/>
         </p:nvPicPr>
-        <p:blipFill>
+        <p:blipFill rotWithShape="1">
           <a:blip r:embed="rId3" cstate="print">
             <a:extLst>
               <a:ext uri="{28A0092B-C50C-407E-A947-70E740481C1C}">
@@ -11285,34 +12279,22 @@
               </a:ext>
             </a:extLst>
           </a:blip>
-          <a:srcRect/>
-          <a:stretch>
-            <a:fillRect/>
-          </a:stretch>
+          <a:srcRect r="18379"/>
+          <a:stretch/>
         </p:blipFill>
-        <p:spPr bwMode="auto">
-          <a:xfrm>
-            <a:off x="1371600" y="2514600"/>
-            <a:ext cx="990599" cy="990599"/>
-          </a:xfrm>
-          <a:prstGeom prst="rect">
+        <p:spPr>
+          <a:xfrm>
+            <a:off x="8382000" y="6172200"/>
+            <a:ext cx="609600" cy="587460"/>
+          </a:xfrm>
+          <a:prstGeom prst="ellipse">
             <a:avLst/>
           </a:prstGeom>
-          <a:noFill/>
-          <a:extLst>
-            <a:ext uri="{909E8E84-426E-40DD-AFC4-6F175D3DCCD1}">
-              <a14:hiddenFill xmlns:a14="http://schemas.microsoft.com/office/drawing/2010/main">
-                <a:solidFill>
-                  <a:srgbClr val="FFFFFF"/>
-                </a:solidFill>
-              </a14:hiddenFill>
-            </a:ext>
-          </a:extLst>
         </p:spPr>
       </p:pic>
       <p:pic>
         <p:nvPicPr>
-          <p:cNvPr id="3075" name="Picture 3" descr="F:\workspace\Capstone Project\File Adobe Dreamweaver CSS-01.png"/>
+          <p:cNvPr id="15" name="Picture 2" descr="F:\workspace\Capstone Project\html2.png"/>
           <p:cNvPicPr>
             <a:picLocks noChangeAspect="1" noChangeArrowheads="1"/>
           </p:cNvPicPr>
@@ -11333,7 +12315,7 @@
         </p:blipFill>
         <p:spPr bwMode="auto">
           <a:xfrm>
-            <a:off x="2701052" y="2514600"/>
+            <a:off x="994545" y="1789255"/>
             <a:ext cx="990599" cy="990599"/>
           </a:xfrm>
           <a:prstGeom prst="rect">
@@ -11353,7 +12335,7 @@
       </p:pic>
       <p:pic>
         <p:nvPicPr>
-          <p:cNvPr id="3076" name="Picture 4" descr="F:\workspace\Capstone Project\File Adobe Dreamweaver JavaScript.png"/>
+          <p:cNvPr id="16" name="Picture 3" descr="F:\workspace\Capstone Project\File Adobe Dreamweaver CSS-01.png"/>
           <p:cNvPicPr>
             <a:picLocks noChangeAspect="1" noChangeArrowheads="1"/>
           </p:cNvPicPr>
@@ -11374,7 +12356,7 @@
         </p:blipFill>
         <p:spPr bwMode="auto">
           <a:xfrm>
-            <a:off x="3810000" y="2514600"/>
+            <a:off x="2233382" y="1789254"/>
             <a:ext cx="990599" cy="990599"/>
           </a:xfrm>
           <a:prstGeom prst="rect">
@@ -11394,7 +12376,7 @@
       </p:pic>
       <p:pic>
         <p:nvPicPr>
-          <p:cNvPr id="3077" name="Picture 5" descr="F:\workspace\Capstone Project\2.png"/>
+          <p:cNvPr id="18" name="Picture 4" descr="F:\workspace\Capstone Project\File Adobe Dreamweaver JavaScript.png"/>
           <p:cNvPicPr>
             <a:picLocks noChangeAspect="1" noChangeArrowheads="1"/>
           </p:cNvPicPr>
@@ -11415,8 +12397,8 @@
         </p:blipFill>
         <p:spPr bwMode="auto">
           <a:xfrm>
-            <a:off x="5029200" y="2514600"/>
-            <a:ext cx="990600" cy="990600"/>
+            <a:off x="3395821" y="1823706"/>
+            <a:ext cx="990599" cy="990599"/>
           </a:xfrm>
           <a:prstGeom prst="rect">
             <a:avLst/>
@@ -11435,7 +12417,7 @@
       </p:pic>
       <p:pic>
         <p:nvPicPr>
-          <p:cNvPr id="3078" name="Picture 6" descr="F:\workspace\Capstone Project\features_json.png"/>
+          <p:cNvPr id="19" name="Picture 5" descr="F:\workspace\Capstone Project\2.png"/>
           <p:cNvPicPr>
             <a:picLocks noChangeAspect="1" noChangeArrowheads="1"/>
           </p:cNvPicPr>
@@ -11456,8 +12438,8 @@
         </p:blipFill>
         <p:spPr bwMode="auto">
           <a:xfrm>
-            <a:off x="6172200" y="2514600"/>
-            <a:ext cx="735353" cy="990600"/>
+            <a:off x="4701063" y="1759417"/>
+            <a:ext cx="990600" cy="990600"/>
           </a:xfrm>
           <a:prstGeom prst="rect">
             <a:avLst/>
@@ -11476,14 +12458,14 @@
       </p:pic>
       <p:pic>
         <p:nvPicPr>
-          <p:cNvPr id="3079" name="Picture 7" descr="F:\workspace\Capstone Project\ajax.png"/>
+          <p:cNvPr id="24" name="Picture 6" descr="F:\workspace\Capstone Project\features_json.png"/>
           <p:cNvPicPr>
             <a:picLocks noChangeAspect="1" noChangeArrowheads="1"/>
           </p:cNvPicPr>
           <p:nvPr/>
         </p:nvPicPr>
         <p:blipFill>
-          <a:blip r:embed="rId8">
+          <a:blip r:embed="rId8" cstate="print">
             <a:extLst>
               <a:ext uri="{28A0092B-C50C-407E-A947-70E740481C1C}">
                 <a14:useLocalDpi xmlns:a14="http://schemas.microsoft.com/office/drawing/2010/main" val="0"/>
@@ -11497,8 +12479,8 @@
         </p:blipFill>
         <p:spPr bwMode="auto">
           <a:xfrm>
-            <a:off x="7043736" y="2514600"/>
-            <a:ext cx="1743929" cy="990599"/>
+            <a:off x="6058964" y="1789253"/>
+            <a:ext cx="735353" cy="990600"/>
           </a:xfrm>
           <a:prstGeom prst="rect">
             <a:avLst/>
@@ -11517,7 +12499,7 @@
       </p:pic>
       <p:pic>
         <p:nvPicPr>
-          <p:cNvPr id="3080" name="Picture 8" descr="F:\workspace\Capstone Project\struts2.png"/>
+          <p:cNvPr id="25" name="Picture 7" descr="F:\workspace\Capstone Project\ajax.png"/>
           <p:cNvPicPr>
             <a:picLocks noChangeAspect="1" noChangeArrowheads="1"/>
           </p:cNvPicPr>
@@ -11538,8 +12520,8 @@
         </p:blipFill>
         <p:spPr bwMode="auto">
           <a:xfrm>
-            <a:off x="1502970" y="3856736"/>
-            <a:ext cx="1622885" cy="546100"/>
+            <a:off x="6942871" y="1703686"/>
+            <a:ext cx="1743929" cy="990599"/>
           </a:xfrm>
           <a:prstGeom prst="rect">
             <a:avLst/>
@@ -11558,14 +12540,14 @@
       </p:pic>
       <p:pic>
         <p:nvPicPr>
-          <p:cNvPr id="3081" name="Picture 9" descr="F:\workspace\Capstone Project\hibernate-logo.png"/>
+          <p:cNvPr id="26" name="Picture 8" descr="F:\workspace\Capstone Project\struts2.png"/>
           <p:cNvPicPr>
             <a:picLocks noChangeAspect="1" noChangeArrowheads="1"/>
           </p:cNvPicPr>
           <p:nvPr/>
         </p:nvPicPr>
         <p:blipFill>
-          <a:blip r:embed="rId10" cstate="print">
+          <a:blip r:embed="rId10">
             <a:extLst>
               <a:ext uri="{28A0092B-C50C-407E-A947-70E740481C1C}">
                 <a14:useLocalDpi xmlns:a14="http://schemas.microsoft.com/office/drawing/2010/main" val="0"/>
@@ -11579,8 +12561,8 @@
         </p:blipFill>
         <p:spPr bwMode="auto">
           <a:xfrm>
-            <a:off x="3421687" y="3889117"/>
-            <a:ext cx="3068637" cy="513719"/>
+            <a:off x="1206108" y="3232149"/>
+            <a:ext cx="1622885" cy="546100"/>
           </a:xfrm>
           <a:prstGeom prst="rect">
             <a:avLst/>
@@ -11599,14 +12581,14 @@
       </p:pic>
       <p:pic>
         <p:nvPicPr>
-          <p:cNvPr id="3082" name="Picture 10" descr="F:\workspace\Capstone Project\log4j-mini-logo.png"/>
+          <p:cNvPr id="27" name="Picture 9" descr="F:\workspace\Capstone Project\hibernate-logo.png"/>
           <p:cNvPicPr>
             <a:picLocks noChangeAspect="1" noChangeArrowheads="1"/>
           </p:cNvPicPr>
           <p:nvPr/>
         </p:nvPicPr>
         <p:blipFill>
-          <a:blip r:embed="rId11">
+          <a:blip r:embed="rId11" cstate="print">
             <a:extLst>
               <a:ext uri="{28A0092B-C50C-407E-A947-70E740481C1C}">
                 <a14:useLocalDpi xmlns:a14="http://schemas.microsoft.com/office/drawing/2010/main" val="0"/>
@@ -11620,8 +12602,8 @@
         </p:blipFill>
         <p:spPr bwMode="auto">
           <a:xfrm>
-            <a:off x="7010400" y="3505200"/>
-            <a:ext cx="1447800" cy="897636"/>
+            <a:off x="3197239" y="3308159"/>
+            <a:ext cx="3068637" cy="513719"/>
           </a:xfrm>
           <a:prstGeom prst="rect">
             <a:avLst/>
@@ -11640,7 +12622,7 @@
       </p:pic>
       <p:pic>
         <p:nvPicPr>
-          <p:cNvPr id="3085" name="Picture 13" descr="F:\workspace\Capstone Project\paypal (2).png"/>
+          <p:cNvPr id="28" name="Picture 10" descr="F:\workspace\Capstone Project\log4j-mini-logo.png"/>
           <p:cNvPicPr>
             <a:picLocks noChangeAspect="1" noChangeArrowheads="1"/>
           </p:cNvPicPr>
@@ -11661,8 +12643,8 @@
         </p:blipFill>
         <p:spPr bwMode="auto">
           <a:xfrm>
-            <a:off x="2292445" y="4876800"/>
-            <a:ext cx="1042113" cy="889000"/>
+            <a:off x="2233382" y="4172668"/>
+            <a:ext cx="1447800" cy="897636"/>
           </a:xfrm>
           <a:prstGeom prst="rect">
             <a:avLst/>
@@ -11681,7 +12663,7 @@
       </p:pic>
       <p:pic>
         <p:nvPicPr>
-          <p:cNvPr id="3086" name="Picture 14" descr="F:\workspace\Capstone Project\fop_logo.jpg"/>
+          <p:cNvPr id="30" name="Picture 13" descr="F:\workspace\Capstone Project\paypal (2).png"/>
           <p:cNvPicPr>
             <a:picLocks noChangeAspect="1" noChangeArrowheads="1"/>
           </p:cNvPicPr>
@@ -11702,8 +12684,8 @@
         </p:blipFill>
         <p:spPr bwMode="auto">
           <a:xfrm>
-            <a:off x="3782707" y="4876801"/>
-            <a:ext cx="1544820" cy="889000"/>
+            <a:off x="3919851" y="4160517"/>
+            <a:ext cx="1042113" cy="889000"/>
           </a:xfrm>
           <a:prstGeom prst="rect">
             <a:avLst/>
@@ -11722,7 +12704,7 @@
       </p:pic>
       <p:pic>
         <p:nvPicPr>
-          <p:cNvPr id="3087" name="Picture 15" descr="F:\workspace\Capstone Project\Spring_Logo.png"/>
+          <p:cNvPr id="36" name="Picture 14" descr="F:\workspace\Capstone Project\fop_logo.jpg"/>
           <p:cNvPicPr>
             <a:picLocks noChangeAspect="1" noChangeArrowheads="1"/>
           </p:cNvPicPr>
@@ -11743,8 +12725,8 @@
         </p:blipFill>
         <p:spPr bwMode="auto">
           <a:xfrm>
-            <a:off x="5745480" y="4876801"/>
-            <a:ext cx="1493520" cy="889000"/>
+            <a:off x="5298240" y="4093324"/>
+            <a:ext cx="1544820" cy="889000"/>
           </a:xfrm>
           <a:prstGeom prst="rect">
             <a:avLst/>
@@ -11763,14 +12745,14 @@
       </p:pic>
       <p:pic>
         <p:nvPicPr>
-          <p:cNvPr id="16" name="Picture 2" descr="F:\workspace\Capstone Project\logo fpt university.jpg"/>
+          <p:cNvPr id="37" name="Picture 15" descr="F:\workspace\Capstone Project\Spring_Logo.png"/>
           <p:cNvPicPr>
             <a:picLocks noChangeAspect="1" noChangeArrowheads="1"/>
           </p:cNvPicPr>
           <p:nvPr/>
         </p:nvPicPr>
         <p:blipFill>
-          <a:blip r:embed="rId15" cstate="print">
+          <a:blip r:embed="rId15">
             <a:extLst>
               <a:ext uri="{28A0092B-C50C-407E-A947-70E740481C1C}">
                 <a14:useLocalDpi xmlns:a14="http://schemas.microsoft.com/office/drawing/2010/main" val="0"/>
@@ -11784,8 +12766,8 @@
         </p:blipFill>
         <p:spPr bwMode="auto">
           <a:xfrm>
-            <a:off x="7482841" y="6019800"/>
-            <a:ext cx="1143000" cy="730972"/>
+            <a:off x="6576586" y="2932878"/>
+            <a:ext cx="1493520" cy="889000"/>
           </a:xfrm>
           <a:prstGeom prst="rect">
             <a:avLst/>
@@ -11805,7 +12787,7 @@
     </p:spTree>
     <p:extLst>
       <p:ext uri="{BB962C8B-B14F-4D97-AF65-F5344CB8AC3E}">
-        <p14:creationId xmlns:p14="http://schemas.microsoft.com/office/powerpoint/2010/main" val="2046209442"/>
+        <p14:creationId xmlns:p14="http://schemas.microsoft.com/office/powerpoint/2010/main" val="3876934535"/>
       </p:ext>
     </p:extLst>
   </p:cSld>
@@ -11858,37 +12840,6 @@
       </p:grpSpPr>
       <p:sp>
         <p:nvSpPr>
-          <p:cNvPr id="4" name="Title 3"/>
-          <p:cNvSpPr>
-            <a:spLocks noGrp="1"/>
-          </p:cNvSpPr>
-          <p:nvPr>
-            <p:ph type="ctrTitle"/>
-          </p:nvPr>
-        </p:nvSpPr>
-        <p:spPr>
-          <a:xfrm>
-            <a:off x="762000" y="2286000"/>
-            <a:ext cx="7772400" cy="1470025"/>
-          </a:xfrm>
-        </p:spPr>
-        <p:txBody>
-          <a:bodyPr>
-            <a:normAutofit/>
-          </a:bodyPr>
-          <a:lstStyle/>
-          <a:p>
-            <a:pPr marL="342900" lvl="0" indent="-342900" algn="ctr" fontAlgn="base"/>
-            <a:r>
-              <a:rPr lang="en-US" dirty="0" smtClean="0"/>
-              <a:t>Demo</a:t>
-            </a:r>
-            <a:endParaRPr lang="en-US" dirty="0"/>
-          </a:p>
-        </p:txBody>
-      </p:sp>
-      <p:sp>
-        <p:nvSpPr>
           <p:cNvPr id="3" name="Subtitle 2"/>
           <p:cNvSpPr>
             <a:spLocks noGrp="1"/>
@@ -11899,7 +12850,7 @@
         </p:nvSpPr>
         <p:spPr>
           <a:xfrm>
-            <a:off x="1371600" y="2133600"/>
+            <a:off x="304800" y="457200"/>
             <a:ext cx="6400800" cy="3505200"/>
           </a:xfrm>
         </p:spPr>
@@ -11910,23 +12861,53 @@
           <a:lstStyle/>
           <a:p>
             <a:pPr lvl="0" algn="l" fontAlgn="base"/>
-            <a:endParaRPr lang="en-US" sz="2000" dirty="0">
+            <a:r>
+              <a:rPr lang="en-US" sz="5400" dirty="0" smtClean="0">
+                <a:ln w="0"/>
+                <a:solidFill>
+                  <a:schemeClr val="accent1"/>
+                </a:solidFill>
+                <a:effectLst>
+                  <a:outerShdw blurRad="38100" dist="25400" dir="5400000" algn="ctr" rotWithShape="0">
+                    <a:srgbClr val="6E747A">
+                      <a:alpha val="43000"/>
+                    </a:srgbClr>
+                  </a:outerShdw>
+                </a:effectLst>
+                <a:latin typeface="+mj-lt"/>
+                <a:ea typeface="+mj-ea"/>
+                <a:cs typeface="+mj-cs"/>
+              </a:rPr>
+              <a:t>Demo</a:t>
+            </a:r>
+            <a:endParaRPr lang="en-US" sz="5400" dirty="0">
+              <a:ln w="0"/>
               <a:solidFill>
-                <a:schemeClr val="tx1"/>
+                <a:schemeClr val="accent1"/>
               </a:solidFill>
+              <a:effectLst>
+                <a:outerShdw blurRad="38100" dist="25400" dir="5400000" algn="ctr" rotWithShape="0">
+                  <a:srgbClr val="6E747A">
+                    <a:alpha val="43000"/>
+                  </a:srgbClr>
+                </a:outerShdw>
+              </a:effectLst>
+              <a:latin typeface="+mj-lt"/>
+              <a:ea typeface="+mj-ea"/>
+              <a:cs typeface="+mj-cs"/>
             </a:endParaRPr>
           </a:p>
         </p:txBody>
       </p:sp>
       <p:pic>
         <p:nvPicPr>
-          <p:cNvPr id="5" name="Picture 2" descr="F:\workspace\Capstone Project\logo fpt university.jpg"/>
+          <p:cNvPr id="6" name="Picture 5"/>
           <p:cNvPicPr>
-            <a:picLocks noChangeAspect="1" noChangeArrowheads="1"/>
+            <a:picLocks noChangeAspect="1"/>
           </p:cNvPicPr>
           <p:nvPr/>
         </p:nvPicPr>
-        <p:blipFill>
+        <p:blipFill rotWithShape="1">
           <a:blip r:embed="rId3" cstate="print">
             <a:extLst>
               <a:ext uri="{28A0092B-C50C-407E-A947-70E740481C1C}">
@@ -11934,31 +12915,161 @@
               </a:ext>
             </a:extLst>
           </a:blip>
-          <a:srcRect/>
+          <a:srcRect r="18379"/>
+          <a:stretch/>
+        </p:blipFill>
+        <p:spPr>
+          <a:xfrm>
+            <a:off x="8382000" y="6172200"/>
+            <a:ext cx="609600" cy="587460"/>
+          </a:xfrm>
+          <a:prstGeom prst="ellipse">
+            <a:avLst/>
+          </a:prstGeom>
+        </p:spPr>
+      </p:pic>
+      <p:pic>
+        <p:nvPicPr>
+          <p:cNvPr id="7" name="Picture 6"/>
+          <p:cNvPicPr>
+            <a:picLocks noChangeAspect="1"/>
+          </p:cNvPicPr>
+          <p:nvPr/>
+        </p:nvPicPr>
+        <p:blipFill>
+          <a:blip r:embed="rId4">
+            <a:extLst>
+              <a:ext uri="{28A0092B-C50C-407E-A947-70E740481C1C}">
+                <a14:useLocalDpi xmlns:a14="http://schemas.microsoft.com/office/drawing/2010/main" val="0"/>
+              </a:ext>
+            </a:extLst>
+          </a:blip>
           <a:stretch>
             <a:fillRect/>
           </a:stretch>
         </p:blipFill>
-        <p:spPr bwMode="auto">
-          <a:xfrm>
-            <a:off x="7482841" y="6019800"/>
-            <a:ext cx="1143000" cy="730972"/>
+        <p:spPr>
+          <a:xfrm>
+            <a:off x="2057400" y="1981200"/>
+            <a:ext cx="1676400" cy="1676400"/>
           </a:xfrm>
           <a:prstGeom prst="rect">
             <a:avLst/>
           </a:prstGeom>
-          <a:noFill/>
-          <a:extLst>
-            <a:ext uri="{909E8E84-426E-40DD-AFC4-6F175D3DCCD1}">
-              <a14:hiddenFill xmlns:a14="http://schemas.microsoft.com/office/drawing/2010/main">
+        </p:spPr>
+      </p:pic>
+      <p:pic>
+        <p:nvPicPr>
+          <p:cNvPr id="8" name="Picture 7"/>
+          <p:cNvPicPr>
+            <a:picLocks noChangeAspect="1"/>
+          </p:cNvPicPr>
+          <p:nvPr/>
+        </p:nvPicPr>
+        <p:blipFill>
+          <a:blip r:embed="rId5">
+            <a:extLst>
+              <a:ext uri="{28A0092B-C50C-407E-A947-70E740481C1C}">
+                <a14:useLocalDpi xmlns:a14="http://schemas.microsoft.com/office/drawing/2010/main" val="0"/>
+              </a:ext>
+            </a:extLst>
+          </a:blip>
+          <a:stretch>
+            <a:fillRect/>
+          </a:stretch>
+        </p:blipFill>
+        <p:spPr>
+          <a:xfrm>
+            <a:off x="5029200" y="1981200"/>
+            <a:ext cx="1676400" cy="1676400"/>
+          </a:xfrm>
+          <a:prstGeom prst="rect">
+            <a:avLst/>
+          </a:prstGeom>
+        </p:spPr>
+      </p:pic>
+      <p:sp>
+        <p:nvSpPr>
+          <p:cNvPr id="9" name="TextBox 8"/>
+          <p:cNvSpPr txBox="1"/>
+          <p:nvPr/>
+        </p:nvSpPr>
+        <p:spPr>
+          <a:xfrm rot="20452409">
+            <a:off x="3013565" y="3355133"/>
+            <a:ext cx="843957" cy="400110"/>
+          </a:xfrm>
+          <a:prstGeom prst="rect">
+            <a:avLst/>
+          </a:prstGeom>
+          <a:solidFill>
+            <a:srgbClr val="0070C0"/>
+          </a:solidFill>
+        </p:spPr>
+        <p:txBody>
+          <a:bodyPr wrap="square" rtlCol="0">
+            <a:spAutoFit/>
+          </a:bodyPr>
+          <a:lstStyle/>
+          <a:p>
+            <a:pPr algn="ctr"/>
+            <a:r>
+              <a:rPr lang="en-US" sz="2000" b="1" dirty="0" smtClean="0">
                 <a:solidFill>
-                  <a:srgbClr val="FFFFFF"/>
+                  <a:schemeClr val="bg1"/>
                 </a:solidFill>
-              </a14:hiddenFill>
-            </a:ext>
-          </a:extLst>
-        </p:spPr>
-      </p:pic>
+              </a:rPr>
+              <a:t>Staff</a:t>
+            </a:r>
+            <a:endParaRPr lang="en-GB" sz="2000" b="1" dirty="0">
+              <a:solidFill>
+                <a:schemeClr val="bg1"/>
+              </a:solidFill>
+            </a:endParaRPr>
+          </a:p>
+        </p:txBody>
+      </p:sp>
+      <p:sp>
+        <p:nvSpPr>
+          <p:cNvPr id="10" name="TextBox 9"/>
+          <p:cNvSpPr txBox="1"/>
+          <p:nvPr/>
+        </p:nvSpPr>
+        <p:spPr>
+          <a:xfrm rot="20452409">
+            <a:off x="5671060" y="3375745"/>
+            <a:ext cx="1206074" cy="400110"/>
+          </a:xfrm>
+          <a:prstGeom prst="rect">
+            <a:avLst/>
+          </a:prstGeom>
+          <a:solidFill>
+            <a:schemeClr val="accent1"/>
+          </a:solidFill>
+        </p:spPr>
+        <p:txBody>
+          <a:bodyPr wrap="square" rtlCol="0">
+            <a:spAutoFit/>
+          </a:bodyPr>
+          <a:lstStyle/>
+          <a:p>
+            <a:pPr algn="ctr"/>
+            <a:r>
+              <a:rPr lang="en-US" sz="2000" b="1" dirty="0" smtClean="0">
+                <a:solidFill>
+                  <a:schemeClr val="bg1"/>
+                </a:solidFill>
+              </a:rPr>
+              <a:t>Customer</a:t>
+            </a:r>
+            <a:endParaRPr lang="en-GB" sz="2000" b="1" dirty="0">
+              <a:solidFill>
+                <a:schemeClr val="bg1"/>
+              </a:solidFill>
+            </a:endParaRPr>
+          </a:p>
+        </p:txBody>
+      </p:sp>
     </p:spTree>
     <p:extLst>
       <p:ext uri="{BB962C8B-B14F-4D97-AF65-F5344CB8AC3E}">
@@ -12025,8 +13136,8 @@
         </p:nvSpPr>
         <p:spPr>
           <a:xfrm>
-            <a:off x="685800" y="304800"/>
-            <a:ext cx="7772400" cy="1470025"/>
+            <a:off x="-228600" y="304800"/>
+            <a:ext cx="4191000" cy="936625"/>
           </a:xfrm>
         </p:spPr>
         <p:txBody>
@@ -12037,7 +13148,19 @@
           <a:p>
             <a:pPr marL="342900" lvl="0" indent="-342900" fontAlgn="base"/>
             <a:r>
-              <a:rPr lang="en-US" dirty="0"/>
+              <a:rPr lang="en-US" sz="5400" dirty="0">
+                <a:ln w="0"/>
+                <a:solidFill>
+                  <a:schemeClr val="accent1"/>
+                </a:solidFill>
+                <a:effectLst>
+                  <a:outerShdw blurRad="38100" dist="25400" dir="5400000" algn="ctr" rotWithShape="0">
+                    <a:srgbClr val="6E747A">
+                      <a:alpha val="43000"/>
+                    </a:srgbClr>
+                  </a:outerShdw>
+                </a:effectLst>
+              </a:rPr>
               <a:t>Summary</a:t>
             </a:r>
           </a:p>
@@ -12055,25 +13178,52 @@
         </p:nvSpPr>
         <p:spPr>
           <a:xfrm>
-            <a:off x="1371600" y="1600200"/>
+            <a:off x="1295400" y="1524000"/>
             <a:ext cx="6400800" cy="4038600"/>
           </a:xfrm>
         </p:spPr>
         <p:txBody>
           <a:bodyPr>
-            <a:normAutofit/>
+            <a:normAutofit fontScale="92500" lnSpcReduction="10000"/>
           </a:bodyPr>
           <a:lstStyle/>
           <a:p>
             <a:pPr lvl="0" algn="l" fontAlgn="base"/>
             <a:r>
-              <a:rPr lang="en-US" b="1" dirty="0" smtClean="0">
+              <a:rPr lang="en-US" sz="2600" dirty="0">
+                <a:ln w="0"/>
                 <a:solidFill>
-                  <a:schemeClr val="tx1"/>
+                  <a:schemeClr val="accent1"/>
                 </a:solidFill>
+                <a:effectLst>
+                  <a:outerShdw blurRad="38100" dist="25400" dir="5400000" algn="ctr" rotWithShape="0">
+                    <a:srgbClr val="6E747A">
+                      <a:alpha val="43000"/>
+                    </a:srgbClr>
+                  </a:outerShdw>
+                </a:effectLst>
+                <a:latin typeface="+mj-lt"/>
+                <a:ea typeface="+mj-ea"/>
+                <a:cs typeface="+mj-cs"/>
               </a:rPr>
-              <a:t>Advantages</a:t>
-            </a:r>
+              <a:t>Achievement</a:t>
+            </a:r>
+            <a:endParaRPr lang="en-US" sz="3500" dirty="0">
+              <a:ln w="0"/>
+              <a:solidFill>
+                <a:schemeClr val="accent1"/>
+              </a:solidFill>
+              <a:effectLst>
+                <a:outerShdw blurRad="38100" dist="25400" dir="5400000" algn="ctr" rotWithShape="0">
+                  <a:srgbClr val="6E747A">
+                    <a:alpha val="43000"/>
+                  </a:srgbClr>
+                </a:outerShdw>
+              </a:effectLst>
+              <a:latin typeface="+mj-lt"/>
+              <a:ea typeface="+mj-ea"/>
+              <a:cs typeface="+mj-cs"/>
+            </a:endParaRPr>
           </a:p>
           <a:p>
             <a:pPr marL="342900" lvl="0" indent="-342900" algn="l" fontAlgn="base">
@@ -12136,12 +13286,23 @@
           <a:p>
             <a:pPr lvl="0" algn="l" fontAlgn="base"/>
             <a:r>
-              <a:rPr lang="en-US" sz="2800" b="1" dirty="0" smtClean="0">
+              <a:rPr lang="en-US" sz="2600" dirty="0">
+                <a:ln w="0"/>
                 <a:solidFill>
-                  <a:schemeClr val="tx1"/>
+                  <a:schemeClr val="accent1"/>
                 </a:solidFill>
+                <a:effectLst>
+                  <a:outerShdw blurRad="38100" dist="25400" dir="5400000" algn="ctr" rotWithShape="0">
+                    <a:srgbClr val="6E747A">
+                      <a:alpha val="43000"/>
+                    </a:srgbClr>
+                  </a:outerShdw>
+                </a:effectLst>
+                <a:latin typeface="+mj-lt"/>
+                <a:ea typeface="+mj-ea"/>
+                <a:cs typeface="+mj-cs"/>
               </a:rPr>
-              <a:t>Disadvantages</a:t>
+              <a:t>Limitation</a:t>
             </a:r>
           </a:p>
           <a:p>
@@ -12195,13 +13356,13 @@
       </p:sp>
       <p:pic>
         <p:nvPicPr>
-          <p:cNvPr id="5" name="Picture 2" descr="F:\workspace\Capstone Project\logo fpt university.jpg"/>
+          <p:cNvPr id="6" name="Picture 5"/>
           <p:cNvPicPr>
-            <a:picLocks noChangeAspect="1" noChangeArrowheads="1"/>
+            <a:picLocks noChangeAspect="1"/>
           </p:cNvPicPr>
           <p:nvPr/>
         </p:nvPicPr>
-        <p:blipFill>
+        <p:blipFill rotWithShape="1">
           <a:blip r:embed="rId3" cstate="print">
             <a:extLst>
               <a:ext uri="{28A0092B-C50C-407E-A947-70E740481C1C}">
@@ -12209,29 +13370,17 @@
               </a:ext>
             </a:extLst>
           </a:blip>
-          <a:srcRect/>
-          <a:stretch>
-            <a:fillRect/>
-          </a:stretch>
+          <a:srcRect r="18379"/>
+          <a:stretch/>
         </p:blipFill>
-        <p:spPr bwMode="auto">
-          <a:xfrm>
-            <a:off x="7482841" y="6019800"/>
-            <a:ext cx="1143000" cy="730972"/>
-          </a:xfrm>
-          <a:prstGeom prst="rect">
+        <p:spPr>
+          <a:xfrm>
+            <a:off x="8382000" y="6172200"/>
+            <a:ext cx="609600" cy="587460"/>
+          </a:xfrm>
+          <a:prstGeom prst="ellipse">
             <a:avLst/>
           </a:prstGeom>
-          <a:noFill/>
-          <a:extLst>
-            <a:ext uri="{909E8E84-426E-40DD-AFC4-6F175D3DCCD1}">
-              <a14:hiddenFill xmlns:a14="http://schemas.microsoft.com/office/drawing/2010/main">
-                <a:solidFill>
-                  <a:srgbClr val="FFFFFF"/>
-                </a:solidFill>
-              </a14:hiddenFill>
-            </a:ext>
-          </a:extLst>
         </p:spPr>
       </p:pic>
     </p:spTree>
@@ -12300,8 +13449,8 @@
         </p:nvSpPr>
         <p:spPr>
           <a:xfrm>
-            <a:off x="685800" y="304800"/>
-            <a:ext cx="7772400" cy="1470025"/>
+            <a:off x="-228600" y="304800"/>
+            <a:ext cx="4191000" cy="936625"/>
           </a:xfrm>
         </p:spPr>
         <p:txBody>
@@ -12312,7 +13461,19 @@
           <a:p>
             <a:pPr marL="342900" lvl="0" indent="-342900" fontAlgn="base"/>
             <a:r>
-              <a:rPr lang="en-US" dirty="0"/>
+              <a:rPr lang="en-US" sz="5400" dirty="0">
+                <a:ln w="0"/>
+                <a:solidFill>
+                  <a:schemeClr val="accent1"/>
+                </a:solidFill>
+                <a:effectLst>
+                  <a:outerShdw blurRad="38100" dist="25400" dir="5400000" algn="ctr" rotWithShape="0">
+                    <a:srgbClr val="6E747A">
+                      <a:alpha val="43000"/>
+                    </a:srgbClr>
+                  </a:outerShdw>
+                </a:effectLst>
+              </a:rPr>
               <a:t>Summary</a:t>
             </a:r>
           </a:p>
@@ -12330,7 +13491,7 @@
         </p:nvSpPr>
         <p:spPr>
           <a:xfrm>
-            <a:off x="1371600" y="1600200"/>
+            <a:off x="1295400" y="1524000"/>
             <a:ext cx="6400800" cy="4038600"/>
           </a:xfrm>
         </p:spPr>
@@ -12342,26 +13503,48 @@
           <a:p>
             <a:pPr lvl="0" algn="l" fontAlgn="base"/>
             <a:r>
-              <a:rPr lang="en-US" b="1" dirty="0" smtClean="0">
+              <a:rPr lang="en-US" sz="2600" dirty="0" smtClean="0">
+                <a:ln w="0"/>
                 <a:solidFill>
-                  <a:schemeClr val="tx1"/>
+                  <a:schemeClr val="accent1"/>
                 </a:solidFill>
+                <a:effectLst>
+                  <a:outerShdw blurRad="38100" dist="25400" dir="5400000" algn="ctr" rotWithShape="0">
+                    <a:srgbClr val="6E747A">
+                      <a:alpha val="43000"/>
+                    </a:srgbClr>
+                  </a:outerShdw>
+                </a:effectLst>
+                <a:latin typeface="+mj-lt"/>
+                <a:ea typeface="+mj-ea"/>
+                <a:cs typeface="+mj-cs"/>
               </a:rPr>
-              <a:t>Future plan</a:t>
-            </a:r>
-            <a:endParaRPr lang="en-US" b="1" dirty="0">
+              <a:t>Future Plan</a:t>
+            </a:r>
+            <a:endParaRPr lang="en-US" sz="3500" dirty="0">
+              <a:ln w="0"/>
               <a:solidFill>
-                <a:schemeClr val="tx1"/>
+                <a:schemeClr val="accent1"/>
               </a:solidFill>
+              <a:effectLst>
+                <a:outerShdw blurRad="38100" dist="25400" dir="5400000" algn="ctr" rotWithShape="0">
+                  <a:srgbClr val="6E747A">
+                    <a:alpha val="43000"/>
+                  </a:srgbClr>
+                </a:outerShdw>
+              </a:effectLst>
+              <a:latin typeface="+mj-lt"/>
+              <a:ea typeface="+mj-ea"/>
+              <a:cs typeface="+mj-cs"/>
             </a:endParaRPr>
           </a:p>
           <a:p>
-            <a:pPr marL="342900" lvl="0" indent="-342900" fontAlgn="base">
+            <a:pPr marL="342900" lvl="0" indent="-342900" algn="l" fontAlgn="base">
               <a:buFont typeface="Arial" pitchFamily="34" charset="0"/>
               <a:buChar char="•"/>
             </a:pPr>
             <a:r>
-              <a:rPr lang="en-US" sz="2000" dirty="0" smtClean="0">
+              <a:rPr lang="en-US" sz="2000" dirty="0">
                 <a:solidFill>
                   <a:schemeClr val="tx1"/>
                 </a:solidFill>
@@ -12370,36 +13553,20 @@
             </a:r>
           </a:p>
           <a:p>
-            <a:pPr marL="342900" lvl="0" indent="-342900" fontAlgn="base">
+            <a:pPr marL="342900" lvl="0" indent="-342900" algn="l" fontAlgn="base">
               <a:buFont typeface="Arial" pitchFamily="34" charset="0"/>
               <a:buChar char="•"/>
             </a:pPr>
-            <a:r>
-              <a:rPr lang="en-US" sz="2000" dirty="0" smtClean="0">
-                <a:solidFill>
-                  <a:schemeClr val="tx1"/>
-                </a:solidFill>
-              </a:rPr>
-              <a:t>Integrate </a:t>
-            </a:r>
             <a:r>
               <a:rPr lang="en-US" sz="2000" dirty="0">
                 <a:solidFill>
                   <a:schemeClr val="tx1"/>
                 </a:solidFill>
               </a:rPr>
-              <a:t>more </a:t>
-            </a:r>
-            <a:r>
-              <a:rPr lang="en-US" sz="2000" dirty="0" smtClean="0">
-                <a:solidFill>
-                  <a:schemeClr val="tx1"/>
-                </a:solidFill>
-              </a:rPr>
-              <a:t>online payment methods (</a:t>
-            </a:r>
-            <a:r>
-              <a:rPr lang="en-US" sz="2000" dirty="0" err="1" smtClean="0">
+              <a:t>Integrate more online payment methods (</a:t>
+            </a:r>
+            <a:r>
+              <a:rPr lang="en-US" sz="2000" dirty="0" err="1">
                 <a:solidFill>
                   <a:schemeClr val="tx1"/>
                 </a:solidFill>
@@ -12407,7 +13574,7 @@
               <a:t>Bảo</a:t>
             </a:r>
             <a:r>
-              <a:rPr lang="en-US" sz="2000" dirty="0" smtClean="0">
+              <a:rPr lang="en-US" sz="2000" dirty="0">
                 <a:solidFill>
                   <a:schemeClr val="tx1"/>
                 </a:solidFill>
@@ -12415,7 +13582,7 @@
               <a:t> Kim, </a:t>
             </a:r>
             <a:r>
-              <a:rPr lang="en-US" sz="2000" dirty="0" err="1" smtClean="0">
+              <a:rPr lang="en-US" sz="2000" dirty="0" err="1">
                 <a:solidFill>
                   <a:schemeClr val="tx1"/>
                 </a:solidFill>
@@ -12423,7 +13590,7 @@
               <a:t>Ngân</a:t>
             </a:r>
             <a:r>
-              <a:rPr lang="en-US" sz="2000" dirty="0" smtClean="0">
+              <a:rPr lang="en-US" sz="2000" dirty="0">
                 <a:solidFill>
                   <a:schemeClr val="tx1"/>
                 </a:solidFill>
@@ -12431,7 +13598,7 @@
               <a:t> </a:t>
             </a:r>
             <a:r>
-              <a:rPr lang="en-US" sz="2000" dirty="0" err="1" smtClean="0">
+              <a:rPr lang="en-US" sz="2000" dirty="0" err="1">
                 <a:solidFill>
                   <a:schemeClr val="tx1"/>
                 </a:solidFill>
@@ -12439,7 +13606,7 @@
               <a:t>Lượng</a:t>
             </a:r>
             <a:r>
-              <a:rPr lang="en-US" sz="2000" dirty="0" smtClean="0">
+              <a:rPr lang="en-US" sz="2000" dirty="0">
                 <a:solidFill>
                   <a:schemeClr val="tx1"/>
                 </a:solidFill>
@@ -12448,12 +13615,12 @@
             </a:r>
           </a:p>
           <a:p>
-            <a:pPr marL="342900" lvl="0" indent="-342900" fontAlgn="base">
+            <a:pPr marL="342900" lvl="0" indent="-342900" algn="l" fontAlgn="base">
               <a:buFont typeface="Arial" pitchFamily="34" charset="0"/>
               <a:buChar char="•"/>
             </a:pPr>
             <a:r>
-              <a:rPr lang="en-US" sz="2000" dirty="0" smtClean="0">
+              <a:rPr lang="en-US" sz="2000" dirty="0">
                 <a:solidFill>
                   <a:schemeClr val="tx1"/>
                 </a:solidFill>
@@ -12467,60 +13634,39 @@
               <a:buChar char="•"/>
             </a:pPr>
             <a:r>
-              <a:rPr lang="en-US" sz="2000" dirty="0" smtClean="0">
+              <a:rPr lang="en-US" sz="2000" dirty="0">
                 <a:solidFill>
                   <a:schemeClr val="tx1"/>
                 </a:solidFill>
               </a:rPr>
               <a:t>Improve system performance.</a:t>
             </a:r>
-            <a:endParaRPr lang="en-US" sz="2000" dirty="0">
-              <a:solidFill>
-                <a:schemeClr val="tx1"/>
-              </a:solidFill>
-            </a:endParaRPr>
           </a:p>
           <a:p>
             <a:pPr marL="342900" lvl="0" indent="-342900" algn="l" fontAlgn="base">
               <a:buFont typeface="Arial" pitchFamily="34" charset="0"/>
               <a:buChar char="•"/>
             </a:pPr>
-            <a:r>
-              <a:rPr lang="en-US" sz="2000" dirty="0" smtClean="0">
-                <a:solidFill>
-                  <a:schemeClr val="tx1"/>
-                </a:solidFill>
-              </a:rPr>
-              <a:t>Improve </a:t>
-            </a:r>
             <a:r>
               <a:rPr lang="en-US" sz="2000" dirty="0">
                 <a:solidFill>
                   <a:schemeClr val="tx1"/>
                 </a:solidFill>
               </a:rPr>
-              <a:t>system as user friendly as possible</a:t>
-            </a:r>
-            <a:r>
-              <a:rPr lang="en-US" sz="2000" dirty="0" smtClean="0">
-                <a:solidFill>
-                  <a:schemeClr val="tx1"/>
-                </a:solidFill>
-              </a:rPr>
-              <a:t>.</a:t>
+              <a:t>Improve system as user friendly as possible.</a:t>
             </a:r>
           </a:p>
         </p:txBody>
       </p:sp>
       <p:pic>
         <p:nvPicPr>
-          <p:cNvPr id="5" name="Picture 2" descr="F:\workspace\Capstone Project\logo fpt university.jpg"/>
+          <p:cNvPr id="6" name="Picture 5"/>
           <p:cNvPicPr>
-            <a:picLocks noChangeAspect="1" noChangeArrowheads="1"/>
+            <a:picLocks noChangeAspect="1"/>
           </p:cNvPicPr>
           <p:nvPr/>
         </p:nvPicPr>
-        <p:blipFill>
+        <p:blipFill rotWithShape="1">
           <a:blip r:embed="rId3" cstate="print">
             <a:extLst>
               <a:ext uri="{28A0092B-C50C-407E-A947-70E740481C1C}">
@@ -12528,35 +13674,23 @@
               </a:ext>
             </a:extLst>
           </a:blip>
-          <a:srcRect/>
-          <a:stretch>
-            <a:fillRect/>
-          </a:stretch>
+          <a:srcRect r="18379"/>
+          <a:stretch/>
         </p:blipFill>
-        <p:spPr bwMode="auto">
-          <a:xfrm>
-            <a:off x="7482841" y="6019800"/>
-            <a:ext cx="1143000" cy="730972"/>
-          </a:xfrm>
-          <a:prstGeom prst="rect">
+        <p:spPr>
+          <a:xfrm>
+            <a:off x="8382000" y="6172200"/>
+            <a:ext cx="609600" cy="587460"/>
+          </a:xfrm>
+          <a:prstGeom prst="ellipse">
             <a:avLst/>
           </a:prstGeom>
-          <a:noFill/>
-          <a:extLst>
-            <a:ext uri="{909E8E84-426E-40DD-AFC4-6F175D3DCCD1}">
-              <a14:hiddenFill xmlns:a14="http://schemas.microsoft.com/office/drawing/2010/main">
-                <a:solidFill>
-                  <a:srgbClr val="FFFFFF"/>
-                </a:solidFill>
-              </a14:hiddenFill>
-            </a:ext>
-          </a:extLst>
         </p:spPr>
       </p:pic>
     </p:spTree>
     <p:extLst>
       <p:ext uri="{BB962C8B-B14F-4D97-AF65-F5344CB8AC3E}">
-        <p14:creationId xmlns:p14="http://schemas.microsoft.com/office/powerpoint/2010/main" val="3636129923"/>
+        <p14:creationId xmlns:p14="http://schemas.microsoft.com/office/powerpoint/2010/main" val="4134772639"/>
       </p:ext>
     </p:extLst>
   </p:cSld>
@@ -12860,7 +13994,7 @@
         </p:nvSpPr>
         <p:spPr>
           <a:xfrm>
-            <a:off x="762000" y="990600"/>
+            <a:off x="-1143000" y="152400"/>
             <a:ext cx="7772400" cy="1470025"/>
           </a:xfrm>
         </p:spPr>
@@ -12872,10 +14006,34 @@
           <a:p>
             <a:pPr marL="342900" lvl="0" indent="-342900" algn="ctr" fontAlgn="base"/>
             <a:r>
-              <a:rPr lang="en-US" dirty="0" smtClean="0"/>
+              <a:rPr lang="en-US" sz="2400" dirty="0">
+                <a:ln w="0"/>
+                <a:solidFill>
+                  <a:schemeClr val="accent1"/>
+                </a:solidFill>
+                <a:effectLst>
+                  <a:outerShdw blurRad="38100" dist="25400" dir="5400000" algn="ctr" rotWithShape="0">
+                    <a:srgbClr val="6E747A">
+                      <a:alpha val="43000"/>
+                    </a:srgbClr>
+                  </a:outerShdw>
+                </a:effectLst>
+              </a:rPr>
               <a:t>Thanks for your listening</a:t>
             </a:r>
-            <a:endParaRPr lang="en-US" dirty="0"/>
+            <a:endParaRPr lang="en-US" sz="2400" dirty="0">
+              <a:ln w="0"/>
+              <a:solidFill>
+                <a:schemeClr val="accent1"/>
+              </a:solidFill>
+              <a:effectLst>
+                <a:outerShdw blurRad="38100" dist="25400" dir="5400000" algn="ctr" rotWithShape="0">
+                  <a:srgbClr val="6E747A">
+                    <a:alpha val="43000"/>
+                  </a:srgbClr>
+                </a:outerShdw>
+              </a:effectLst>
+            </a:endParaRPr>
           </a:p>
         </p:txBody>
       </p:sp>
@@ -12891,8 +14049,8 @@
         </p:nvSpPr>
         <p:spPr>
           <a:xfrm>
-            <a:off x="1371600" y="2133600"/>
-            <a:ext cx="6400800" cy="3505200"/>
+            <a:off x="-533400" y="381000"/>
+            <a:ext cx="3505200" cy="1981200"/>
           </a:xfrm>
         </p:spPr>
         <p:txBody>
@@ -12903,34 +14061,21 @@
           <a:p>
             <a:pPr lvl="0" algn="ctr" fontAlgn="base"/>
             <a:r>
-              <a:rPr lang="en-US" sz="8000" spc="-150" dirty="0">
-                <a:ln w="3175">
-                  <a:noFill/>
-                </a:ln>
-                <a:gradFill flip="none" rotWithShape="1">
-                  <a:gsLst>
-                    <a:gs pos="0">
-                      <a:srgbClr val="FFFFB9"/>
-                    </a:gs>
-                    <a:gs pos="36000">
-                      <a:srgbClr val="FFFF99"/>
-                    </a:gs>
-                    <a:gs pos="86000">
-                      <a:srgbClr val="F6AE1E"/>
-                    </a:gs>
-                  </a:gsLst>
-                  <a:lin ang="5400000" scaled="0"/>
-                  <a:tileRect/>
-                </a:gradFill>
+              <a:rPr lang="en-US" sz="5400" dirty="0">
+                <a:ln w="0"/>
+                <a:solidFill>
+                  <a:schemeClr val="accent1"/>
+                </a:solidFill>
                 <a:effectLst>
-                  <a:outerShdw blurRad="50800" dist="38100" dir="2700000" algn="tl" rotWithShape="0">
-                    <a:prstClr val="black">
-                      <a:alpha val="40000"/>
-                    </a:prstClr>
+                  <a:outerShdw blurRad="38100" dist="25400" dir="5400000" algn="ctr" rotWithShape="0">
+                    <a:srgbClr val="6E747A">
+                      <a:alpha val="43000"/>
+                    </a:srgbClr>
                   </a:outerShdw>
                 </a:effectLst>
                 <a:latin typeface="+mj-lt"/>
-                <a:cs typeface="Arial" charset="0"/>
+                <a:ea typeface="+mj-ea"/>
+                <a:cs typeface="+mj-cs"/>
               </a:rPr>
               <a:t>Q&amp;A</a:t>
             </a:r>
@@ -12939,13 +14084,13 @@
       </p:sp>
       <p:pic>
         <p:nvPicPr>
-          <p:cNvPr id="5" name="Picture 2" descr="F:\workspace\Capstone Project\logo fpt university.jpg"/>
+          <p:cNvPr id="6" name="Picture 5"/>
           <p:cNvPicPr>
-            <a:picLocks noChangeAspect="1" noChangeArrowheads="1"/>
+            <a:picLocks noChangeAspect="1"/>
           </p:cNvPicPr>
           <p:nvPr/>
         </p:nvPicPr>
-        <p:blipFill>
+        <p:blipFill rotWithShape="1">
           <a:blip r:embed="rId3" cstate="print">
             <a:extLst>
               <a:ext uri="{28A0092B-C50C-407E-A947-70E740481C1C}">
@@ -12953,29 +14098,17 @@
               </a:ext>
             </a:extLst>
           </a:blip>
-          <a:srcRect/>
-          <a:stretch>
-            <a:fillRect/>
-          </a:stretch>
+          <a:srcRect r="18379"/>
+          <a:stretch/>
         </p:blipFill>
-        <p:spPr bwMode="auto">
-          <a:xfrm>
-            <a:off x="7482841" y="6019800"/>
-            <a:ext cx="1143000" cy="730972"/>
-          </a:xfrm>
-          <a:prstGeom prst="rect">
+        <p:spPr>
+          <a:xfrm>
+            <a:off x="8382000" y="6172200"/>
+            <a:ext cx="609600" cy="587460"/>
+          </a:xfrm>
+          <a:prstGeom prst="ellipse">
             <a:avLst/>
           </a:prstGeom>
-          <a:noFill/>
-          <a:extLst>
-            <a:ext uri="{909E8E84-426E-40DD-AFC4-6F175D3DCCD1}">
-              <a14:hiddenFill xmlns:a14="http://schemas.microsoft.com/office/drawing/2010/main">
-                <a:solidFill>
-                  <a:srgbClr val="FFFFFF"/>
-                </a:solidFill>
-              </a14:hiddenFill>
-            </a:ext>
-          </a:extLst>
         </p:spPr>
       </p:pic>
     </p:spTree>
@@ -14543,10 +15676,10 @@
         </p:nvGrpSpPr>
         <p:grpSpPr>
           <a:xfrm>
-            <a:off x="855063" y="1447800"/>
-            <a:ext cx="8288937" cy="3121291"/>
+            <a:off x="1003715" y="769947"/>
+            <a:ext cx="8476938" cy="3121291"/>
             <a:chOff x="171762" y="1671418"/>
-            <a:chExt cx="8288937" cy="3121291"/>
+            <a:chExt cx="8476938" cy="3121291"/>
           </a:xfrm>
         </p:grpSpPr>
         <p:sp>
@@ -14756,6 +15889,9 @@
               <a:avLst/>
             </a:prstGeom>
             <a:ln w="38100">
+              <a:solidFill>
+                <a:srgbClr val="FF0000"/>
+              </a:solidFill>
               <a:tailEnd type="triangle"/>
             </a:ln>
           </p:spPr>
@@ -14790,7 +15926,7 @@
             </a:prstGeom>
             <a:ln w="38100">
               <a:solidFill>
-                <a:srgbClr val="7030A0"/>
+                <a:srgbClr val="0070C0"/>
               </a:solidFill>
               <a:tailEnd type="triangle"/>
             </a:ln>
@@ -14826,7 +15962,7 @@
             </a:prstGeom>
             <a:ln w="38100">
               <a:solidFill>
-                <a:srgbClr val="002060"/>
+                <a:srgbClr val="FF0000"/>
               </a:solidFill>
               <a:tailEnd type="triangle"/>
             </a:ln>
@@ -14972,7 +16108,7 @@
           </p:nvSpPr>
           <p:spPr>
             <a:xfrm>
-              <a:off x="6631899" y="4033108"/>
+              <a:off x="6819900" y="4187719"/>
               <a:ext cx="1828800" cy="400110"/>
             </a:xfrm>
             <a:prstGeom prst="rect">
@@ -15011,7 +16147,7 @@
         </p:nvSpPr>
         <p:spPr>
           <a:xfrm>
-            <a:off x="727958" y="4376703"/>
+            <a:off x="807904" y="4429247"/>
             <a:ext cx="6546643" cy="2246769"/>
           </a:xfrm>
           <a:prstGeom prst="rect">
@@ -15332,6 +16468,291 @@
               <a:ea typeface="+mj-ea"/>
               <a:cs typeface="+mj-cs"/>
             </a:endParaRPr>
+          </a:p>
+        </p:txBody>
+      </p:sp>
+      <p:cxnSp>
+        <p:nvCxnSpPr>
+          <p:cNvPr id="50" name="Straight Connector 49"/>
+          <p:cNvCxnSpPr>
+            <a:stCxn id="36" idx="2"/>
+          </p:cNvCxnSpPr>
+          <p:nvPr/>
+        </p:nvCxnSpPr>
+        <p:spPr>
+          <a:xfrm>
+            <a:off x="1810061" y="2692022"/>
+            <a:ext cx="12492" cy="1346578"/>
+          </a:xfrm>
+          <a:prstGeom prst="line">
+            <a:avLst/>
+          </a:prstGeom>
+          <a:ln w="25400">
+            <a:solidFill>
+              <a:schemeClr val="bg1">
+                <a:lumMod val="50000"/>
+              </a:schemeClr>
+            </a:solidFill>
+            <a:prstDash val="sysDash"/>
+            <a:tailEnd type="none"/>
+          </a:ln>
+        </p:spPr>
+        <p:style>
+          <a:lnRef idx="3">
+            <a:schemeClr val="accent1"/>
+          </a:lnRef>
+          <a:fillRef idx="0">
+            <a:schemeClr val="accent1"/>
+          </a:fillRef>
+          <a:effectRef idx="2">
+            <a:schemeClr val="accent1"/>
+          </a:effectRef>
+          <a:fontRef idx="minor">
+            <a:schemeClr val="tx1"/>
+          </a:fontRef>
+        </p:style>
+      </p:cxnSp>
+      <p:cxnSp>
+        <p:nvCxnSpPr>
+          <p:cNvPr id="51" name="Straight Connector 50"/>
+          <p:cNvCxnSpPr/>
+          <p:nvPr/>
+        </p:nvCxnSpPr>
+        <p:spPr>
+          <a:xfrm>
+            <a:off x="4870553" y="2617523"/>
+            <a:ext cx="0" cy="668725"/>
+          </a:xfrm>
+          <a:prstGeom prst="line">
+            <a:avLst/>
+          </a:prstGeom>
+          <a:ln w="25400">
+            <a:solidFill>
+              <a:schemeClr val="bg1">
+                <a:lumMod val="50000"/>
+              </a:schemeClr>
+            </a:solidFill>
+            <a:prstDash val="sysDash"/>
+            <a:tailEnd type="none"/>
+          </a:ln>
+        </p:spPr>
+        <p:style>
+          <a:lnRef idx="3">
+            <a:schemeClr val="accent1"/>
+          </a:lnRef>
+          <a:fillRef idx="0">
+            <a:schemeClr val="accent1"/>
+          </a:fillRef>
+          <a:effectRef idx="2">
+            <a:schemeClr val="accent1"/>
+          </a:effectRef>
+          <a:fontRef idx="minor">
+            <a:schemeClr val="tx1"/>
+          </a:fontRef>
+        </p:style>
+      </p:cxnSp>
+      <p:cxnSp>
+        <p:nvCxnSpPr>
+          <p:cNvPr id="52" name="Straight Connector 51"/>
+          <p:cNvCxnSpPr/>
+          <p:nvPr/>
+        </p:nvCxnSpPr>
+        <p:spPr>
+          <a:xfrm>
+            <a:off x="8058461" y="3746729"/>
+            <a:ext cx="12492" cy="291871"/>
+          </a:xfrm>
+          <a:prstGeom prst="line">
+            <a:avLst/>
+          </a:prstGeom>
+          <a:ln w="25400">
+            <a:solidFill>
+              <a:schemeClr val="bg1">
+                <a:lumMod val="50000"/>
+              </a:schemeClr>
+            </a:solidFill>
+            <a:prstDash val="sysDash"/>
+            <a:tailEnd type="none"/>
+          </a:ln>
+        </p:spPr>
+        <p:style>
+          <a:lnRef idx="3">
+            <a:schemeClr val="accent1"/>
+          </a:lnRef>
+          <a:fillRef idx="0">
+            <a:schemeClr val="accent1"/>
+          </a:fillRef>
+          <a:effectRef idx="2">
+            <a:schemeClr val="accent1"/>
+          </a:effectRef>
+          <a:fontRef idx="minor">
+            <a:schemeClr val="tx1"/>
+          </a:fontRef>
+        </p:style>
+      </p:cxnSp>
+      <p:cxnSp>
+        <p:nvCxnSpPr>
+          <p:cNvPr id="59" name="Straight Connector 58"/>
+          <p:cNvCxnSpPr/>
+          <p:nvPr/>
+        </p:nvCxnSpPr>
+        <p:spPr>
+          <a:xfrm>
+            <a:off x="1810061" y="3286248"/>
+            <a:ext cx="3060492" cy="0"/>
+          </a:xfrm>
+          <a:prstGeom prst="line">
+            <a:avLst/>
+          </a:prstGeom>
+          <a:ln w="38100">
+            <a:solidFill>
+              <a:schemeClr val="bg1">
+                <a:lumMod val="50000"/>
+              </a:schemeClr>
+            </a:solidFill>
+            <a:prstDash val="sysDash"/>
+            <a:headEnd type="triangle"/>
+            <a:tailEnd type="triangle"/>
+          </a:ln>
+        </p:spPr>
+        <p:style>
+          <a:lnRef idx="3">
+            <a:schemeClr val="accent1"/>
+          </a:lnRef>
+          <a:fillRef idx="0">
+            <a:schemeClr val="accent1"/>
+          </a:fillRef>
+          <a:effectRef idx="2">
+            <a:schemeClr val="accent1"/>
+          </a:effectRef>
+          <a:fontRef idx="minor">
+            <a:schemeClr val="tx1"/>
+          </a:fontRef>
+        </p:style>
+      </p:cxnSp>
+      <p:cxnSp>
+        <p:nvCxnSpPr>
+          <p:cNvPr id="61" name="Straight Connector 60"/>
+          <p:cNvCxnSpPr/>
+          <p:nvPr/>
+        </p:nvCxnSpPr>
+        <p:spPr>
+          <a:xfrm>
+            <a:off x="1810061" y="4038600"/>
+            <a:ext cx="6260892" cy="0"/>
+          </a:xfrm>
+          <a:prstGeom prst="line">
+            <a:avLst/>
+          </a:prstGeom>
+          <a:ln w="38100">
+            <a:solidFill>
+              <a:schemeClr val="bg1">
+                <a:lumMod val="50000"/>
+              </a:schemeClr>
+            </a:solidFill>
+            <a:prstDash val="sysDash"/>
+            <a:headEnd type="triangle"/>
+            <a:tailEnd type="triangle"/>
+          </a:ln>
+        </p:spPr>
+        <p:style>
+          <a:lnRef idx="3">
+            <a:schemeClr val="accent1"/>
+          </a:lnRef>
+          <a:fillRef idx="0">
+            <a:schemeClr val="accent1"/>
+          </a:fillRef>
+          <a:effectRef idx="2">
+            <a:schemeClr val="accent1"/>
+          </a:effectRef>
+          <a:fontRef idx="minor">
+            <a:schemeClr val="tx1"/>
+          </a:fontRef>
+        </p:style>
+      </p:cxnSp>
+      <p:sp>
+        <p:nvSpPr>
+          <p:cNvPr id="67" name="TextBox 66"/>
+          <p:cNvSpPr txBox="1"/>
+          <p:nvPr/>
+        </p:nvSpPr>
+        <p:spPr>
+          <a:xfrm>
+            <a:off x="2765058" y="3094739"/>
+            <a:ext cx="1222949" cy="400110"/>
+          </a:xfrm>
+          <a:prstGeom prst="rect">
+            <a:avLst/>
+          </a:prstGeom>
+          <a:solidFill>
+            <a:srgbClr val="002060"/>
+          </a:solidFill>
+        </p:spPr>
+        <p:txBody>
+          <a:bodyPr wrap="square" rtlCol="0">
+            <a:spAutoFit/>
+          </a:bodyPr>
+          <a:lstStyle>
+            <a:defPPr>
+              <a:defRPr lang="en-US"/>
+            </a:defPPr>
+            <a:lvl1pPr algn="ctr">
+              <a:defRPr sz="2000" b="1">
+                <a:solidFill>
+                  <a:schemeClr val="bg1"/>
+                </a:solidFill>
+              </a:defRPr>
+            </a:lvl1pPr>
+          </a:lstStyle>
+          <a:p>
+            <a:r>
+              <a:rPr lang="en-US" dirty="0"/>
+              <a:t>Segment</a:t>
+            </a:r>
+            <a:endParaRPr lang="en-GB" dirty="0"/>
+          </a:p>
+        </p:txBody>
+      </p:sp>
+      <p:sp>
+        <p:nvSpPr>
+          <p:cNvPr id="68" name="TextBox 67"/>
+          <p:cNvSpPr txBox="1"/>
+          <p:nvPr/>
+        </p:nvSpPr>
+        <p:spPr>
+          <a:xfrm>
+            <a:off x="4252209" y="3833814"/>
+            <a:ext cx="944381" cy="400110"/>
+          </a:xfrm>
+          <a:prstGeom prst="rect">
+            <a:avLst/>
+          </a:prstGeom>
+          <a:solidFill>
+            <a:srgbClr val="002060"/>
+          </a:solidFill>
+        </p:spPr>
+        <p:txBody>
+          <a:bodyPr wrap="square" rtlCol="0">
+            <a:spAutoFit/>
+          </a:bodyPr>
+          <a:lstStyle>
+            <a:defPPr>
+              <a:defRPr lang="en-US"/>
+            </a:defPPr>
+            <a:lvl1pPr algn="ctr">
+              <a:defRPr sz="2000" b="1">
+                <a:solidFill>
+                  <a:schemeClr val="bg1"/>
+                </a:solidFill>
+              </a:defRPr>
+            </a:lvl1pPr>
+          </a:lstStyle>
+          <a:p>
+            <a:r>
+              <a:rPr lang="en-US" dirty="0"/>
+              <a:t>Route</a:t>
+            </a:r>
+            <a:endParaRPr lang="en-GB" dirty="0"/>
           </a:p>
         </p:txBody>
       </p:sp>
@@ -15918,13 +17339,13 @@
           <p:nvPr>
             <p:extLst>
               <p:ext uri="{D42A27DB-BD31-4B8C-83A1-F6EECF244321}">
-                <p14:modId xmlns:p14="http://schemas.microsoft.com/office/powerpoint/2010/main" val="550286362"/>
+                <p14:modId xmlns:p14="http://schemas.microsoft.com/office/powerpoint/2010/main" val="3170395997"/>
               </p:ext>
             </p:extLst>
           </p:nvPr>
         </p:nvGraphicFramePr>
         <p:xfrm>
-          <a:off x="757626" y="3380545"/>
+          <a:off x="762000" y="3229005"/>
           <a:ext cx="6096000" cy="1651000"/>
         </p:xfrm>
         <a:graphic>
@@ -15964,7 +17385,7 @@
                       </a:r>
                       <a:r>
                         <a:rPr lang="en-US" baseline="0" dirty="0" smtClean="0"/>
-                        <a:t> time</a:t>
+                        <a:t> date</a:t>
                       </a:r>
                       <a:endParaRPr lang="en-GB" dirty="0"/>
                     </a:p>
@@ -16146,7 +17567,7 @@
         </p:nvSpPr>
         <p:spPr>
           <a:xfrm>
-            <a:off x="1007463" y="5181600"/>
+            <a:off x="1007463" y="4953000"/>
             <a:ext cx="6460137" cy="646331"/>
           </a:xfrm>
           <a:prstGeom prst="rect">
@@ -16162,13 +17583,13 @@
           <a:p>
             <a:r>
               <a:rPr lang="en-US" dirty="0" smtClean="0"/>
-              <a:t>From 30/04/2013 – 31/05/2013: 200,000 VNĐ</a:t>
+              <a:t>From 0:00 30/04/2013 – 23:59 31/05/2013: 200,000 VNĐ</a:t>
             </a:r>
           </a:p>
           <a:p>
             <a:r>
               <a:rPr lang="en-US" dirty="0" smtClean="0"/>
-              <a:t>From 01/06/2013 – future: 250,000 VNĐ</a:t>
+              <a:t>From 0:00 01/06/2013 – future: 250,000 VNĐ</a:t>
             </a:r>
             <a:endParaRPr lang="en-GB" dirty="0"/>
           </a:p>
@@ -16458,6 +17879,7 @@
           </a:bodyPr>
           <a:lstStyle/>
           <a:p>
+            <a:pPr algn="ctr"/>
             <a:r>
               <a:rPr lang="en-US" sz="2000" b="1" dirty="0" smtClean="0">
                 <a:solidFill>
@@ -16822,6 +18244,9 @@
                   <a:avLst/>
                 </a:prstGeom>
                 <a:ln w="38100">
+                  <a:solidFill>
+                    <a:srgbClr val="FF0000"/>
+                  </a:solidFill>
                   <a:tailEnd type="triangle"/>
                 </a:ln>
               </p:spPr>
@@ -16856,7 +18281,7 @@
                 </a:prstGeom>
                 <a:ln w="38100">
                   <a:solidFill>
-                    <a:srgbClr val="002060"/>
+                    <a:srgbClr val="FF0000"/>
                   </a:solidFill>
                   <a:tailEnd type="triangle"/>
                 </a:ln>
